--- a/Slides/PH223_Lecture_50.pptx
+++ b/Slides/PH223_Lecture_50.pptx
@@ -5,21 +5,28 @@
     <p:sldMasterId id="2147483648" r:id="rId1"/>
   </p:sldMasterIdLst>
   <p:notesMasterIdLst>
-    <p:notesMasterId r:id="rId14"/>
+    <p:notesMasterId r:id="rId21"/>
   </p:notesMasterIdLst>
   <p:sldIdLst>
-    <p:sldId id="259" r:id="rId2"/>
-    <p:sldId id="260" r:id="rId3"/>
-    <p:sldId id="263" r:id="rId4"/>
-    <p:sldId id="282" r:id="rId5"/>
-    <p:sldId id="279" r:id="rId6"/>
-    <p:sldId id="281" r:id="rId7"/>
-    <p:sldId id="278" r:id="rId8"/>
-    <p:sldId id="268" r:id="rId9"/>
-    <p:sldId id="269" r:id="rId10"/>
-    <p:sldId id="270" r:id="rId11"/>
-    <p:sldId id="272" r:id="rId12"/>
-    <p:sldId id="277" r:id="rId13"/>
+    <p:sldId id="1440" r:id="rId2"/>
+    <p:sldId id="1441" r:id="rId3"/>
+    <p:sldId id="1442" r:id="rId4"/>
+    <p:sldId id="1443" r:id="rId5"/>
+    <p:sldId id="1444" r:id="rId6"/>
+    <p:sldId id="259" r:id="rId7"/>
+    <p:sldId id="260" r:id="rId8"/>
+    <p:sldId id="263" r:id="rId9"/>
+    <p:sldId id="1445" r:id="rId10"/>
+    <p:sldId id="282" r:id="rId11"/>
+    <p:sldId id="1446" r:id="rId12"/>
+    <p:sldId id="279" r:id="rId13"/>
+    <p:sldId id="281" r:id="rId14"/>
+    <p:sldId id="278" r:id="rId15"/>
+    <p:sldId id="268" r:id="rId16"/>
+    <p:sldId id="269" r:id="rId17"/>
+    <p:sldId id="270" r:id="rId18"/>
+    <p:sldId id="272" r:id="rId19"/>
+    <p:sldId id="277" r:id="rId20"/>
   </p:sldIdLst>
   <p:sldSz cx="9144000" cy="6858000" type="screen4x3"/>
   <p:notesSz cx="6858000" cy="9144000"/>
@@ -118,7 +125,189 @@
       </a:defRPr>
     </a:lvl9pPr>
   </p:defaultTextStyle>
+  <p:extLst>
+    <p:ext uri="{EFAFB233-063F-42B5-8137-9DF3F51BA10A}">
+      <p15:sldGuideLst xmlns:p15="http://schemas.microsoft.com/office/powerpoint/2012/main">
+        <p15:guide id="1" orient="horz" pos="2160">
+          <p15:clr>
+            <a:srgbClr val="A4A3A4"/>
+          </p15:clr>
+        </p15:guide>
+        <p15:guide id="2" pos="2880">
+          <p15:clr>
+            <a:srgbClr val="A4A3A4"/>
+          </p15:clr>
+        </p15:guide>
+      </p15:sldGuideLst>
+    </p:ext>
+  </p:extLst>
 </p:presentation>
+</file>
+
+<file path=ppt/revisionInfo.xml><?xml version="1.0" encoding="utf-8"?>
+<p1510:revInfo xmlns:a="http://schemas.openxmlformats.org/drawingml/2006/main" xmlns:r="http://schemas.openxmlformats.org/officeDocument/2006/relationships" xmlns:p1510="http://schemas.microsoft.com/office/powerpoint/2015/10/main">
+  <p1510:revLst>
+    <p1510:client id="{FC94D1A0-007C-406B-BB4C-ED28AB0FDB8E}" v="5" dt="2023-12-02T01:35:25.682"/>
+  </p1510:revLst>
+</p1510:revInfo>
+</file>
+
+<file path=ppt/changesInfos/changesInfo1.xml><?xml version="1.0" encoding="utf-8"?>
+<pc:chgInfo xmlns:a="http://schemas.openxmlformats.org/drawingml/2006/main" xmlns:r="http://schemas.openxmlformats.org/officeDocument/2006/relationships" xmlns:ac="http://schemas.microsoft.com/office/drawing/2013/main/command" xmlns:pc="http://schemas.microsoft.com/office/powerpoint/2013/main/command">
+  <pc:docChgLst>
+    <pc:chgData name="Lines, Todd" userId="afaf7c3a-e8aa-4568-882a-02ad8f9e19b0" providerId="ADAL" clId="{FC94D1A0-007C-406B-BB4C-ED28AB0FDB8E}"/>
+    <pc:docChg chg="custSel addSld modSld sldOrd">
+      <pc:chgData name="Lines, Todd" userId="afaf7c3a-e8aa-4568-882a-02ad8f9e19b0" providerId="ADAL" clId="{FC94D1A0-007C-406B-BB4C-ED28AB0FDB8E}" dt="2023-12-02T01:36:45.743" v="577" actId="20577"/>
+      <pc:docMkLst>
+        <pc:docMk/>
+      </pc:docMkLst>
+      <pc:sldChg chg="addSp modSp mod chgLayout">
+        <pc:chgData name="Lines, Todd" userId="afaf7c3a-e8aa-4568-882a-02ad8f9e19b0" providerId="ADAL" clId="{FC94D1A0-007C-406B-BB4C-ED28AB0FDB8E}" dt="2023-12-02T01:33:10.307" v="193" actId="20577"/>
+        <pc:sldMkLst>
+          <pc:docMk/>
+          <pc:sldMk cId="0" sldId="259"/>
+        </pc:sldMkLst>
+        <pc:spChg chg="add mod ord">
+          <ac:chgData name="Lines, Todd" userId="afaf7c3a-e8aa-4568-882a-02ad8f9e19b0" providerId="ADAL" clId="{FC94D1A0-007C-406B-BB4C-ED28AB0FDB8E}" dt="2023-12-02T01:31:59.032" v="19" actId="27636"/>
+          <ac:spMkLst>
+            <pc:docMk/>
+            <pc:sldMk cId="0" sldId="259"/>
+            <ac:spMk id="2" creationId="{825D3A78-80DD-EEB8-CFEA-4AD929738598}"/>
+          </ac:spMkLst>
+        </pc:spChg>
+        <pc:spChg chg="add mod ord">
+          <ac:chgData name="Lines, Todd" userId="afaf7c3a-e8aa-4568-882a-02ad8f9e19b0" providerId="ADAL" clId="{FC94D1A0-007C-406B-BB4C-ED28AB0FDB8E}" dt="2023-12-02T01:33:10.307" v="193" actId="20577"/>
+          <ac:spMkLst>
+            <pc:docMk/>
+            <pc:sldMk cId="0" sldId="259"/>
+            <ac:spMk id="3" creationId="{21646B6A-45F4-E028-EE8F-3A69F4BE7C6E}"/>
+          </ac:spMkLst>
+        </pc:spChg>
+        <pc:picChg chg="mod">
+          <ac:chgData name="Lines, Todd" userId="afaf7c3a-e8aa-4568-882a-02ad8f9e19b0" providerId="ADAL" clId="{FC94D1A0-007C-406B-BB4C-ED28AB0FDB8E}" dt="2023-12-02T01:32:19.085" v="57" actId="1038"/>
+          <ac:picMkLst>
+            <pc:docMk/>
+            <pc:sldMk cId="0" sldId="259"/>
+            <ac:picMk id="4098" creationId="{00000000-0000-0000-0000-000000000000}"/>
+          </ac:picMkLst>
+        </pc:picChg>
+      </pc:sldChg>
+      <pc:sldChg chg="add ord">
+        <pc:chgData name="Lines, Todd" userId="afaf7c3a-e8aa-4568-882a-02ad8f9e19b0" providerId="ADAL" clId="{FC94D1A0-007C-406B-BB4C-ED28AB0FDB8E}" dt="2023-12-02T01:31:15.760" v="4"/>
+        <pc:sldMkLst>
+          <pc:docMk/>
+          <pc:sldMk cId="2782929631" sldId="1440"/>
+        </pc:sldMkLst>
+      </pc:sldChg>
+      <pc:sldChg chg="add ord">
+        <pc:chgData name="Lines, Todd" userId="afaf7c3a-e8aa-4568-882a-02ad8f9e19b0" providerId="ADAL" clId="{FC94D1A0-007C-406B-BB4C-ED28AB0FDB8E}" dt="2023-12-02T01:31:35.921" v="6"/>
+        <pc:sldMkLst>
+          <pc:docMk/>
+          <pc:sldMk cId="3334172428" sldId="1441"/>
+        </pc:sldMkLst>
+      </pc:sldChg>
+      <pc:sldChg chg="add ord">
+        <pc:chgData name="Lines, Todd" userId="afaf7c3a-e8aa-4568-882a-02ad8f9e19b0" providerId="ADAL" clId="{FC94D1A0-007C-406B-BB4C-ED28AB0FDB8E}" dt="2023-12-02T01:31:35.921" v="6"/>
+        <pc:sldMkLst>
+          <pc:docMk/>
+          <pc:sldMk cId="1837737391" sldId="1442"/>
+        </pc:sldMkLst>
+      </pc:sldChg>
+      <pc:sldChg chg="add ord">
+        <pc:chgData name="Lines, Todd" userId="afaf7c3a-e8aa-4568-882a-02ad8f9e19b0" providerId="ADAL" clId="{FC94D1A0-007C-406B-BB4C-ED28AB0FDB8E}" dt="2023-12-02T01:31:35.921" v="6"/>
+        <pc:sldMkLst>
+          <pc:docMk/>
+          <pc:sldMk cId="2603429156" sldId="1443"/>
+        </pc:sldMkLst>
+      </pc:sldChg>
+      <pc:sldChg chg="add ord">
+        <pc:chgData name="Lines, Todd" userId="afaf7c3a-e8aa-4568-882a-02ad8f9e19b0" providerId="ADAL" clId="{FC94D1A0-007C-406B-BB4C-ED28AB0FDB8E}" dt="2023-12-02T01:31:35.921" v="6"/>
+        <pc:sldMkLst>
+          <pc:docMk/>
+          <pc:sldMk cId="1806586332" sldId="1444"/>
+        </pc:sldMkLst>
+      </pc:sldChg>
+      <pc:sldChg chg="addSp delSp modSp add mod">
+        <pc:chgData name="Lines, Todd" userId="afaf7c3a-e8aa-4568-882a-02ad8f9e19b0" providerId="ADAL" clId="{FC94D1A0-007C-406B-BB4C-ED28AB0FDB8E}" dt="2023-12-02T01:34:59.582" v="335" actId="20577"/>
+        <pc:sldMkLst>
+          <pc:docMk/>
+          <pc:sldMk cId="1121025108" sldId="1445"/>
+        </pc:sldMkLst>
+        <pc:spChg chg="mod">
+          <ac:chgData name="Lines, Todd" userId="afaf7c3a-e8aa-4568-882a-02ad8f9e19b0" providerId="ADAL" clId="{FC94D1A0-007C-406B-BB4C-ED28AB0FDB8E}" dt="2023-12-02T01:34:59.582" v="335" actId="20577"/>
+          <ac:spMkLst>
+            <pc:docMk/>
+            <pc:sldMk cId="1121025108" sldId="1445"/>
+            <ac:spMk id="3" creationId="{21646B6A-45F4-E028-EE8F-3A69F4BE7C6E}"/>
+          </ac:spMkLst>
+        </pc:spChg>
+        <pc:spChg chg="add mod">
+          <ac:chgData name="Lines, Todd" userId="afaf7c3a-e8aa-4568-882a-02ad8f9e19b0" providerId="ADAL" clId="{FC94D1A0-007C-406B-BB4C-ED28AB0FDB8E}" dt="2023-12-02T01:34:37.614" v="301" actId="1076"/>
+          <ac:spMkLst>
+            <pc:docMk/>
+            <pc:sldMk cId="1121025108" sldId="1445"/>
+            <ac:spMk id="5" creationId="{75EB5AA9-780B-1CE3-7AD3-C54E9618F880}"/>
+          </ac:spMkLst>
+        </pc:spChg>
+        <pc:picChg chg="del">
+          <ac:chgData name="Lines, Todd" userId="afaf7c3a-e8aa-4568-882a-02ad8f9e19b0" providerId="ADAL" clId="{FC94D1A0-007C-406B-BB4C-ED28AB0FDB8E}" dt="2023-12-02T01:34:34.017" v="299" actId="478"/>
+          <ac:picMkLst>
+            <pc:docMk/>
+            <pc:sldMk cId="1121025108" sldId="1445"/>
+            <ac:picMk id="4098" creationId="{00000000-0000-0000-0000-000000000000}"/>
+          </ac:picMkLst>
+        </pc:picChg>
+        <pc:cxnChg chg="add mod">
+          <ac:chgData name="Lines, Todd" userId="afaf7c3a-e8aa-4568-882a-02ad8f9e19b0" providerId="ADAL" clId="{FC94D1A0-007C-406B-BB4C-ED28AB0FDB8E}" dt="2023-12-02T01:34:37.614" v="301" actId="1076"/>
+          <ac:cxnSpMkLst>
+            <pc:docMk/>
+            <pc:sldMk cId="1121025108" sldId="1445"/>
+            <ac:cxnSpMk id="4" creationId="{AB2260C7-0276-4B64-61DC-7905392B5EE4}"/>
+          </ac:cxnSpMkLst>
+        </pc:cxnChg>
+      </pc:sldChg>
+      <pc:sldChg chg="addSp delSp modSp add mod">
+        <pc:chgData name="Lines, Todd" userId="afaf7c3a-e8aa-4568-882a-02ad8f9e19b0" providerId="ADAL" clId="{FC94D1A0-007C-406B-BB4C-ED28AB0FDB8E}" dt="2023-12-02T01:36:45.743" v="577" actId="20577"/>
+        <pc:sldMkLst>
+          <pc:docMk/>
+          <pc:sldMk cId="3389873368" sldId="1446"/>
+        </pc:sldMkLst>
+        <pc:spChg chg="mod">
+          <ac:chgData name="Lines, Todd" userId="afaf7c3a-e8aa-4568-882a-02ad8f9e19b0" providerId="ADAL" clId="{FC94D1A0-007C-406B-BB4C-ED28AB0FDB8E}" dt="2023-12-02T01:36:45.743" v="577" actId="20577"/>
+          <ac:spMkLst>
+            <pc:docMk/>
+            <pc:sldMk cId="3389873368" sldId="1446"/>
+            <ac:spMk id="3" creationId="{21646B6A-45F4-E028-EE8F-3A69F4BE7C6E}"/>
+          </ac:spMkLst>
+        </pc:spChg>
+        <pc:spChg chg="del">
+          <ac:chgData name="Lines, Todd" userId="afaf7c3a-e8aa-4568-882a-02ad8f9e19b0" providerId="ADAL" clId="{FC94D1A0-007C-406B-BB4C-ED28AB0FDB8E}" dt="2023-12-02T01:36:20.801" v="528" actId="478"/>
+          <ac:spMkLst>
+            <pc:docMk/>
+            <pc:sldMk cId="3389873368" sldId="1446"/>
+            <ac:spMk id="5" creationId="{75EB5AA9-780B-1CE3-7AD3-C54E9618F880}"/>
+          </ac:spMkLst>
+        </pc:spChg>
+        <pc:picChg chg="add mod">
+          <ac:chgData name="Lines, Todd" userId="afaf7c3a-e8aa-4568-882a-02ad8f9e19b0" providerId="ADAL" clId="{FC94D1A0-007C-406B-BB4C-ED28AB0FDB8E}" dt="2023-12-02T01:36:15.367" v="526" actId="1076"/>
+          <ac:picMkLst>
+            <pc:docMk/>
+            <pc:sldMk cId="3389873368" sldId="1446"/>
+            <ac:picMk id="6" creationId="{CB5C18BA-3F88-8D9C-8DD1-284F0FCD96C5}"/>
+          </ac:picMkLst>
+        </pc:picChg>
+        <pc:cxnChg chg="del">
+          <ac:chgData name="Lines, Todd" userId="afaf7c3a-e8aa-4568-882a-02ad8f9e19b0" providerId="ADAL" clId="{FC94D1A0-007C-406B-BB4C-ED28AB0FDB8E}" dt="2023-12-02T01:36:18.499" v="527" actId="478"/>
+          <ac:cxnSpMkLst>
+            <pc:docMk/>
+            <pc:sldMk cId="3389873368" sldId="1446"/>
+            <ac:cxnSpMk id="4" creationId="{AB2260C7-0276-4B64-61DC-7905392B5EE4}"/>
+          </ac:cxnSpMkLst>
+        </pc:cxnChg>
+      </pc:sldChg>
+    </pc:docChg>
+  </pc:docChgLst>
+</pc:chgInfo>
 </file>
 
 <file path=ppt/notesMasters/notesMaster1.xml><?xml version="1.0" encoding="utf-8"?>
@@ -204,7 +393,7 @@
             <a:fld id="{B24175E8-83AE-4370-837C-C86E918436A9}" type="datetimeFigureOut">
               <a:rPr lang="en-US" smtClean="0"/>
               <a:pPr/>
-              <a:t>12/10/2012</a:t>
+              <a:t>12/1/2023</a:t>
             </a:fld>
             <a:endParaRPr lang="en-US"/>
           </a:p>
@@ -270,38 +459,37 @@
           <a:p>
             <a:pPr lvl="0"/>
             <a:r>
-              <a:rPr lang="en-US" smtClean="0"/>
+              <a:rPr lang="en-US"/>
               <a:t>Click to edit Master text styles</a:t>
             </a:r>
           </a:p>
           <a:p>
             <a:pPr lvl="1"/>
             <a:r>
-              <a:rPr lang="en-US" smtClean="0"/>
+              <a:rPr lang="en-US"/>
               <a:t>Second level</a:t>
             </a:r>
           </a:p>
           <a:p>
             <a:pPr lvl="2"/>
             <a:r>
-              <a:rPr lang="en-US" smtClean="0"/>
+              <a:rPr lang="en-US"/>
               <a:t>Third level</a:t>
             </a:r>
           </a:p>
           <a:p>
             <a:pPr lvl="3"/>
             <a:r>
-              <a:rPr lang="en-US" smtClean="0"/>
+              <a:rPr lang="en-US"/>
               <a:t>Fourth level</a:t>
             </a:r>
           </a:p>
           <a:p>
             <a:pPr lvl="4"/>
             <a:r>
-              <a:rPr lang="en-US" smtClean="0"/>
+              <a:rPr lang="en-US"/>
               <a:t>Fifth level</a:t>
             </a:r>
-            <a:endParaRPr lang="en-US"/>
           </a:p>
         </p:txBody>
       </p:sp>
@@ -475,6 +663,176 @@
 </p:notesMaster>
 </file>
 
+<file path=ppt/notesSlides/notesSlide1.xml><?xml version="1.0" encoding="utf-8"?>
+<p:notes xmlns:a="http://schemas.openxmlformats.org/drawingml/2006/main" xmlns:r="http://schemas.openxmlformats.org/officeDocument/2006/relationships" xmlns:p="http://schemas.openxmlformats.org/presentationml/2006/main">
+  <p:cSld>
+    <p:spTree>
+      <p:nvGrpSpPr>
+        <p:cNvPr id="1" name=""/>
+        <p:cNvGrpSpPr/>
+        <p:nvPr/>
+      </p:nvGrpSpPr>
+      <p:grpSpPr>
+        <a:xfrm>
+          <a:off x="0" y="0"/>
+          <a:ext cx="0" cy="0"/>
+          <a:chOff x="0" y="0"/>
+          <a:chExt cx="0" cy="0"/>
+        </a:xfrm>
+      </p:grpSpPr>
+      <p:sp>
+        <p:nvSpPr>
+          <p:cNvPr id="2" name="Slide Image Placeholder 1"/>
+          <p:cNvSpPr>
+            <a:spLocks noGrp="1" noRot="1" noChangeAspect="1"/>
+          </p:cNvSpPr>
+          <p:nvPr>
+            <p:ph type="sldImg"/>
+          </p:nvPr>
+        </p:nvSpPr>
+        <p:spPr/>
+      </p:sp>
+      <p:sp>
+        <p:nvSpPr>
+          <p:cNvPr id="3" name="Notes Placeholder 2"/>
+          <p:cNvSpPr>
+            <a:spLocks noGrp="1"/>
+          </p:cNvSpPr>
+          <p:nvPr>
+            <p:ph type="body" idx="1"/>
+          </p:nvPr>
+        </p:nvSpPr>
+        <p:spPr/>
+        <p:txBody>
+          <a:bodyPr/>
+          <a:lstStyle/>
+          <a:p>
+            <a:endParaRPr lang="en-US" dirty="0"/>
+          </a:p>
+        </p:txBody>
+      </p:sp>
+      <p:sp>
+        <p:nvSpPr>
+          <p:cNvPr id="4" name="Slide Number Placeholder 3"/>
+          <p:cNvSpPr>
+            <a:spLocks noGrp="1"/>
+          </p:cNvSpPr>
+          <p:nvPr>
+            <p:ph type="sldNum" sz="quarter" idx="5"/>
+          </p:nvPr>
+        </p:nvSpPr>
+        <p:spPr/>
+        <p:txBody>
+          <a:bodyPr/>
+          <a:lstStyle/>
+          <a:p>
+            <a:fld id="{073F8353-DA18-4A0E-B89B-B4051FD74AAE}" type="slidenum">
+              <a:rPr lang="en-US" smtClean="0"/>
+              <a:pPr/>
+              <a:t>9</a:t>
+            </a:fld>
+            <a:endParaRPr lang="en-US"/>
+          </a:p>
+        </p:txBody>
+      </p:sp>
+    </p:spTree>
+    <p:extLst>
+      <p:ext uri="{BB962C8B-B14F-4D97-AF65-F5344CB8AC3E}">
+        <p14:creationId xmlns:p14="http://schemas.microsoft.com/office/powerpoint/2010/main" val="3415702662"/>
+      </p:ext>
+    </p:extLst>
+  </p:cSld>
+  <p:clrMapOvr>
+    <a:masterClrMapping/>
+  </p:clrMapOvr>
+</p:notes>
+</file>
+
+<file path=ppt/notesSlides/notesSlide2.xml><?xml version="1.0" encoding="utf-8"?>
+<p:notes xmlns:a="http://schemas.openxmlformats.org/drawingml/2006/main" xmlns:r="http://schemas.openxmlformats.org/officeDocument/2006/relationships" xmlns:p="http://schemas.openxmlformats.org/presentationml/2006/main">
+  <p:cSld>
+    <p:spTree>
+      <p:nvGrpSpPr>
+        <p:cNvPr id="1" name=""/>
+        <p:cNvGrpSpPr/>
+        <p:nvPr/>
+      </p:nvGrpSpPr>
+      <p:grpSpPr>
+        <a:xfrm>
+          <a:off x="0" y="0"/>
+          <a:ext cx="0" cy="0"/>
+          <a:chOff x="0" y="0"/>
+          <a:chExt cx="0" cy="0"/>
+        </a:xfrm>
+      </p:grpSpPr>
+      <p:sp>
+        <p:nvSpPr>
+          <p:cNvPr id="2" name="Slide Image Placeholder 1"/>
+          <p:cNvSpPr>
+            <a:spLocks noGrp="1" noRot="1" noChangeAspect="1"/>
+          </p:cNvSpPr>
+          <p:nvPr>
+            <p:ph type="sldImg"/>
+          </p:nvPr>
+        </p:nvSpPr>
+        <p:spPr/>
+      </p:sp>
+      <p:sp>
+        <p:nvSpPr>
+          <p:cNvPr id="3" name="Notes Placeholder 2"/>
+          <p:cNvSpPr>
+            <a:spLocks noGrp="1"/>
+          </p:cNvSpPr>
+          <p:nvPr>
+            <p:ph type="body" idx="1"/>
+          </p:nvPr>
+        </p:nvSpPr>
+        <p:spPr/>
+        <p:txBody>
+          <a:bodyPr/>
+          <a:lstStyle/>
+          <a:p>
+            <a:endParaRPr lang="en-US" dirty="0"/>
+          </a:p>
+        </p:txBody>
+      </p:sp>
+      <p:sp>
+        <p:nvSpPr>
+          <p:cNvPr id="4" name="Slide Number Placeholder 3"/>
+          <p:cNvSpPr>
+            <a:spLocks noGrp="1"/>
+          </p:cNvSpPr>
+          <p:nvPr>
+            <p:ph type="sldNum" sz="quarter" idx="5"/>
+          </p:nvPr>
+        </p:nvSpPr>
+        <p:spPr/>
+        <p:txBody>
+          <a:bodyPr/>
+          <a:lstStyle/>
+          <a:p>
+            <a:fld id="{073F8353-DA18-4A0E-B89B-B4051FD74AAE}" type="slidenum">
+              <a:rPr lang="en-US" smtClean="0"/>
+              <a:pPr/>
+              <a:t>11</a:t>
+            </a:fld>
+            <a:endParaRPr lang="en-US"/>
+          </a:p>
+        </p:txBody>
+      </p:sp>
+    </p:spTree>
+    <p:extLst>
+      <p:ext uri="{BB962C8B-B14F-4D97-AF65-F5344CB8AC3E}">
+        <p14:creationId xmlns:p14="http://schemas.microsoft.com/office/powerpoint/2010/main" val="4137231189"/>
+      </p:ext>
+    </p:extLst>
+  </p:cSld>
+  <p:clrMapOvr>
+    <a:masterClrMapping/>
+  </p:clrMapOvr>
+</p:notes>
+</file>
+
 <file path=ppt/slideLayouts/slideLayout1.xml><?xml version="1.0" encoding="utf-8"?>
 <p:sldLayout xmlns:a="http://schemas.openxmlformats.org/drawingml/2006/main" xmlns:r="http://schemas.openxmlformats.org/officeDocument/2006/relationships" xmlns:p="http://schemas.openxmlformats.org/presentationml/2006/main" type="title" preserve="1">
   <p:cSld name="Title Slide">
@@ -513,10 +871,9 @@
           <a:lstStyle/>
           <a:p>
             <a:r>
-              <a:rPr lang="en-US" smtClean="0"/>
+              <a:rPr lang="en-US"/>
               <a:t>Click to edit Master title style</a:t>
             </a:r>
-            <a:endParaRPr lang="en-US"/>
           </a:p>
         </p:txBody>
       </p:sp>
@@ -632,10 +989,9 @@
           </a:lstStyle>
           <a:p>
             <a:r>
-              <a:rPr lang="en-US" smtClean="0"/>
+              <a:rPr lang="en-US"/>
               <a:t>Click to edit Master subtitle style</a:t>
             </a:r>
-            <a:endParaRPr lang="en-US"/>
           </a:p>
         </p:txBody>
       </p:sp>
@@ -657,7 +1013,7 @@
             <a:fld id="{1D8B3AE8-A5D9-41EC-93A6-BE5390F6B110}" type="datetimeFigureOut">
               <a:rPr lang="en-US" smtClean="0"/>
               <a:pPr/>
-              <a:t>12/10/2012</a:t>
+              <a:t>12/1/2023</a:t>
             </a:fld>
             <a:endParaRPr lang="en-US"/>
           </a:p>
@@ -747,10 +1103,9 @@
           <a:lstStyle/>
           <a:p>
             <a:r>
-              <a:rPr lang="en-US" smtClean="0"/>
+              <a:rPr lang="en-US"/>
               <a:t>Click to edit Master title style</a:t>
             </a:r>
-            <a:endParaRPr lang="en-US"/>
           </a:p>
         </p:txBody>
       </p:sp>
@@ -771,38 +1126,37 @@
           <a:p>
             <a:pPr lvl="0"/>
             <a:r>
-              <a:rPr lang="en-US" smtClean="0"/>
+              <a:rPr lang="en-US"/>
               <a:t>Click to edit Master text styles</a:t>
             </a:r>
           </a:p>
           <a:p>
             <a:pPr lvl="1"/>
             <a:r>
-              <a:rPr lang="en-US" smtClean="0"/>
+              <a:rPr lang="en-US"/>
               <a:t>Second level</a:t>
             </a:r>
           </a:p>
           <a:p>
             <a:pPr lvl="2"/>
             <a:r>
-              <a:rPr lang="en-US" smtClean="0"/>
+              <a:rPr lang="en-US"/>
               <a:t>Third level</a:t>
             </a:r>
           </a:p>
           <a:p>
             <a:pPr lvl="3"/>
             <a:r>
-              <a:rPr lang="en-US" smtClean="0"/>
+              <a:rPr lang="en-US"/>
               <a:t>Fourth level</a:t>
             </a:r>
           </a:p>
           <a:p>
             <a:pPr lvl="4"/>
             <a:r>
-              <a:rPr lang="en-US" smtClean="0"/>
+              <a:rPr lang="en-US"/>
               <a:t>Fifth level</a:t>
             </a:r>
-            <a:endParaRPr lang="en-US"/>
           </a:p>
         </p:txBody>
       </p:sp>
@@ -824,7 +1178,7 @@
             <a:fld id="{1D8B3AE8-A5D9-41EC-93A6-BE5390F6B110}" type="datetimeFigureOut">
               <a:rPr lang="en-US" smtClean="0"/>
               <a:pPr/>
-              <a:t>12/10/2012</a:t>
+              <a:t>12/1/2023</a:t>
             </a:fld>
             <a:endParaRPr lang="en-US"/>
           </a:p>
@@ -919,10 +1273,9 @@
           <a:lstStyle/>
           <a:p>
             <a:r>
-              <a:rPr lang="en-US" smtClean="0"/>
+              <a:rPr lang="en-US"/>
               <a:t>Click to edit Master title style</a:t>
             </a:r>
-            <a:endParaRPr lang="en-US"/>
           </a:p>
         </p:txBody>
       </p:sp>
@@ -948,38 +1301,37 @@
           <a:p>
             <a:pPr lvl="0"/>
             <a:r>
-              <a:rPr lang="en-US" smtClean="0"/>
+              <a:rPr lang="en-US"/>
               <a:t>Click to edit Master text styles</a:t>
             </a:r>
           </a:p>
           <a:p>
             <a:pPr lvl="1"/>
             <a:r>
-              <a:rPr lang="en-US" smtClean="0"/>
+              <a:rPr lang="en-US"/>
               <a:t>Second level</a:t>
             </a:r>
           </a:p>
           <a:p>
             <a:pPr lvl="2"/>
             <a:r>
-              <a:rPr lang="en-US" smtClean="0"/>
+              <a:rPr lang="en-US"/>
               <a:t>Third level</a:t>
             </a:r>
           </a:p>
           <a:p>
             <a:pPr lvl="3"/>
             <a:r>
-              <a:rPr lang="en-US" smtClean="0"/>
+              <a:rPr lang="en-US"/>
               <a:t>Fourth level</a:t>
             </a:r>
           </a:p>
           <a:p>
             <a:pPr lvl="4"/>
             <a:r>
-              <a:rPr lang="en-US" smtClean="0"/>
+              <a:rPr lang="en-US"/>
               <a:t>Fifth level</a:t>
             </a:r>
-            <a:endParaRPr lang="en-US"/>
           </a:p>
         </p:txBody>
       </p:sp>
@@ -1001,7 +1353,7 @@
             <a:fld id="{1D8B3AE8-A5D9-41EC-93A6-BE5390F6B110}" type="datetimeFigureOut">
               <a:rPr lang="en-US" smtClean="0"/>
               <a:pPr/>
-              <a:t>12/10/2012</a:t>
+              <a:t>12/1/2023</a:t>
             </a:fld>
             <a:endParaRPr lang="en-US"/>
           </a:p>
@@ -1096,10 +1448,9 @@
           <a:lstStyle/>
           <a:p>
             <a:r>
-              <a:rPr lang="en-US" smtClean="0"/>
+              <a:rPr lang="en-US"/>
               <a:t>Click to edit Master title style</a:t>
             </a:r>
-            <a:endParaRPr lang="en-US"/>
           </a:p>
         </p:txBody>
       </p:sp>
@@ -1125,38 +1476,37 @@
           <a:p>
             <a:pPr lvl="0"/>
             <a:r>
-              <a:rPr lang="en-US" smtClean="0"/>
+              <a:rPr lang="en-US"/>
               <a:t>Click to edit Master text styles</a:t>
             </a:r>
           </a:p>
           <a:p>
             <a:pPr lvl="1"/>
             <a:r>
-              <a:rPr lang="en-US" smtClean="0"/>
+              <a:rPr lang="en-US"/>
               <a:t>Second level</a:t>
             </a:r>
           </a:p>
           <a:p>
             <a:pPr lvl="2"/>
             <a:r>
-              <a:rPr lang="en-US" smtClean="0"/>
+              <a:rPr lang="en-US"/>
               <a:t>Third level</a:t>
             </a:r>
           </a:p>
           <a:p>
             <a:pPr lvl="3"/>
             <a:r>
-              <a:rPr lang="en-US" smtClean="0"/>
+              <a:rPr lang="en-US"/>
               <a:t>Fourth level</a:t>
             </a:r>
           </a:p>
           <a:p>
             <a:pPr lvl="4"/>
             <a:r>
-              <a:rPr lang="en-US" smtClean="0"/>
+              <a:rPr lang="en-US"/>
               <a:t>Fifth level</a:t>
             </a:r>
-            <a:endParaRPr lang="en-US"/>
           </a:p>
         </p:txBody>
       </p:sp>
@@ -1181,7 +1531,7 @@
           <a:lstStyle/>
           <a:p>
             <a:pPr lvl="0"/>
-            <a:endParaRPr lang="en-US" noProof="0" smtClean="0"/>
+            <a:endParaRPr lang="en-US" noProof="0"/>
           </a:p>
         </p:txBody>
       </p:sp>
@@ -1320,10 +1670,9 @@
           <a:lstStyle/>
           <a:p>
             <a:r>
-              <a:rPr lang="en-US" smtClean="0"/>
+              <a:rPr lang="en-US"/>
               <a:t>Click to edit Master title style</a:t>
             </a:r>
-            <a:endParaRPr lang="en-US"/>
           </a:p>
         </p:txBody>
       </p:sp>
@@ -1344,38 +1693,37 @@
           <a:p>
             <a:pPr lvl="0"/>
             <a:r>
-              <a:rPr lang="en-US" smtClean="0"/>
+              <a:rPr lang="en-US"/>
               <a:t>Click to edit Master text styles</a:t>
             </a:r>
           </a:p>
           <a:p>
             <a:pPr lvl="1"/>
             <a:r>
-              <a:rPr lang="en-US" smtClean="0"/>
+              <a:rPr lang="en-US"/>
               <a:t>Second level</a:t>
             </a:r>
           </a:p>
           <a:p>
             <a:pPr lvl="2"/>
             <a:r>
-              <a:rPr lang="en-US" smtClean="0"/>
+              <a:rPr lang="en-US"/>
               <a:t>Third level</a:t>
             </a:r>
           </a:p>
           <a:p>
             <a:pPr lvl="3"/>
             <a:r>
-              <a:rPr lang="en-US" smtClean="0"/>
+              <a:rPr lang="en-US"/>
               <a:t>Fourth level</a:t>
             </a:r>
           </a:p>
           <a:p>
             <a:pPr lvl="4"/>
             <a:r>
-              <a:rPr lang="en-US" smtClean="0"/>
+              <a:rPr lang="en-US"/>
               <a:t>Fifth level</a:t>
             </a:r>
-            <a:endParaRPr lang="en-US"/>
           </a:p>
         </p:txBody>
       </p:sp>
@@ -1397,7 +1745,7 @@
             <a:fld id="{1D8B3AE8-A5D9-41EC-93A6-BE5390F6B110}" type="datetimeFigureOut">
               <a:rPr lang="en-US" smtClean="0"/>
               <a:pPr/>
-              <a:t>12/10/2012</a:t>
+              <a:t>12/1/2023</a:t>
             </a:fld>
             <a:endParaRPr lang="en-US"/>
           </a:p>
@@ -1496,10 +1844,9 @@
           </a:lstStyle>
           <a:p>
             <a:r>
-              <a:rPr lang="en-US" smtClean="0"/>
+              <a:rPr lang="en-US"/>
               <a:t>Click to edit Master title style</a:t>
             </a:r>
-            <a:endParaRPr lang="en-US"/>
           </a:p>
         </p:txBody>
       </p:sp>
@@ -1616,7 +1963,7 @@
           <a:p>
             <a:pPr lvl="0"/>
             <a:r>
-              <a:rPr lang="en-US" smtClean="0"/>
+              <a:rPr lang="en-US"/>
               <a:t>Click to edit Master text styles</a:t>
             </a:r>
           </a:p>
@@ -1640,7 +1987,7 @@
             <a:fld id="{1D8B3AE8-A5D9-41EC-93A6-BE5390F6B110}" type="datetimeFigureOut">
               <a:rPr lang="en-US" smtClean="0"/>
               <a:pPr/>
-              <a:t>12/10/2012</a:t>
+              <a:t>12/1/2023</a:t>
             </a:fld>
             <a:endParaRPr lang="en-US"/>
           </a:p>
@@ -1730,10 +2077,9 @@
           <a:lstStyle/>
           <a:p>
             <a:r>
-              <a:rPr lang="en-US" smtClean="0"/>
+              <a:rPr lang="en-US"/>
               <a:t>Click to edit Master title style</a:t>
             </a:r>
-            <a:endParaRPr lang="en-US"/>
           </a:p>
         </p:txBody>
       </p:sp>
@@ -1787,38 +2133,37 @@
           <a:p>
             <a:pPr lvl="0"/>
             <a:r>
-              <a:rPr lang="en-US" smtClean="0"/>
+              <a:rPr lang="en-US"/>
               <a:t>Click to edit Master text styles</a:t>
             </a:r>
           </a:p>
           <a:p>
             <a:pPr lvl="1"/>
             <a:r>
-              <a:rPr lang="en-US" smtClean="0"/>
+              <a:rPr lang="en-US"/>
               <a:t>Second level</a:t>
             </a:r>
           </a:p>
           <a:p>
             <a:pPr lvl="2"/>
             <a:r>
-              <a:rPr lang="en-US" smtClean="0"/>
+              <a:rPr lang="en-US"/>
               <a:t>Third level</a:t>
             </a:r>
           </a:p>
           <a:p>
             <a:pPr lvl="3"/>
             <a:r>
-              <a:rPr lang="en-US" smtClean="0"/>
+              <a:rPr lang="en-US"/>
               <a:t>Fourth level</a:t>
             </a:r>
           </a:p>
           <a:p>
             <a:pPr lvl="4"/>
             <a:r>
-              <a:rPr lang="en-US" smtClean="0"/>
+              <a:rPr lang="en-US"/>
               <a:t>Fifth level</a:t>
             </a:r>
-            <a:endParaRPr lang="en-US"/>
           </a:p>
         </p:txBody>
       </p:sp>
@@ -1872,38 +2217,37 @@
           <a:p>
             <a:pPr lvl="0"/>
             <a:r>
-              <a:rPr lang="en-US" smtClean="0"/>
+              <a:rPr lang="en-US"/>
               <a:t>Click to edit Master text styles</a:t>
             </a:r>
           </a:p>
           <a:p>
             <a:pPr lvl="1"/>
             <a:r>
-              <a:rPr lang="en-US" smtClean="0"/>
+              <a:rPr lang="en-US"/>
               <a:t>Second level</a:t>
             </a:r>
           </a:p>
           <a:p>
             <a:pPr lvl="2"/>
             <a:r>
-              <a:rPr lang="en-US" smtClean="0"/>
+              <a:rPr lang="en-US"/>
               <a:t>Third level</a:t>
             </a:r>
           </a:p>
           <a:p>
             <a:pPr lvl="3"/>
             <a:r>
-              <a:rPr lang="en-US" smtClean="0"/>
+              <a:rPr lang="en-US"/>
               <a:t>Fourth level</a:t>
             </a:r>
           </a:p>
           <a:p>
             <a:pPr lvl="4"/>
             <a:r>
-              <a:rPr lang="en-US" smtClean="0"/>
+              <a:rPr lang="en-US"/>
               <a:t>Fifth level</a:t>
             </a:r>
-            <a:endParaRPr lang="en-US"/>
           </a:p>
         </p:txBody>
       </p:sp>
@@ -1925,7 +2269,7 @@
             <a:fld id="{1D8B3AE8-A5D9-41EC-93A6-BE5390F6B110}" type="datetimeFigureOut">
               <a:rPr lang="en-US" smtClean="0"/>
               <a:pPr/>
-              <a:t>12/10/2012</a:t>
+              <a:t>12/1/2023</a:t>
             </a:fld>
             <a:endParaRPr lang="en-US"/>
           </a:p>
@@ -2019,10 +2363,9 @@
           </a:lstStyle>
           <a:p>
             <a:r>
-              <a:rPr lang="en-US" smtClean="0"/>
+              <a:rPr lang="en-US"/>
               <a:t>Click to edit Master title style</a:t>
             </a:r>
-            <a:endParaRPr lang="en-US"/>
           </a:p>
         </p:txBody>
       </p:sp>
@@ -2085,7 +2428,7 @@
           <a:p>
             <a:pPr lvl="0"/>
             <a:r>
-              <a:rPr lang="en-US" smtClean="0"/>
+              <a:rPr lang="en-US"/>
               <a:t>Click to edit Master text styles</a:t>
             </a:r>
           </a:p>
@@ -2141,38 +2484,37 @@
           <a:p>
             <a:pPr lvl="0"/>
             <a:r>
-              <a:rPr lang="en-US" smtClean="0"/>
+              <a:rPr lang="en-US"/>
               <a:t>Click to edit Master text styles</a:t>
             </a:r>
           </a:p>
           <a:p>
             <a:pPr lvl="1"/>
             <a:r>
-              <a:rPr lang="en-US" smtClean="0"/>
+              <a:rPr lang="en-US"/>
               <a:t>Second level</a:t>
             </a:r>
           </a:p>
           <a:p>
             <a:pPr lvl="2"/>
             <a:r>
-              <a:rPr lang="en-US" smtClean="0"/>
+              <a:rPr lang="en-US"/>
               <a:t>Third level</a:t>
             </a:r>
           </a:p>
           <a:p>
             <a:pPr lvl="3"/>
             <a:r>
-              <a:rPr lang="en-US" smtClean="0"/>
+              <a:rPr lang="en-US"/>
               <a:t>Fourth level</a:t>
             </a:r>
           </a:p>
           <a:p>
             <a:pPr lvl="4"/>
             <a:r>
-              <a:rPr lang="en-US" smtClean="0"/>
+              <a:rPr lang="en-US"/>
               <a:t>Fifth level</a:t>
             </a:r>
-            <a:endParaRPr lang="en-US"/>
           </a:p>
         </p:txBody>
       </p:sp>
@@ -2235,7 +2577,7 @@
           <a:p>
             <a:pPr lvl="0"/>
             <a:r>
-              <a:rPr lang="en-US" smtClean="0"/>
+              <a:rPr lang="en-US"/>
               <a:t>Click to edit Master text styles</a:t>
             </a:r>
           </a:p>
@@ -2291,38 +2633,37 @@
           <a:p>
             <a:pPr lvl="0"/>
             <a:r>
-              <a:rPr lang="en-US" smtClean="0"/>
+              <a:rPr lang="en-US"/>
               <a:t>Click to edit Master text styles</a:t>
             </a:r>
           </a:p>
           <a:p>
             <a:pPr lvl="1"/>
             <a:r>
-              <a:rPr lang="en-US" smtClean="0"/>
+              <a:rPr lang="en-US"/>
               <a:t>Second level</a:t>
             </a:r>
           </a:p>
           <a:p>
             <a:pPr lvl="2"/>
             <a:r>
-              <a:rPr lang="en-US" smtClean="0"/>
+              <a:rPr lang="en-US"/>
               <a:t>Third level</a:t>
             </a:r>
           </a:p>
           <a:p>
             <a:pPr lvl="3"/>
             <a:r>
-              <a:rPr lang="en-US" smtClean="0"/>
+              <a:rPr lang="en-US"/>
               <a:t>Fourth level</a:t>
             </a:r>
           </a:p>
           <a:p>
             <a:pPr lvl="4"/>
             <a:r>
-              <a:rPr lang="en-US" smtClean="0"/>
+              <a:rPr lang="en-US"/>
               <a:t>Fifth level</a:t>
             </a:r>
-            <a:endParaRPr lang="en-US"/>
           </a:p>
         </p:txBody>
       </p:sp>
@@ -2344,7 +2685,7 @@
             <a:fld id="{1D8B3AE8-A5D9-41EC-93A6-BE5390F6B110}" type="datetimeFigureOut">
               <a:rPr lang="en-US" smtClean="0"/>
               <a:pPr/>
-              <a:t>12/10/2012</a:t>
+              <a:t>12/1/2023</a:t>
             </a:fld>
             <a:endParaRPr lang="en-US"/>
           </a:p>
@@ -2434,10 +2775,9 @@
           <a:lstStyle/>
           <a:p>
             <a:r>
-              <a:rPr lang="en-US" smtClean="0"/>
+              <a:rPr lang="en-US"/>
               <a:t>Click to edit Master title style</a:t>
             </a:r>
-            <a:endParaRPr lang="en-US"/>
           </a:p>
         </p:txBody>
       </p:sp>
@@ -2459,7 +2799,7 @@
             <a:fld id="{1D8B3AE8-A5D9-41EC-93A6-BE5390F6B110}" type="datetimeFigureOut">
               <a:rPr lang="en-US" smtClean="0"/>
               <a:pPr/>
-              <a:t>12/10/2012</a:t>
+              <a:t>12/1/2023</a:t>
             </a:fld>
             <a:endParaRPr lang="en-US"/>
           </a:p>
@@ -2551,7 +2891,7 @@
             <a:fld id="{1D8B3AE8-A5D9-41EC-93A6-BE5390F6B110}" type="datetimeFigureOut">
               <a:rPr lang="en-US" smtClean="0"/>
               <a:pPr/>
-              <a:t>12/10/2012</a:t>
+              <a:t>12/1/2023</a:t>
             </a:fld>
             <a:endParaRPr lang="en-US"/>
           </a:p>
@@ -2650,10 +2990,9 @@
           </a:lstStyle>
           <a:p>
             <a:r>
-              <a:rPr lang="en-US" smtClean="0"/>
+              <a:rPr lang="en-US"/>
               <a:t>Click to edit Master title style</a:t>
             </a:r>
-            <a:endParaRPr lang="en-US"/>
           </a:p>
         </p:txBody>
       </p:sp>
@@ -2707,38 +3046,37 @@
           <a:p>
             <a:pPr lvl="0"/>
             <a:r>
-              <a:rPr lang="en-US" smtClean="0"/>
+              <a:rPr lang="en-US"/>
               <a:t>Click to edit Master text styles</a:t>
             </a:r>
           </a:p>
           <a:p>
             <a:pPr lvl="1"/>
             <a:r>
-              <a:rPr lang="en-US" smtClean="0"/>
+              <a:rPr lang="en-US"/>
               <a:t>Second level</a:t>
             </a:r>
           </a:p>
           <a:p>
             <a:pPr lvl="2"/>
             <a:r>
-              <a:rPr lang="en-US" smtClean="0"/>
+              <a:rPr lang="en-US"/>
               <a:t>Third level</a:t>
             </a:r>
           </a:p>
           <a:p>
             <a:pPr lvl="3"/>
             <a:r>
-              <a:rPr lang="en-US" smtClean="0"/>
+              <a:rPr lang="en-US"/>
               <a:t>Fourth level</a:t>
             </a:r>
           </a:p>
           <a:p>
             <a:pPr lvl="4"/>
             <a:r>
-              <a:rPr lang="en-US" smtClean="0"/>
+              <a:rPr lang="en-US"/>
               <a:t>Fifth level</a:t>
             </a:r>
-            <a:endParaRPr lang="en-US"/>
           </a:p>
         </p:txBody>
       </p:sp>
@@ -2801,7 +3139,7 @@
           <a:p>
             <a:pPr lvl="0"/>
             <a:r>
-              <a:rPr lang="en-US" smtClean="0"/>
+              <a:rPr lang="en-US"/>
               <a:t>Click to edit Master text styles</a:t>
             </a:r>
           </a:p>
@@ -2825,7 +3163,7 @@
             <a:fld id="{1D8B3AE8-A5D9-41EC-93A6-BE5390F6B110}" type="datetimeFigureOut">
               <a:rPr lang="en-US" smtClean="0"/>
               <a:pPr/>
-              <a:t>12/10/2012</a:t>
+              <a:t>12/1/2023</a:t>
             </a:fld>
             <a:endParaRPr lang="en-US"/>
           </a:p>
@@ -2924,10 +3262,9 @@
           </a:lstStyle>
           <a:p>
             <a:r>
-              <a:rPr lang="en-US" smtClean="0"/>
+              <a:rPr lang="en-US"/>
               <a:t>Click to edit Master title style</a:t>
             </a:r>
-            <a:endParaRPr lang="en-US"/>
           </a:p>
         </p:txBody>
       </p:sp>
@@ -3051,7 +3388,7 @@
           <a:p>
             <a:pPr lvl="0"/>
             <a:r>
-              <a:rPr lang="en-US" smtClean="0"/>
+              <a:rPr lang="en-US"/>
               <a:t>Click to edit Master text styles</a:t>
             </a:r>
           </a:p>
@@ -3075,7 +3412,7 @@
             <a:fld id="{1D8B3AE8-A5D9-41EC-93A6-BE5390F6B110}" type="datetimeFigureOut">
               <a:rPr lang="en-US" smtClean="0"/>
               <a:pPr/>
-              <a:t>12/10/2012</a:t>
+              <a:t>12/1/2023</a:t>
             </a:fld>
             <a:endParaRPr lang="en-US"/>
           </a:p>
@@ -3180,10 +3517,9 @@
           <a:lstStyle/>
           <a:p>
             <a:r>
-              <a:rPr lang="en-US" smtClean="0"/>
+              <a:rPr lang="en-US"/>
               <a:t>Click to edit Master title style</a:t>
             </a:r>
-            <a:endParaRPr lang="en-US"/>
           </a:p>
         </p:txBody>
       </p:sp>
@@ -3214,38 +3550,37 @@
           <a:p>
             <a:pPr lvl="0"/>
             <a:r>
-              <a:rPr lang="en-US" smtClean="0"/>
+              <a:rPr lang="en-US"/>
               <a:t>Click to edit Master text styles</a:t>
             </a:r>
           </a:p>
           <a:p>
             <a:pPr lvl="1"/>
             <a:r>
-              <a:rPr lang="en-US" smtClean="0"/>
+              <a:rPr lang="en-US"/>
               <a:t>Second level</a:t>
             </a:r>
           </a:p>
           <a:p>
             <a:pPr lvl="2"/>
             <a:r>
-              <a:rPr lang="en-US" smtClean="0"/>
+              <a:rPr lang="en-US"/>
               <a:t>Third level</a:t>
             </a:r>
           </a:p>
           <a:p>
             <a:pPr lvl="3"/>
             <a:r>
-              <a:rPr lang="en-US" smtClean="0"/>
+              <a:rPr lang="en-US"/>
               <a:t>Fourth level</a:t>
             </a:r>
           </a:p>
           <a:p>
             <a:pPr lvl="4"/>
             <a:r>
-              <a:rPr lang="en-US" smtClean="0"/>
+              <a:rPr lang="en-US"/>
               <a:t>Fifth level</a:t>
             </a:r>
-            <a:endParaRPr lang="en-US"/>
           </a:p>
         </p:txBody>
       </p:sp>
@@ -3285,7 +3620,7 @@
             <a:fld id="{1D8B3AE8-A5D9-41EC-93A6-BE5390F6B110}" type="datetimeFigureOut">
               <a:rPr lang="en-US" smtClean="0"/>
               <a:pPr/>
-              <a:t>12/10/2012</a:t>
+              <a:t>12/1/2023</a:t>
             </a:fld>
             <a:endParaRPr lang="en-US"/>
           </a:p>
@@ -3657,40 +3992,581 @@
           <a:chExt cx="0" cy="0"/>
         </a:xfrm>
       </p:grpSpPr>
-      <p:pic>
-        <p:nvPicPr>
-          <p:cNvPr id="4098" name="Picture 2"/>
-          <p:cNvPicPr>
-            <a:picLocks noChangeAspect="1" noChangeArrowheads="1"/>
-          </p:cNvPicPr>
+      <p:sp>
+        <p:nvSpPr>
+          <p:cNvPr id="2" name="Title 1"/>
+          <p:cNvSpPr>
+            <a:spLocks noGrp="1"/>
+          </p:cNvSpPr>
+          <p:nvPr>
+            <p:ph type="title"/>
+          </p:nvPr>
+        </p:nvSpPr>
+        <p:spPr/>
+        <p:txBody>
+          <a:bodyPr/>
+          <a:lstStyle/>
+          <a:p>
+            <a:r>
+              <a:rPr lang="en-US" dirty="0"/>
+              <a:t>Question 223.50.1</a:t>
+            </a:r>
+          </a:p>
+        </p:txBody>
+      </p:sp>
+      <p:sp>
+        <p:nvSpPr>
+          <p:cNvPr id="3" name="Content Placeholder 2"/>
+          <p:cNvSpPr>
+            <a:spLocks noGrp="1"/>
+          </p:cNvSpPr>
+          <p:nvPr>
+            <p:ph idx="1"/>
+          </p:nvPr>
+        </p:nvSpPr>
+        <p:spPr/>
+        <p:txBody>
+          <a:bodyPr>
+            <a:normAutofit lnSpcReduction="10000"/>
+          </a:bodyPr>
+          <a:lstStyle/>
+          <a:p>
+            <a:pPr marL="0" indent="0">
+              <a:buNone/>
+            </a:pPr>
+            <a:r>
+              <a:rPr lang="en-US" dirty="0"/>
+              <a:t>Which of the following is Faraday’s law?</a:t>
+            </a:r>
+          </a:p>
+          <a:p>
+            <a:pPr marL="0" indent="0">
+              <a:buNone/>
+            </a:pPr>
+            <a:r>
+              <a:rPr lang="en-US" dirty="0"/>
+              <a:t>a) </a:t>
+            </a:r>
+          </a:p>
+          <a:p>
+            <a:pPr marL="0" indent="0">
+              <a:buNone/>
+            </a:pPr>
+            <a:endParaRPr lang="en-US" dirty="0"/>
+          </a:p>
+          <a:p>
+            <a:pPr marL="0" indent="0">
+              <a:buNone/>
+            </a:pPr>
+            <a:r>
+              <a:rPr lang="en-US" dirty="0"/>
+              <a:t>b)</a:t>
+            </a:r>
+          </a:p>
+          <a:p>
+            <a:pPr marL="0" indent="0">
+              <a:buNone/>
+            </a:pPr>
+            <a:endParaRPr lang="en-US" dirty="0"/>
+          </a:p>
+          <a:p>
+            <a:pPr marL="0" indent="0">
+              <a:buNone/>
+            </a:pPr>
+            <a:r>
+              <a:rPr lang="en-US" dirty="0"/>
+              <a:t>c)</a:t>
+            </a:r>
+          </a:p>
+          <a:p>
+            <a:pPr marL="0" indent="0">
+              <a:buNone/>
+            </a:pPr>
+            <a:endParaRPr lang="en-US" dirty="0"/>
+          </a:p>
+          <a:p>
+            <a:pPr marL="0" indent="0">
+              <a:buNone/>
+            </a:pPr>
+            <a:r>
+              <a:rPr lang="en-US" dirty="0"/>
+              <a:t>d) </a:t>
+            </a:r>
+          </a:p>
+        </p:txBody>
+      </p:sp>
+      <p:sp>
+        <p:nvSpPr>
+          <p:cNvPr id="4" name="Slide Number Placeholder 3"/>
+          <p:cNvSpPr>
+            <a:spLocks noGrp="1"/>
+          </p:cNvSpPr>
+          <p:nvPr>
+            <p:ph type="sldNum" sz="quarter" idx="12"/>
+          </p:nvPr>
+        </p:nvSpPr>
+        <p:spPr/>
+        <p:txBody>
+          <a:bodyPr/>
+          <a:lstStyle/>
+          <a:p>
+            <a:pPr>
+              <a:defRPr/>
+            </a:pPr>
+            <a:fld id="{64137B81-8888-4253-92EC-0AED2A590749}" type="slidenum">
+              <a:rPr lang="en-US" smtClean="0"/>
+              <a:pPr>
+                <a:defRPr/>
+              </a:pPr>
+              <a:t>1</a:t>
+            </a:fld>
+            <a:endParaRPr lang="en-US"/>
+          </a:p>
+        </p:txBody>
+      </p:sp>
+      <p:sp>
+        <p:nvSpPr>
+          <p:cNvPr id="5" name="Rectangle 2"/>
+          <p:cNvSpPr>
+            <a:spLocks noChangeArrowheads="1"/>
+          </p:cNvSpPr>
           <p:nvPr/>
-        </p:nvPicPr>
-        <p:blipFill>
-          <a:blip r:embed="rId2" cstate="print"/>
-          <a:srcRect/>
-          <a:stretch>
-            <a:fillRect/>
-          </a:stretch>
-        </p:blipFill>
+        </p:nvSpPr>
         <p:spPr bwMode="auto">
           <a:xfrm>
-            <a:off x="1249680" y="396240"/>
-            <a:ext cx="5836920" cy="5836920"/>
+            <a:off x="0" y="0"/>
+            <a:ext cx="9144000" cy="0"/>
           </a:xfrm>
           <a:prstGeom prst="rect">
             <a:avLst/>
           </a:prstGeom>
           <a:noFill/>
-          <a:ln w="9525">
+          <a:ln>
             <a:noFill/>
-            <a:miter lim="800000"/>
-            <a:headEnd/>
-            <a:tailEnd/>
           </a:ln>
           <a:effectLst/>
+          <a:extLst>
+            <a:ext uri="{909E8E84-426E-40DD-AFC4-6F175D3DCCD1}">
+              <a14:hiddenFill xmlns:a14="http://schemas.microsoft.com/office/drawing/2010/main">
+                <a:solidFill>
+                  <a:schemeClr val="accent1"/>
+                </a:solidFill>
+              </a14:hiddenFill>
+            </a:ext>
+            <a:ext uri="{91240B29-F687-4F45-9708-019B960494DF}">
+              <a14:hiddenLine xmlns:a14="http://schemas.microsoft.com/office/drawing/2010/main" w="9525">
+                <a:solidFill>
+                  <a:schemeClr val="tx1"/>
+                </a:solidFill>
+                <a:miter lim="800000"/>
+                <a:headEnd/>
+                <a:tailEnd/>
+              </a14:hiddenLine>
+            </a:ext>
+            <a:ext uri="{AF507438-7753-43E0-B8FC-AC1667EBCBE1}">
+              <a14:hiddenEffects xmlns:a14="http://schemas.microsoft.com/office/drawing/2010/main">
+                <a:effectLst>
+                  <a:outerShdw dist="35921" dir="2700000" algn="ctr" rotWithShape="0">
+                    <a:schemeClr val="bg2"/>
+                  </a:outerShdw>
+                </a:effectLst>
+              </a14:hiddenEffects>
+            </a:ext>
+          </a:extLst>
         </p:spPr>
-      </p:pic>
+        <p:txBody>
+          <a:bodyPr vert="horz" wrap="none" lIns="91440" tIns="45720" rIns="91440" bIns="45720" numCol="1" anchor="ctr" anchorCtr="0" compatLnSpc="1">
+            <a:prstTxWarp prst="textNoShape">
+              <a:avLst/>
+            </a:prstTxWarp>
+            <a:spAutoFit/>
+          </a:bodyPr>
+          <a:lstStyle/>
+          <a:p>
+            <a:endParaRPr lang="en-US"/>
+          </a:p>
+        </p:txBody>
+      </p:sp>
+      <p:graphicFrame>
+        <p:nvGraphicFramePr>
+          <p:cNvPr id="6" name="Object 5"/>
+          <p:cNvGraphicFramePr>
+            <a:graphicFrameLocks noChangeAspect="1"/>
+          </p:cNvGraphicFramePr>
+          <p:nvPr/>
+        </p:nvGraphicFramePr>
+        <p:xfrm>
+          <a:off x="1431925" y="2193925"/>
+          <a:ext cx="2852738" cy="690563"/>
+        </p:xfrm>
+        <a:graphic>
+          <a:graphicData uri="http://schemas.openxmlformats.org/presentationml/2006/ole">
+            <mc:AlternateContent xmlns:mc="http://schemas.openxmlformats.org/markup-compatibility/2006">
+              <mc:Choice xmlns:v="urn:schemas-microsoft-com:vml" Requires="v">
+                <p:oleObj name="Equation" r:id="rId2" imgW="1612800" imgH="393480" progId="Equation.3">
+                  <p:embed/>
+                </p:oleObj>
+              </mc:Choice>
+              <mc:Fallback>
+                <p:oleObj name="Equation" r:id="rId2" imgW="1612800" imgH="393480" progId="Equation.3">
+                  <p:embed/>
+                  <p:pic>
+                    <p:nvPicPr>
+                      <p:cNvPr id="6" name="Object 5"/>
+                      <p:cNvPicPr>
+                        <a:picLocks noChangeAspect="1" noChangeArrowheads="1"/>
+                      </p:cNvPicPr>
+                      <p:nvPr/>
+                    </p:nvPicPr>
+                    <p:blipFill>
+                      <a:blip r:embed="rId3"/>
+                      <a:srcRect/>
+                      <a:stretch>
+                        <a:fillRect/>
+                      </a:stretch>
+                    </p:blipFill>
+                    <p:spPr bwMode="auto">
+                      <a:xfrm>
+                        <a:off x="1431925" y="2193925"/>
+                        <a:ext cx="2852738" cy="690563"/>
+                      </a:xfrm>
+                      <a:prstGeom prst="rect">
+                        <a:avLst/>
+                      </a:prstGeom>
+                      <a:noFill/>
+                    </p:spPr>
+                  </p:pic>
+                </p:oleObj>
+              </mc:Fallback>
+            </mc:AlternateContent>
+          </a:graphicData>
+        </a:graphic>
+      </p:graphicFrame>
+      <p:sp>
+        <p:nvSpPr>
+          <p:cNvPr id="7" name="Rectangle 4"/>
+          <p:cNvSpPr>
+            <a:spLocks noChangeArrowheads="1"/>
+          </p:cNvSpPr>
+          <p:nvPr/>
+        </p:nvSpPr>
+        <p:spPr bwMode="auto">
+          <a:xfrm>
+            <a:off x="0" y="0"/>
+            <a:ext cx="9144000" cy="0"/>
+          </a:xfrm>
+          <a:prstGeom prst="rect">
+            <a:avLst/>
+          </a:prstGeom>
+          <a:noFill/>
+          <a:ln>
+            <a:noFill/>
+          </a:ln>
+          <a:effectLst/>
+          <a:extLst>
+            <a:ext uri="{909E8E84-426E-40DD-AFC4-6F175D3DCCD1}">
+              <a14:hiddenFill xmlns:a14="http://schemas.microsoft.com/office/drawing/2010/main">
+                <a:solidFill>
+                  <a:schemeClr val="accent1"/>
+                </a:solidFill>
+              </a14:hiddenFill>
+            </a:ext>
+            <a:ext uri="{91240B29-F687-4F45-9708-019B960494DF}">
+              <a14:hiddenLine xmlns:a14="http://schemas.microsoft.com/office/drawing/2010/main" w="9525">
+                <a:solidFill>
+                  <a:schemeClr val="tx1"/>
+                </a:solidFill>
+                <a:miter lim="800000"/>
+                <a:headEnd/>
+                <a:tailEnd/>
+              </a14:hiddenLine>
+            </a:ext>
+            <a:ext uri="{AF507438-7753-43E0-B8FC-AC1667EBCBE1}">
+              <a14:hiddenEffects xmlns:a14="http://schemas.microsoft.com/office/drawing/2010/main">
+                <a:effectLst>
+                  <a:outerShdw dist="35921" dir="2700000" algn="ctr" rotWithShape="0">
+                    <a:schemeClr val="bg2"/>
+                  </a:outerShdw>
+                </a:effectLst>
+              </a14:hiddenEffects>
+            </a:ext>
+          </a:extLst>
+        </p:spPr>
+        <p:txBody>
+          <a:bodyPr vert="horz" wrap="none" lIns="91440" tIns="45720" rIns="91440" bIns="45720" numCol="1" anchor="ctr" anchorCtr="0" compatLnSpc="1">
+            <a:prstTxWarp prst="textNoShape">
+              <a:avLst/>
+            </a:prstTxWarp>
+            <a:spAutoFit/>
+          </a:bodyPr>
+          <a:lstStyle/>
+          <a:p>
+            <a:endParaRPr lang="en-US"/>
+          </a:p>
+        </p:txBody>
+      </p:sp>
+      <p:graphicFrame>
+        <p:nvGraphicFramePr>
+          <p:cNvPr id="8" name="Object 7"/>
+          <p:cNvGraphicFramePr>
+            <a:graphicFrameLocks noChangeAspect="1"/>
+          </p:cNvGraphicFramePr>
+          <p:nvPr/>
+        </p:nvGraphicFramePr>
+        <p:xfrm>
+          <a:off x="1400175" y="3260725"/>
+          <a:ext cx="1336675" cy="450850"/>
+        </p:xfrm>
+        <a:graphic>
+          <a:graphicData uri="http://schemas.openxmlformats.org/presentationml/2006/ole">
+            <mc:AlternateContent xmlns:mc="http://schemas.openxmlformats.org/markup-compatibility/2006">
+              <mc:Choice xmlns:v="urn:schemas-microsoft-com:vml" Requires="v">
+                <p:oleObj name="Equation" r:id="rId4" imgW="723600" imgH="241200" progId="Equation.3">
+                  <p:embed/>
+                </p:oleObj>
+              </mc:Choice>
+              <mc:Fallback>
+                <p:oleObj name="Equation" r:id="rId4" imgW="723600" imgH="241200" progId="Equation.3">
+                  <p:embed/>
+                  <p:pic>
+                    <p:nvPicPr>
+                      <p:cNvPr id="8" name="Object 7"/>
+                      <p:cNvPicPr>
+                        <a:picLocks noChangeAspect="1" noChangeArrowheads="1"/>
+                      </p:cNvPicPr>
+                      <p:nvPr/>
+                    </p:nvPicPr>
+                    <p:blipFill>
+                      <a:blip r:embed="rId5"/>
+                      <a:srcRect/>
+                      <a:stretch>
+                        <a:fillRect/>
+                      </a:stretch>
+                    </p:blipFill>
+                    <p:spPr bwMode="auto">
+                      <a:xfrm>
+                        <a:off x="1400175" y="3260725"/>
+                        <a:ext cx="1336675" cy="450850"/>
+                      </a:xfrm>
+                      <a:prstGeom prst="rect">
+                        <a:avLst/>
+                      </a:prstGeom>
+                      <a:noFill/>
+                    </p:spPr>
+                  </p:pic>
+                </p:oleObj>
+              </mc:Fallback>
+            </mc:AlternateContent>
+          </a:graphicData>
+        </a:graphic>
+      </p:graphicFrame>
+      <p:graphicFrame>
+        <p:nvGraphicFramePr>
+          <p:cNvPr id="9" name="Object 8"/>
+          <p:cNvGraphicFramePr>
+            <a:graphicFrameLocks noChangeAspect="1"/>
+          </p:cNvGraphicFramePr>
+          <p:nvPr/>
+        </p:nvGraphicFramePr>
+        <p:xfrm>
+          <a:off x="1354138" y="5205413"/>
+          <a:ext cx="1595437" cy="806450"/>
+        </p:xfrm>
+        <a:graphic>
+          <a:graphicData uri="http://schemas.openxmlformats.org/presentationml/2006/ole">
+            <mc:AlternateContent xmlns:mc="http://schemas.openxmlformats.org/markup-compatibility/2006">
+              <mc:Choice xmlns:v="urn:schemas-microsoft-com:vml" Requires="v">
+                <p:oleObj name="Equation" r:id="rId6" imgW="863280" imgH="431640" progId="Equation.3">
+                  <p:embed/>
+                </p:oleObj>
+              </mc:Choice>
+              <mc:Fallback>
+                <p:oleObj name="Equation" r:id="rId6" imgW="863280" imgH="431640" progId="Equation.3">
+                  <p:embed/>
+                  <p:pic>
+                    <p:nvPicPr>
+                      <p:cNvPr id="9" name="Object 8"/>
+                      <p:cNvPicPr>
+                        <a:picLocks noChangeAspect="1" noChangeArrowheads="1"/>
+                      </p:cNvPicPr>
+                      <p:nvPr/>
+                    </p:nvPicPr>
+                    <p:blipFill>
+                      <a:blip r:embed="rId7"/>
+                      <a:srcRect/>
+                      <a:stretch>
+                        <a:fillRect/>
+                      </a:stretch>
+                    </p:blipFill>
+                    <p:spPr bwMode="auto">
+                      <a:xfrm>
+                        <a:off x="1354138" y="5205413"/>
+                        <a:ext cx="1595437" cy="806450"/>
+                      </a:xfrm>
+                      <a:prstGeom prst="rect">
+                        <a:avLst/>
+                      </a:prstGeom>
+                      <a:noFill/>
+                      <a:ln>
+                        <a:noFill/>
+                      </a:ln>
+                      <a:extLst>
+                        <a:ext uri="{909E8E84-426E-40DD-AFC4-6F175D3DCCD1}">
+                          <a14:hiddenFill xmlns:a14="http://schemas.microsoft.com/office/drawing/2010/main">
+                            <a:solidFill>
+                              <a:srgbClr val="FFFFFF"/>
+                            </a:solidFill>
+                          </a14:hiddenFill>
+                        </a:ext>
+                        <a:ext uri="{91240B29-F687-4F45-9708-019B960494DF}">
+                          <a14:hiddenLine xmlns:a14="http://schemas.microsoft.com/office/drawing/2010/main" w="9525">
+                            <a:solidFill>
+                              <a:srgbClr val="000000"/>
+                            </a:solidFill>
+                            <a:miter lim="800000"/>
+                            <a:headEnd/>
+                            <a:tailEnd/>
+                          </a14:hiddenLine>
+                        </a:ext>
+                      </a:extLst>
+                    </p:spPr>
+                  </p:pic>
+                </p:oleObj>
+              </mc:Fallback>
+            </mc:AlternateContent>
+          </a:graphicData>
+        </a:graphic>
+      </p:graphicFrame>
+      <p:sp>
+        <p:nvSpPr>
+          <p:cNvPr id="10" name="Rectangle 8"/>
+          <p:cNvSpPr>
+            <a:spLocks noChangeArrowheads="1"/>
+          </p:cNvSpPr>
+          <p:nvPr/>
+        </p:nvSpPr>
+        <p:spPr bwMode="auto">
+          <a:xfrm>
+            <a:off x="0" y="0"/>
+            <a:ext cx="9144000" cy="0"/>
+          </a:xfrm>
+          <a:prstGeom prst="rect">
+            <a:avLst/>
+          </a:prstGeom>
+          <a:noFill/>
+          <a:ln>
+            <a:noFill/>
+          </a:ln>
+          <a:effectLst/>
+          <a:extLst>
+            <a:ext uri="{909E8E84-426E-40DD-AFC4-6F175D3DCCD1}">
+              <a14:hiddenFill xmlns:a14="http://schemas.microsoft.com/office/drawing/2010/main">
+                <a:solidFill>
+                  <a:schemeClr val="accent1"/>
+                </a:solidFill>
+              </a14:hiddenFill>
+            </a:ext>
+            <a:ext uri="{91240B29-F687-4F45-9708-019B960494DF}">
+              <a14:hiddenLine xmlns:a14="http://schemas.microsoft.com/office/drawing/2010/main" w="9525">
+                <a:solidFill>
+                  <a:schemeClr val="tx1"/>
+                </a:solidFill>
+                <a:miter lim="800000"/>
+                <a:headEnd/>
+                <a:tailEnd/>
+              </a14:hiddenLine>
+            </a:ext>
+            <a:ext uri="{AF507438-7753-43E0-B8FC-AC1667EBCBE1}">
+              <a14:hiddenEffects xmlns:a14="http://schemas.microsoft.com/office/drawing/2010/main">
+                <a:effectLst>
+                  <a:outerShdw dist="35921" dir="2700000" algn="ctr" rotWithShape="0">
+                    <a:schemeClr val="bg2"/>
+                  </a:outerShdw>
+                </a:effectLst>
+              </a14:hiddenEffects>
+            </a:ext>
+          </a:extLst>
+        </p:spPr>
+        <p:txBody>
+          <a:bodyPr vert="horz" wrap="none" lIns="91440" tIns="45720" rIns="91440" bIns="45720" numCol="1" anchor="ctr" anchorCtr="0" compatLnSpc="1">
+            <a:prstTxWarp prst="textNoShape">
+              <a:avLst/>
+            </a:prstTxWarp>
+            <a:spAutoFit/>
+          </a:bodyPr>
+          <a:lstStyle/>
+          <a:p>
+            <a:endParaRPr lang="en-US"/>
+          </a:p>
+        </p:txBody>
+      </p:sp>
+      <p:graphicFrame>
+        <p:nvGraphicFramePr>
+          <p:cNvPr id="11" name="Object 10"/>
+          <p:cNvGraphicFramePr>
+            <a:graphicFrameLocks noChangeAspect="1"/>
+          </p:cNvGraphicFramePr>
+          <p:nvPr/>
+        </p:nvGraphicFramePr>
+        <p:xfrm>
+          <a:off x="1371600" y="4247535"/>
+          <a:ext cx="1849658" cy="576775"/>
+        </p:xfrm>
+        <a:graphic>
+          <a:graphicData uri="http://schemas.openxmlformats.org/presentationml/2006/ole">
+            <mc:AlternateContent xmlns:mc="http://schemas.openxmlformats.org/markup-compatibility/2006">
+              <mc:Choice xmlns:v="urn:schemas-microsoft-com:vml" Requires="v">
+                <p:oleObj name="Equation" r:id="rId8" imgW="889000" imgH="279400" progId="Equation.3">
+                  <p:embed/>
+                </p:oleObj>
+              </mc:Choice>
+              <mc:Fallback>
+                <p:oleObj name="Equation" r:id="rId8" imgW="889000" imgH="279400" progId="Equation.3">
+                  <p:embed/>
+                  <p:pic>
+                    <p:nvPicPr>
+                      <p:cNvPr id="11" name="Object 10"/>
+                      <p:cNvPicPr>
+                        <a:picLocks noChangeAspect="1" noChangeArrowheads="1"/>
+                      </p:cNvPicPr>
+                      <p:nvPr/>
+                    </p:nvPicPr>
+                    <p:blipFill>
+                      <a:blip r:embed="rId9">
+                        <a:extLst>
+                          <a:ext uri="{28A0092B-C50C-407E-A947-70E740481C1C}">
+                            <a14:useLocalDpi xmlns:a14="http://schemas.microsoft.com/office/drawing/2010/main" val="0"/>
+                          </a:ext>
+                        </a:extLst>
+                      </a:blip>
+                      <a:srcRect/>
+                      <a:stretch>
+                        <a:fillRect/>
+                      </a:stretch>
+                    </p:blipFill>
+                    <p:spPr bwMode="auto">
+                      <a:xfrm>
+                        <a:off x="1371600" y="4247535"/>
+                        <a:ext cx="1849658" cy="576775"/>
+                      </a:xfrm>
+                      <a:prstGeom prst="rect">
+                        <a:avLst/>
+                      </a:prstGeom>
+                      <a:noFill/>
+                    </p:spPr>
+                  </p:pic>
+                </p:oleObj>
+              </mc:Fallback>
+            </mc:AlternateContent>
+          </a:graphicData>
+        </a:graphic>
+      </p:graphicFrame>
     </p:spTree>
+    <p:extLst>
+      <p:ext uri="{BB962C8B-B14F-4D97-AF65-F5344CB8AC3E}">
+        <p14:creationId xmlns:p14="http://schemas.microsoft.com/office/powerpoint/2010/main" val="2782929631"/>
+      </p:ext>
+    </p:extLst>
   </p:cSld>
   <p:clrMapOvr>
     <a:masterClrMapping/>
@@ -3699,868 +4575,6 @@
 </file>
 
 <file path=ppt/slides/slide10.xml><?xml version="1.0" encoding="utf-8"?>
-<p:sld xmlns:a="http://schemas.openxmlformats.org/drawingml/2006/main" xmlns:r="http://schemas.openxmlformats.org/officeDocument/2006/relationships" xmlns:p="http://schemas.openxmlformats.org/presentationml/2006/main">
-  <p:cSld>
-    <p:spTree>
-      <p:nvGrpSpPr>
-        <p:cNvPr id="1" name=""/>
-        <p:cNvGrpSpPr/>
-        <p:nvPr/>
-      </p:nvGrpSpPr>
-      <p:grpSpPr>
-        <a:xfrm>
-          <a:off x="0" y="0"/>
-          <a:ext cx="0" cy="0"/>
-          <a:chOff x="0" y="0"/>
-          <a:chExt cx="0" cy="0"/>
-        </a:xfrm>
-      </p:grpSpPr>
-      <p:pic>
-        <p:nvPicPr>
-          <p:cNvPr id="4098" name="Picture 2"/>
-          <p:cNvPicPr>
-            <a:picLocks noChangeAspect="1" noChangeArrowheads="1"/>
-          </p:cNvPicPr>
-          <p:nvPr/>
-        </p:nvPicPr>
-        <p:blipFill>
-          <a:blip r:embed="rId2" cstate="print"/>
-          <a:srcRect/>
-          <a:stretch>
-            <a:fillRect/>
-          </a:stretch>
-        </p:blipFill>
-        <p:spPr bwMode="auto">
-          <a:xfrm>
-            <a:off x="2386013" y="1405889"/>
-            <a:ext cx="4441507" cy="4455607"/>
-          </a:xfrm>
-          <a:prstGeom prst="rect">
-            <a:avLst/>
-          </a:prstGeom>
-          <a:noFill/>
-          <a:ln w="9525">
-            <a:noFill/>
-            <a:miter lim="800000"/>
-            <a:headEnd/>
-            <a:tailEnd/>
-          </a:ln>
-          <a:effectLst/>
-        </p:spPr>
-      </p:pic>
-    </p:spTree>
-  </p:cSld>
-  <p:clrMapOvr>
-    <a:masterClrMapping/>
-  </p:clrMapOvr>
-  <p:timing>
-    <p:tnLst>
-      <p:par>
-        <p:cTn id="1" dur="indefinite" restart="never" nodeType="tmRoot"/>
-      </p:par>
-    </p:tnLst>
-  </p:timing>
-</p:sld>
-</file>
-
-<file path=ppt/slides/slide11.xml><?xml version="1.0" encoding="utf-8"?>
-<p:sld xmlns:a="http://schemas.openxmlformats.org/drawingml/2006/main" xmlns:r="http://schemas.openxmlformats.org/officeDocument/2006/relationships" xmlns:p="http://schemas.openxmlformats.org/presentationml/2006/main">
-  <p:cSld>
-    <p:spTree>
-      <p:nvGrpSpPr>
-        <p:cNvPr id="1" name=""/>
-        <p:cNvGrpSpPr/>
-        <p:nvPr/>
-      </p:nvGrpSpPr>
-      <p:grpSpPr>
-        <a:xfrm>
-          <a:off x="0" y="0"/>
-          <a:ext cx="0" cy="0"/>
-          <a:chOff x="0" y="0"/>
-          <a:chExt cx="0" cy="0"/>
-        </a:xfrm>
-      </p:grpSpPr>
-      <p:sp>
-        <p:nvSpPr>
-          <p:cNvPr id="31746" name="Footer Placeholder 5"/>
-          <p:cNvSpPr>
-            <a:spLocks noGrp="1"/>
-          </p:cNvSpPr>
-          <p:nvPr>
-            <p:ph type="ftr" sz="quarter" idx="11"/>
-          </p:nvPr>
-        </p:nvSpPr>
-        <p:spPr>
-          <a:noFill/>
-        </p:spPr>
-        <p:txBody>
-          <a:bodyPr/>
-          <a:lstStyle/>
-          <a:p>
-            <a:r>
-              <a:rPr lang="en-US"/>
-              <a:t>R. Todd Lines</a:t>
-            </a:r>
-          </a:p>
-        </p:txBody>
-      </p:sp>
-      <p:sp>
-        <p:nvSpPr>
-          <p:cNvPr id="31747" name="Rectangle 2"/>
-          <p:cNvSpPr>
-            <a:spLocks noGrp="1" noChangeArrowheads="1"/>
-          </p:cNvSpPr>
-          <p:nvPr>
-            <p:ph type="title"/>
-          </p:nvPr>
-        </p:nvSpPr>
-        <p:spPr/>
-        <p:txBody>
-          <a:bodyPr/>
-          <a:lstStyle/>
-          <a:p>
-            <a:pPr eaLnBrk="1" hangingPunct="1"/>
-            <a:r>
-              <a:rPr lang="en-US" dirty="0" smtClean="0"/>
-              <a:t>Optical Stress Analysis</a:t>
-            </a:r>
-          </a:p>
-        </p:txBody>
-      </p:sp>
-      <p:sp>
-        <p:nvSpPr>
-          <p:cNvPr id="7" name="ClipArt Placeholder 6"/>
-          <p:cNvSpPr>
-            <a:spLocks noGrp="1"/>
-          </p:cNvSpPr>
-          <p:nvPr>
-            <p:ph type="clipArt" sz="half" idx="2"/>
-          </p:nvPr>
-        </p:nvSpPr>
-        <p:spPr/>
-      </p:sp>
-      <p:pic>
-        <p:nvPicPr>
-          <p:cNvPr id="1026" name="Picture 2"/>
-          <p:cNvPicPr>
-            <a:picLocks noChangeAspect="1" noChangeArrowheads="1"/>
-          </p:cNvPicPr>
-          <p:nvPr/>
-        </p:nvPicPr>
-        <p:blipFill>
-          <a:blip r:embed="rId2" cstate="print"/>
-          <a:srcRect/>
-          <a:stretch>
-            <a:fillRect/>
-          </a:stretch>
-        </p:blipFill>
-        <p:spPr bwMode="auto">
-          <a:xfrm>
-            <a:off x="762000" y="947738"/>
-            <a:ext cx="7620000" cy="4962525"/>
-          </a:xfrm>
-          <a:prstGeom prst="rect">
-            <a:avLst/>
-          </a:prstGeom>
-          <a:noFill/>
-          <a:ln w="9525">
-            <a:noFill/>
-            <a:miter lim="800000"/>
-            <a:headEnd/>
-            <a:tailEnd/>
-          </a:ln>
-        </p:spPr>
-      </p:pic>
-    </p:spTree>
-  </p:cSld>
-  <p:clrMapOvr>
-    <a:masterClrMapping/>
-  </p:clrMapOvr>
-  <p:timing>
-    <p:tnLst>
-      <p:par>
-        <p:cTn id="1" dur="indefinite" restart="never" nodeType="tmRoot"/>
-      </p:par>
-    </p:tnLst>
-  </p:timing>
-</p:sld>
-</file>
-
-<file path=ppt/slides/slide12.xml><?xml version="1.0" encoding="utf-8"?>
-<p:sld xmlns:a="http://schemas.openxmlformats.org/drawingml/2006/main" xmlns:r="http://schemas.openxmlformats.org/officeDocument/2006/relationships" xmlns:p="http://schemas.openxmlformats.org/presentationml/2006/main">
-  <p:cSld>
-    <p:spTree>
-      <p:nvGrpSpPr>
-        <p:cNvPr id="1" name=""/>
-        <p:cNvGrpSpPr/>
-        <p:nvPr/>
-      </p:nvGrpSpPr>
-      <p:grpSpPr>
-        <a:xfrm>
-          <a:off x="0" y="0"/>
-          <a:ext cx="0" cy="0"/>
-          <a:chOff x="0" y="0"/>
-          <a:chExt cx="0" cy="0"/>
-        </a:xfrm>
-      </p:grpSpPr>
-      <p:sp>
-        <p:nvSpPr>
-          <p:cNvPr id="36866" name="Footer Placeholder 4"/>
-          <p:cNvSpPr>
-            <a:spLocks noGrp="1"/>
-          </p:cNvSpPr>
-          <p:nvPr>
-            <p:ph type="ftr" sz="quarter" idx="11"/>
-          </p:nvPr>
-        </p:nvSpPr>
-        <p:spPr>
-          <a:noFill/>
-        </p:spPr>
-        <p:txBody>
-          <a:bodyPr/>
-          <a:lstStyle/>
-          <a:p>
-            <a:r>
-              <a:rPr lang="en-US"/>
-              <a:t>R. Todd Lines</a:t>
-            </a:r>
-          </a:p>
-        </p:txBody>
-      </p:sp>
-      <p:sp>
-        <p:nvSpPr>
-          <p:cNvPr id="36867" name="Rectangle 2"/>
-          <p:cNvSpPr>
-            <a:spLocks noGrp="1" noChangeArrowheads="1"/>
-          </p:cNvSpPr>
-          <p:nvPr>
-            <p:ph type="title"/>
-          </p:nvPr>
-        </p:nvSpPr>
-        <p:spPr/>
-        <p:txBody>
-          <a:bodyPr/>
-          <a:lstStyle/>
-          <a:p>
-            <a:pPr eaLnBrk="1" hangingPunct="1"/>
-            <a:r>
-              <a:rPr lang="en-US" smtClean="0"/>
-              <a:t>Laser Polarization</a:t>
-            </a:r>
-          </a:p>
-        </p:txBody>
-      </p:sp>
-      <p:sp>
-        <p:nvSpPr>
-          <p:cNvPr id="36868" name="Rectangle 3"/>
-          <p:cNvSpPr>
-            <a:spLocks noGrp="1" noChangeArrowheads="1"/>
-          </p:cNvSpPr>
-          <p:nvPr>
-            <p:ph type="body" idx="1"/>
-          </p:nvPr>
-        </p:nvSpPr>
-        <p:spPr/>
-        <p:txBody>
-          <a:bodyPr/>
-          <a:lstStyle/>
-          <a:p>
-            <a:pPr eaLnBrk="1" hangingPunct="1"/>
-            <a:endParaRPr lang="en-US" smtClean="0"/>
-          </a:p>
-        </p:txBody>
-      </p:sp>
-      <p:pic>
-        <p:nvPicPr>
-          <p:cNvPr id="1028" name="Picture 4"/>
-          <p:cNvPicPr>
-            <a:picLocks noChangeAspect="1" noChangeArrowheads="1"/>
-          </p:cNvPicPr>
-          <p:nvPr/>
-        </p:nvPicPr>
-        <p:blipFill>
-          <a:blip r:embed="rId2" cstate="print"/>
-          <a:srcRect/>
-          <a:stretch>
-            <a:fillRect/>
-          </a:stretch>
-        </p:blipFill>
-        <p:spPr bwMode="auto">
-          <a:xfrm>
-            <a:off x="1014413" y="2589213"/>
-            <a:ext cx="7115175" cy="1685925"/>
-          </a:xfrm>
-          <a:prstGeom prst="rect">
-            <a:avLst/>
-          </a:prstGeom>
-          <a:noFill/>
-          <a:ln w="9525">
-            <a:noFill/>
-            <a:miter lim="800000"/>
-            <a:headEnd/>
-            <a:tailEnd/>
-          </a:ln>
-          <a:effectLst/>
-        </p:spPr>
-      </p:pic>
-    </p:spTree>
-  </p:cSld>
-  <p:clrMapOvr>
-    <a:masterClrMapping/>
-  </p:clrMapOvr>
-</p:sld>
-</file>
-
-<file path=ppt/slides/slide2.xml><?xml version="1.0" encoding="utf-8"?>
-<p:sld xmlns:a="http://schemas.openxmlformats.org/drawingml/2006/main" xmlns:r="http://schemas.openxmlformats.org/officeDocument/2006/relationships" xmlns:p="http://schemas.openxmlformats.org/presentationml/2006/main">
-  <p:cSld>
-    <p:spTree>
-      <p:nvGrpSpPr>
-        <p:cNvPr id="1" name=""/>
-        <p:cNvGrpSpPr/>
-        <p:nvPr/>
-      </p:nvGrpSpPr>
-      <p:grpSpPr>
-        <a:xfrm>
-          <a:off x="0" y="0"/>
-          <a:ext cx="0" cy="0"/>
-          <a:chOff x="0" y="0"/>
-          <a:chExt cx="0" cy="0"/>
-        </a:xfrm>
-      </p:grpSpPr>
-      <p:grpSp>
-        <p:nvGrpSpPr>
-          <p:cNvPr id="12" name="Group 11"/>
-          <p:cNvGrpSpPr/>
-          <p:nvPr/>
-        </p:nvGrpSpPr>
-        <p:grpSpPr>
-          <a:xfrm>
-            <a:off x="2712720" y="1524000"/>
-            <a:ext cx="3733800" cy="3733800"/>
-            <a:chOff x="2849880" y="655320"/>
-            <a:chExt cx="3733800" cy="3733800"/>
-          </a:xfrm>
-        </p:grpSpPr>
-        <p:grpSp>
-          <p:nvGrpSpPr>
-            <p:cNvPr id="7" name="Group 6"/>
-            <p:cNvGrpSpPr/>
-            <p:nvPr/>
-          </p:nvGrpSpPr>
-          <p:grpSpPr>
-            <a:xfrm>
-              <a:off x="2849880" y="655320"/>
-              <a:ext cx="3718560" cy="3718560"/>
-              <a:chOff x="2849880" y="655320"/>
-              <a:chExt cx="3718560" cy="3718560"/>
-            </a:xfrm>
-          </p:grpSpPr>
-          <p:cxnSp>
-            <p:nvCxnSpPr>
-              <p:cNvPr id="5" name="Straight Arrow Connector 4"/>
-              <p:cNvCxnSpPr/>
-              <p:nvPr/>
-            </p:nvCxnSpPr>
-            <p:spPr>
-              <a:xfrm>
-                <a:off x="4709160" y="655320"/>
-                <a:ext cx="0" cy="3718560"/>
-              </a:xfrm>
-              <a:prstGeom prst="straightConnector1">
-                <a:avLst/>
-              </a:prstGeom>
-              <a:ln w="38100">
-                <a:solidFill>
-                  <a:srgbClr val="FF0000"/>
-                </a:solidFill>
-                <a:headEnd type="stealth" w="lg" len="lg"/>
-                <a:tailEnd type="stealth" w="lg" len="lg"/>
-              </a:ln>
-            </p:spPr>
-            <p:style>
-              <a:lnRef idx="1">
-                <a:schemeClr val="accent1"/>
-              </a:lnRef>
-              <a:fillRef idx="0">
-                <a:schemeClr val="accent1"/>
-              </a:fillRef>
-              <a:effectRef idx="0">
-                <a:schemeClr val="accent1"/>
-              </a:effectRef>
-              <a:fontRef idx="minor">
-                <a:schemeClr val="tx1"/>
-              </a:fontRef>
-            </p:style>
-          </p:cxnSp>
-          <p:cxnSp>
-            <p:nvCxnSpPr>
-              <p:cNvPr id="6" name="Straight Arrow Connector 5"/>
-              <p:cNvCxnSpPr/>
-              <p:nvPr/>
-            </p:nvCxnSpPr>
-            <p:spPr>
-              <a:xfrm rot="5400000">
-                <a:off x="4709160" y="655320"/>
-                <a:ext cx="0" cy="3718560"/>
-              </a:xfrm>
-              <a:prstGeom prst="straightConnector1">
-                <a:avLst/>
-              </a:prstGeom>
-              <a:ln w="38100">
-                <a:solidFill>
-                  <a:srgbClr val="FF0000"/>
-                </a:solidFill>
-                <a:headEnd type="stealth" w="lg" len="lg"/>
-                <a:tailEnd type="stealth" w="lg" len="lg"/>
-              </a:ln>
-            </p:spPr>
-            <p:style>
-              <a:lnRef idx="1">
-                <a:schemeClr val="accent1"/>
-              </a:lnRef>
-              <a:fillRef idx="0">
-                <a:schemeClr val="accent1"/>
-              </a:fillRef>
-              <a:effectRef idx="0">
-                <a:schemeClr val="accent1"/>
-              </a:effectRef>
-              <a:fontRef idx="minor">
-                <a:schemeClr val="tx1"/>
-              </a:fontRef>
-            </p:style>
-          </p:cxnSp>
-        </p:grpSp>
-        <p:grpSp>
-          <p:nvGrpSpPr>
-            <p:cNvPr id="8" name="Group 7"/>
-            <p:cNvGrpSpPr/>
-            <p:nvPr/>
-          </p:nvGrpSpPr>
-          <p:grpSpPr>
-            <a:xfrm rot="2700000">
-              <a:off x="2865120" y="670560"/>
-              <a:ext cx="3718560" cy="3718560"/>
-              <a:chOff x="2849880" y="655320"/>
-              <a:chExt cx="3718560" cy="3718560"/>
-            </a:xfrm>
-          </p:grpSpPr>
-          <p:cxnSp>
-            <p:nvCxnSpPr>
-              <p:cNvPr id="9" name="Straight Arrow Connector 8"/>
-              <p:cNvCxnSpPr/>
-              <p:nvPr/>
-            </p:nvCxnSpPr>
-            <p:spPr>
-              <a:xfrm>
-                <a:off x="4709160" y="655320"/>
-                <a:ext cx="0" cy="3718560"/>
-              </a:xfrm>
-              <a:prstGeom prst="straightConnector1">
-                <a:avLst/>
-              </a:prstGeom>
-              <a:ln w="38100">
-                <a:solidFill>
-                  <a:srgbClr val="FF0000"/>
-                </a:solidFill>
-                <a:headEnd type="stealth" w="lg" len="lg"/>
-                <a:tailEnd type="stealth" w="lg" len="lg"/>
-              </a:ln>
-            </p:spPr>
-            <p:style>
-              <a:lnRef idx="1">
-                <a:schemeClr val="accent1"/>
-              </a:lnRef>
-              <a:fillRef idx="0">
-                <a:schemeClr val="accent1"/>
-              </a:fillRef>
-              <a:effectRef idx="0">
-                <a:schemeClr val="accent1"/>
-              </a:effectRef>
-              <a:fontRef idx="minor">
-                <a:schemeClr val="tx1"/>
-              </a:fontRef>
-            </p:style>
-          </p:cxnSp>
-          <p:cxnSp>
-            <p:nvCxnSpPr>
-              <p:cNvPr id="10" name="Straight Arrow Connector 9"/>
-              <p:cNvCxnSpPr/>
-              <p:nvPr/>
-            </p:nvCxnSpPr>
-            <p:spPr>
-              <a:xfrm rot="5400000">
-                <a:off x="4709160" y="655320"/>
-                <a:ext cx="0" cy="3718560"/>
-              </a:xfrm>
-              <a:prstGeom prst="straightConnector1">
-                <a:avLst/>
-              </a:prstGeom>
-              <a:ln w="38100">
-                <a:solidFill>
-                  <a:srgbClr val="FF0000"/>
-                </a:solidFill>
-                <a:headEnd type="stealth" w="lg" len="lg"/>
-                <a:tailEnd type="stealth" w="lg" len="lg"/>
-              </a:ln>
-            </p:spPr>
-            <p:style>
-              <a:lnRef idx="1">
-                <a:schemeClr val="accent1"/>
-              </a:lnRef>
-              <a:fillRef idx="0">
-                <a:schemeClr val="accent1"/>
-              </a:fillRef>
-              <a:effectRef idx="0">
-                <a:schemeClr val="accent1"/>
-              </a:effectRef>
-              <a:fontRef idx="minor">
-                <a:schemeClr val="tx1"/>
-              </a:fontRef>
-            </p:style>
-          </p:cxnSp>
-        </p:grpSp>
-      </p:grpSp>
-      <p:sp>
-        <p:nvSpPr>
-          <p:cNvPr id="14" name="TextBox 13"/>
-          <p:cNvSpPr txBox="1"/>
-          <p:nvPr/>
-        </p:nvSpPr>
-        <p:spPr>
-          <a:xfrm>
-            <a:off x="4802778" y="1266372"/>
-            <a:ext cx="410690" cy="646331"/>
-          </a:xfrm>
-          <a:prstGeom prst="rect">
-            <a:avLst/>
-          </a:prstGeom>
-          <a:noFill/>
-        </p:spPr>
-        <p:txBody>
-          <a:bodyPr wrap="none" rtlCol="0">
-            <a:spAutoFit/>
-          </a:bodyPr>
-          <a:lstStyle/>
-          <a:p>
-            <a:r>
-              <a:rPr lang="en-US" sz="3600" dirty="0" smtClean="0">
-                <a:solidFill>
-                  <a:srgbClr val="FF0000"/>
-                </a:solidFill>
-              </a:rPr>
-              <a:t>E</a:t>
-            </a:r>
-            <a:endParaRPr lang="en-US" sz="3600" dirty="0">
-              <a:solidFill>
-                <a:srgbClr val="FF0000"/>
-              </a:solidFill>
-            </a:endParaRPr>
-          </a:p>
-        </p:txBody>
-      </p:sp>
-      <p:grpSp>
-        <p:nvGrpSpPr>
-          <p:cNvPr id="11" name="Group 10"/>
-          <p:cNvGrpSpPr/>
-          <p:nvPr/>
-        </p:nvGrpSpPr>
-        <p:grpSpPr>
-          <a:xfrm rot="1320000">
-            <a:off x="2719980" y="1531260"/>
-            <a:ext cx="3733800" cy="3733800"/>
-            <a:chOff x="2849880" y="655320"/>
-            <a:chExt cx="3733800" cy="3733800"/>
-          </a:xfrm>
-        </p:grpSpPr>
-        <p:grpSp>
-          <p:nvGrpSpPr>
-            <p:cNvPr id="13" name="Group 12"/>
-            <p:cNvGrpSpPr/>
-            <p:nvPr/>
-          </p:nvGrpSpPr>
-          <p:grpSpPr>
-            <a:xfrm>
-              <a:off x="2849880" y="655320"/>
-              <a:ext cx="3718560" cy="3718560"/>
-              <a:chOff x="2849880" y="655320"/>
-              <a:chExt cx="3718560" cy="3718560"/>
-            </a:xfrm>
-          </p:grpSpPr>
-          <p:cxnSp>
-            <p:nvCxnSpPr>
-              <p:cNvPr id="18" name="Straight Arrow Connector 17"/>
-              <p:cNvCxnSpPr/>
-              <p:nvPr/>
-            </p:nvCxnSpPr>
-            <p:spPr>
-              <a:xfrm>
-                <a:off x="4709160" y="655320"/>
-                <a:ext cx="0" cy="3718560"/>
-              </a:xfrm>
-              <a:prstGeom prst="straightConnector1">
-                <a:avLst/>
-              </a:prstGeom>
-              <a:ln w="38100">
-                <a:solidFill>
-                  <a:srgbClr val="FF0000"/>
-                </a:solidFill>
-                <a:headEnd type="stealth" w="lg" len="lg"/>
-                <a:tailEnd type="stealth" w="lg" len="lg"/>
-              </a:ln>
-            </p:spPr>
-            <p:style>
-              <a:lnRef idx="1">
-                <a:schemeClr val="accent1"/>
-              </a:lnRef>
-              <a:fillRef idx="0">
-                <a:schemeClr val="accent1"/>
-              </a:fillRef>
-              <a:effectRef idx="0">
-                <a:schemeClr val="accent1"/>
-              </a:effectRef>
-              <a:fontRef idx="minor">
-                <a:schemeClr val="tx1"/>
-              </a:fontRef>
-            </p:style>
-          </p:cxnSp>
-          <p:cxnSp>
-            <p:nvCxnSpPr>
-              <p:cNvPr id="19" name="Straight Arrow Connector 18"/>
-              <p:cNvCxnSpPr/>
-              <p:nvPr/>
-            </p:nvCxnSpPr>
-            <p:spPr>
-              <a:xfrm rot="5400000">
-                <a:off x="4709160" y="655320"/>
-                <a:ext cx="0" cy="3718560"/>
-              </a:xfrm>
-              <a:prstGeom prst="straightConnector1">
-                <a:avLst/>
-              </a:prstGeom>
-              <a:ln w="38100">
-                <a:solidFill>
-                  <a:srgbClr val="FF0000"/>
-                </a:solidFill>
-                <a:headEnd type="stealth" w="lg" len="lg"/>
-                <a:tailEnd type="stealth" w="lg" len="lg"/>
-              </a:ln>
-            </p:spPr>
-            <p:style>
-              <a:lnRef idx="1">
-                <a:schemeClr val="accent1"/>
-              </a:lnRef>
-              <a:fillRef idx="0">
-                <a:schemeClr val="accent1"/>
-              </a:fillRef>
-              <a:effectRef idx="0">
-                <a:schemeClr val="accent1"/>
-              </a:effectRef>
-              <a:fontRef idx="minor">
-                <a:schemeClr val="tx1"/>
-              </a:fontRef>
-            </p:style>
-          </p:cxnSp>
-        </p:grpSp>
-        <p:grpSp>
-          <p:nvGrpSpPr>
-            <p:cNvPr id="15" name="Group 14"/>
-            <p:cNvGrpSpPr/>
-            <p:nvPr/>
-          </p:nvGrpSpPr>
-          <p:grpSpPr>
-            <a:xfrm rot="2700000">
-              <a:off x="2865120" y="670560"/>
-              <a:ext cx="3718560" cy="3718560"/>
-              <a:chOff x="2849880" y="655320"/>
-              <a:chExt cx="3718560" cy="3718560"/>
-            </a:xfrm>
-          </p:grpSpPr>
-          <p:cxnSp>
-            <p:nvCxnSpPr>
-              <p:cNvPr id="16" name="Straight Arrow Connector 15"/>
-              <p:cNvCxnSpPr/>
-              <p:nvPr/>
-            </p:nvCxnSpPr>
-            <p:spPr>
-              <a:xfrm>
-                <a:off x="4709160" y="655320"/>
-                <a:ext cx="0" cy="3718560"/>
-              </a:xfrm>
-              <a:prstGeom prst="straightConnector1">
-                <a:avLst/>
-              </a:prstGeom>
-              <a:ln w="38100">
-                <a:solidFill>
-                  <a:srgbClr val="FF0000"/>
-                </a:solidFill>
-                <a:headEnd type="stealth" w="lg" len="lg"/>
-                <a:tailEnd type="stealth" w="lg" len="lg"/>
-              </a:ln>
-            </p:spPr>
-            <p:style>
-              <a:lnRef idx="1">
-                <a:schemeClr val="accent1"/>
-              </a:lnRef>
-              <a:fillRef idx="0">
-                <a:schemeClr val="accent1"/>
-              </a:fillRef>
-              <a:effectRef idx="0">
-                <a:schemeClr val="accent1"/>
-              </a:effectRef>
-              <a:fontRef idx="minor">
-                <a:schemeClr val="tx1"/>
-              </a:fontRef>
-            </p:style>
-          </p:cxnSp>
-          <p:cxnSp>
-            <p:nvCxnSpPr>
-              <p:cNvPr id="17" name="Straight Arrow Connector 16"/>
-              <p:cNvCxnSpPr/>
-              <p:nvPr/>
-            </p:nvCxnSpPr>
-            <p:spPr>
-              <a:xfrm rot="5400000">
-                <a:off x="4709160" y="655320"/>
-                <a:ext cx="0" cy="3718560"/>
-              </a:xfrm>
-              <a:prstGeom prst="straightConnector1">
-                <a:avLst/>
-              </a:prstGeom>
-              <a:ln w="38100">
-                <a:solidFill>
-                  <a:srgbClr val="FF0000"/>
-                </a:solidFill>
-                <a:headEnd type="stealth" w="lg" len="lg"/>
-                <a:tailEnd type="stealth" w="lg" len="lg"/>
-              </a:ln>
-            </p:spPr>
-            <p:style>
-              <a:lnRef idx="1">
-                <a:schemeClr val="accent1"/>
-              </a:lnRef>
-              <a:fillRef idx="0">
-                <a:schemeClr val="accent1"/>
-              </a:fillRef>
-              <a:effectRef idx="0">
-                <a:schemeClr val="accent1"/>
-              </a:effectRef>
-              <a:fontRef idx="minor">
-                <a:schemeClr val="tx1"/>
-              </a:fontRef>
-            </p:style>
-          </p:cxnSp>
-        </p:grpSp>
-      </p:grpSp>
-    </p:spTree>
-  </p:cSld>
-  <p:clrMapOvr>
-    <a:masterClrMapping/>
-  </p:clrMapOvr>
-</p:sld>
-</file>
-
-<file path=ppt/slides/slide3.xml><?xml version="1.0" encoding="utf-8"?>
-<p:sld xmlns:a="http://schemas.openxmlformats.org/drawingml/2006/main" xmlns:r="http://schemas.openxmlformats.org/officeDocument/2006/relationships" xmlns:p="http://schemas.openxmlformats.org/presentationml/2006/main">
-  <p:cSld>
-    <p:spTree>
-      <p:nvGrpSpPr>
-        <p:cNvPr id="1" name=""/>
-        <p:cNvGrpSpPr/>
-        <p:nvPr/>
-      </p:nvGrpSpPr>
-      <p:grpSpPr>
-        <a:xfrm>
-          <a:off x="0" y="0"/>
-          <a:ext cx="0" cy="0"/>
-          <a:chOff x="0" y="0"/>
-          <a:chExt cx="0" cy="0"/>
-        </a:xfrm>
-      </p:grpSpPr>
-      <p:cxnSp>
-        <p:nvCxnSpPr>
-          <p:cNvPr id="5" name="Straight Arrow Connector 4"/>
-          <p:cNvCxnSpPr/>
-          <p:nvPr/>
-        </p:nvCxnSpPr>
-        <p:spPr>
-          <a:xfrm>
-            <a:off x="4572000" y="1524000"/>
-            <a:ext cx="0" cy="3718560"/>
-          </a:xfrm>
-          <a:prstGeom prst="straightConnector1">
-            <a:avLst/>
-          </a:prstGeom>
-          <a:ln w="38100">
-            <a:solidFill>
-              <a:srgbClr val="FF0000"/>
-            </a:solidFill>
-            <a:headEnd type="stealth" w="lg" len="lg"/>
-            <a:tailEnd type="stealth" w="lg" len="lg"/>
-          </a:ln>
-        </p:spPr>
-        <p:style>
-          <a:lnRef idx="1">
-            <a:schemeClr val="accent1"/>
-          </a:lnRef>
-          <a:fillRef idx="0">
-            <a:schemeClr val="accent1"/>
-          </a:fillRef>
-          <a:effectRef idx="0">
-            <a:schemeClr val="accent1"/>
-          </a:effectRef>
-          <a:fontRef idx="minor">
-            <a:schemeClr val="tx1"/>
-          </a:fontRef>
-        </p:style>
-      </p:cxnSp>
-      <p:sp>
-        <p:nvSpPr>
-          <p:cNvPr id="14" name="TextBox 13"/>
-          <p:cNvSpPr txBox="1"/>
-          <p:nvPr/>
-        </p:nvSpPr>
-        <p:spPr>
-          <a:xfrm>
-            <a:off x="4770120" y="1325880"/>
-            <a:ext cx="410690" cy="646331"/>
-          </a:xfrm>
-          <a:prstGeom prst="rect">
-            <a:avLst/>
-          </a:prstGeom>
-          <a:noFill/>
-        </p:spPr>
-        <p:txBody>
-          <a:bodyPr wrap="none" rtlCol="0">
-            <a:spAutoFit/>
-          </a:bodyPr>
-          <a:lstStyle/>
-          <a:p>
-            <a:r>
-              <a:rPr lang="en-US" sz="3600" dirty="0" smtClean="0">
-                <a:solidFill>
-                  <a:srgbClr val="FF0000"/>
-                </a:solidFill>
-              </a:rPr>
-              <a:t>E</a:t>
-            </a:r>
-            <a:endParaRPr lang="en-US" sz="3600" dirty="0">
-              <a:solidFill>
-                <a:srgbClr val="FF0000"/>
-              </a:solidFill>
-            </a:endParaRPr>
-          </a:p>
-        </p:txBody>
-      </p:sp>
-    </p:spTree>
-  </p:cSld>
-  <p:clrMapOvr>
-    <a:masterClrMapping/>
-  </p:clrMapOvr>
-</p:sld>
-</file>
-
-<file path=ppt/slides/slide4.xml><?xml version="1.0" encoding="utf-8"?>
 <p:sld xmlns:a="http://schemas.openxmlformats.org/drawingml/2006/main" xmlns:r="http://schemas.openxmlformats.org/officeDocument/2006/relationships" xmlns:p="http://schemas.openxmlformats.org/presentationml/2006/main">
   <p:cSld>
     <p:spTree>
@@ -4618,7 +4632,178 @@
 </p:sld>
 </file>
 
-<file path=ppt/slides/slide5.xml><?xml version="1.0" encoding="utf-8"?>
+<file path=ppt/slides/slide11.xml><?xml version="1.0" encoding="utf-8"?>
+<p:sld xmlns:a="http://schemas.openxmlformats.org/drawingml/2006/main" xmlns:r="http://schemas.openxmlformats.org/officeDocument/2006/relationships" xmlns:p="http://schemas.openxmlformats.org/presentationml/2006/main">
+  <p:cSld>
+    <p:spTree>
+      <p:nvGrpSpPr>
+        <p:cNvPr id="1" name=""/>
+        <p:cNvGrpSpPr/>
+        <p:nvPr/>
+      </p:nvGrpSpPr>
+      <p:grpSpPr>
+        <a:xfrm>
+          <a:off x="0" y="0"/>
+          <a:ext cx="0" cy="0"/>
+          <a:chOff x="0" y="0"/>
+          <a:chExt cx="0" cy="0"/>
+        </a:xfrm>
+      </p:grpSpPr>
+      <p:sp>
+        <p:nvSpPr>
+          <p:cNvPr id="2" name="Title 1">
+            <a:extLst>
+              <a:ext uri="{FF2B5EF4-FFF2-40B4-BE49-F238E27FC236}">
+                <a16:creationId xmlns:a16="http://schemas.microsoft.com/office/drawing/2014/main" id="{825D3A78-80DD-EEB8-CFEA-4AD929738598}"/>
+              </a:ext>
+            </a:extLst>
+          </p:cNvPr>
+          <p:cNvSpPr>
+            <a:spLocks noGrp="1"/>
+          </p:cNvSpPr>
+          <p:nvPr>
+            <p:ph type="title"/>
+          </p:nvPr>
+        </p:nvSpPr>
+        <p:spPr/>
+        <p:txBody>
+          <a:bodyPr>
+            <a:normAutofit/>
+          </a:bodyPr>
+          <a:lstStyle/>
+          <a:p>
+            <a:r>
+              <a:rPr lang="en-US" dirty="0"/>
+              <a:t>Question</a:t>
+            </a:r>
+          </a:p>
+        </p:txBody>
+      </p:sp>
+      <p:sp>
+        <p:nvSpPr>
+          <p:cNvPr id="3" name="Content Placeholder 2">
+            <a:extLst>
+              <a:ext uri="{FF2B5EF4-FFF2-40B4-BE49-F238E27FC236}">
+                <a16:creationId xmlns:a16="http://schemas.microsoft.com/office/drawing/2014/main" id="{21646B6A-45F4-E028-EE8F-3A69F4BE7C6E}"/>
+              </a:ext>
+            </a:extLst>
+          </p:cNvPr>
+          <p:cNvSpPr>
+            <a:spLocks noGrp="1"/>
+          </p:cNvSpPr>
+          <p:nvPr>
+            <p:ph idx="1"/>
+          </p:nvPr>
+        </p:nvSpPr>
+        <p:spPr/>
+        <p:txBody>
+          <a:bodyPr/>
+          <a:lstStyle/>
+          <a:p>
+            <a:pPr marL="0" indent="0">
+              <a:buNone/>
+            </a:pPr>
+            <a:r>
+              <a:rPr lang="en-US" dirty="0"/>
+              <a:t>I have two polarizers. If I pass light through both of them and their axes are aligned at 90 degrees from each other how much of the original light comes through?</a:t>
+            </a:r>
+          </a:p>
+          <a:p>
+            <a:pPr marL="514350" indent="-514350">
+              <a:buFont typeface="+mj-lt"/>
+              <a:buAutoNum type="alphaLcParenR"/>
+            </a:pPr>
+            <a:r>
+              <a:rPr lang="en-US" dirty="0"/>
+              <a:t>All of it</a:t>
+            </a:r>
+          </a:p>
+          <a:p>
+            <a:pPr marL="514350" indent="-514350">
+              <a:buFont typeface="+mj-lt"/>
+              <a:buAutoNum type="alphaLcParenR"/>
+            </a:pPr>
+            <a:r>
+              <a:rPr lang="en-US" dirty="0"/>
+              <a:t>30%</a:t>
+            </a:r>
+          </a:p>
+          <a:p>
+            <a:pPr marL="514350" indent="-514350">
+              <a:buFont typeface="+mj-lt"/>
+              <a:buAutoNum type="alphaLcParenR"/>
+            </a:pPr>
+            <a:r>
+              <a:rPr lang="en-US" dirty="0"/>
+              <a:t>70%</a:t>
+            </a:r>
+          </a:p>
+          <a:p>
+            <a:pPr marL="514350" indent="-514350">
+              <a:buFont typeface="+mj-lt"/>
+              <a:buAutoNum type="alphaLcParenR"/>
+            </a:pPr>
+            <a:r>
+              <a:rPr lang="en-US"/>
+              <a:t>None of it</a:t>
+            </a:r>
+            <a:endParaRPr lang="en-US" dirty="0"/>
+          </a:p>
+        </p:txBody>
+      </p:sp>
+      <p:pic>
+        <p:nvPicPr>
+          <p:cNvPr id="6" name="Picture 4">
+            <a:extLst>
+              <a:ext uri="{FF2B5EF4-FFF2-40B4-BE49-F238E27FC236}">
+                <a16:creationId xmlns:a16="http://schemas.microsoft.com/office/drawing/2014/main" id="{CB5C18BA-3F88-8D9C-8DD1-284F0FCD96C5}"/>
+              </a:ext>
+            </a:extLst>
+          </p:cNvPr>
+          <p:cNvPicPr>
+            <a:picLocks noChangeAspect="1" noChangeArrowheads="1"/>
+          </p:cNvPicPr>
+          <p:nvPr/>
+        </p:nvPicPr>
+        <p:blipFill>
+          <a:blip r:embed="rId3" cstate="print"/>
+          <a:srcRect/>
+          <a:stretch>
+            <a:fillRect/>
+          </a:stretch>
+        </p:blipFill>
+        <p:spPr bwMode="auto">
+          <a:xfrm>
+            <a:off x="4760535" y="4186079"/>
+            <a:ext cx="3703971" cy="1356203"/>
+          </a:xfrm>
+          <a:prstGeom prst="rect">
+            <a:avLst/>
+          </a:prstGeom>
+          <a:noFill/>
+          <a:ln w="9525">
+            <a:noFill/>
+            <a:miter lim="800000"/>
+            <a:headEnd/>
+            <a:tailEnd/>
+          </a:ln>
+          <a:effectLst/>
+        </p:spPr>
+      </p:pic>
+    </p:spTree>
+    <p:extLst>
+      <p:ext uri="{BB962C8B-B14F-4D97-AF65-F5344CB8AC3E}">
+        <p14:creationId xmlns:p14="http://schemas.microsoft.com/office/powerpoint/2010/main" val="3389873368"/>
+      </p:ext>
+    </p:extLst>
+  </p:cSld>
+  <p:clrMapOvr>
+    <a:masterClrMapping/>
+  </p:clrMapOvr>
+</p:sld>
+</file>
+
+<file path=ppt/slides/slide12.xml><?xml version="1.0" encoding="utf-8"?>
 <p:sld xmlns:a="http://schemas.openxmlformats.org/drawingml/2006/main" xmlns:r="http://schemas.openxmlformats.org/officeDocument/2006/relationships" xmlns:p="http://schemas.openxmlformats.org/presentationml/2006/main">
   <p:cSld>
     <p:spTree>
@@ -4743,13 +4928,13 @@
           <a:lstStyle/>
           <a:p>
             <a:r>
-              <a:rPr lang="en-US" dirty="0" smtClean="0">
+              <a:rPr lang="en-US" dirty="0">
                 <a:sym typeface="Symbol"/>
               </a:rPr>
               <a:t></a:t>
             </a:r>
             <a:r>
-              <a:rPr lang="en-US" baseline="-25000" dirty="0" smtClean="0">
+              <a:rPr lang="en-US" baseline="-25000" dirty="0">
                 <a:sym typeface="Symbol"/>
               </a:rPr>
               <a:t>2</a:t>
@@ -4795,7 +4980,7 @@
             <a:lstStyle/>
             <a:p>
               <a:r>
-                <a:rPr lang="en-US" b="1" dirty="0" smtClean="0">
+                <a:rPr lang="en-US" b="1" dirty="0">
                   <a:solidFill>
                     <a:srgbClr val="FFC000"/>
                   </a:solidFill>
@@ -6944,13 +7129,13 @@
           <a:lstStyle/>
           <a:p>
             <a:r>
-              <a:rPr lang="en-US" dirty="0" smtClean="0">
+              <a:rPr lang="en-US" dirty="0">
                 <a:sym typeface="Symbol"/>
               </a:rPr>
               <a:t></a:t>
             </a:r>
             <a:r>
-              <a:rPr lang="en-US" baseline="-25000" dirty="0" smtClean="0">
+              <a:rPr lang="en-US" baseline="-25000" dirty="0">
                 <a:sym typeface="Symbol"/>
               </a:rPr>
               <a:t>1</a:t>
@@ -6982,13 +7167,13 @@
           <a:lstStyle/>
           <a:p>
             <a:r>
-              <a:rPr lang="en-US" dirty="0" smtClean="0">
+              <a:rPr lang="en-US" dirty="0">
                 <a:sym typeface="Symbol"/>
               </a:rPr>
               <a:t></a:t>
             </a:r>
             <a:r>
-              <a:rPr lang="en-US" baseline="-25000" dirty="0" smtClean="0">
+              <a:rPr lang="en-US" baseline="-25000" dirty="0">
                 <a:sym typeface="Symbol"/>
               </a:rPr>
               <a:t>1</a:t>
@@ -7020,10 +7205,9 @@
           <a:lstStyle/>
           <a:p>
             <a:r>
-              <a:rPr lang="en-US" dirty="0" smtClean="0"/>
+              <a:rPr lang="en-US" dirty="0"/>
               <a:t>Incident Beam</a:t>
             </a:r>
-            <a:endParaRPr lang="en-US" dirty="0"/>
           </a:p>
         </p:txBody>
       </p:sp>
@@ -7050,10 +7234,9 @@
           <a:lstStyle/>
           <a:p>
             <a:r>
-              <a:rPr lang="en-US" dirty="0" smtClean="0"/>
+              <a:rPr lang="en-US" dirty="0"/>
               <a:t>Reflected Beam</a:t>
             </a:r>
-            <a:endParaRPr lang="en-US" dirty="0"/>
           </a:p>
         </p:txBody>
       </p:sp>
@@ -7080,10 +7263,9 @@
           <a:lstStyle/>
           <a:p>
             <a:r>
-              <a:rPr lang="en-US" dirty="0" smtClean="0"/>
+              <a:rPr lang="en-US" dirty="0"/>
               <a:t>Transmitted Beam</a:t>
             </a:r>
-            <a:endParaRPr lang="en-US" dirty="0"/>
           </a:p>
         </p:txBody>
       </p:sp>
@@ -7110,14 +7292,13 @@
           <a:lstStyle/>
           <a:p>
             <a:r>
-              <a:rPr lang="en-US" dirty="0" smtClean="0"/>
+              <a:rPr lang="en-US" dirty="0"/>
               <a:t>n</a:t>
             </a:r>
             <a:r>
-              <a:rPr lang="en-US" baseline="-25000" dirty="0" smtClean="0"/>
+              <a:rPr lang="en-US" baseline="-25000" dirty="0"/>
               <a:t>1</a:t>
             </a:r>
-            <a:endParaRPr lang="en-US" baseline="-25000" dirty="0"/>
           </a:p>
         </p:txBody>
       </p:sp>
@@ -7144,14 +7325,13 @@
           <a:lstStyle/>
           <a:p>
             <a:r>
-              <a:rPr lang="en-US" dirty="0" smtClean="0"/>
+              <a:rPr lang="en-US" dirty="0"/>
               <a:t>n</a:t>
             </a:r>
             <a:r>
-              <a:rPr lang="en-US" baseline="-25000" dirty="0" smtClean="0"/>
+              <a:rPr lang="en-US" baseline="-25000" dirty="0"/>
               <a:t>2</a:t>
             </a:r>
-            <a:endParaRPr lang="en-US" baseline="-25000" dirty="0"/>
           </a:p>
         </p:txBody>
       </p:sp>
@@ -7163,7 +7343,7 @@
 </p:sld>
 </file>
 
-<file path=ppt/slides/slide6.xml><?xml version="1.0" encoding="utf-8"?>
+<file path=ppt/slides/slide13.xml><?xml version="1.0" encoding="utf-8"?>
 <p:sld xmlns:a="http://schemas.openxmlformats.org/drawingml/2006/main" xmlns:r="http://schemas.openxmlformats.org/officeDocument/2006/relationships" xmlns:p="http://schemas.openxmlformats.org/presentationml/2006/main">
   <p:cSld>
     <p:spTree>
@@ -7288,13 +7468,13 @@
           <a:lstStyle/>
           <a:p>
             <a:r>
-              <a:rPr lang="en-US" dirty="0" smtClean="0">
+              <a:rPr lang="en-US" dirty="0">
                 <a:sym typeface="Symbol"/>
               </a:rPr>
               <a:t></a:t>
             </a:r>
             <a:r>
-              <a:rPr lang="en-US" baseline="-25000" dirty="0" smtClean="0">
+              <a:rPr lang="en-US" baseline="-25000" dirty="0">
                 <a:sym typeface="Symbol"/>
               </a:rPr>
               <a:t>2</a:t>
@@ -7340,7 +7520,7 @@
             <a:lstStyle/>
             <a:p>
               <a:r>
-                <a:rPr lang="en-US" b="1" dirty="0" smtClean="0">
+                <a:rPr lang="en-US" b="1" dirty="0">
                   <a:solidFill>
                     <a:srgbClr val="FFC000"/>
                   </a:solidFill>
@@ -9126,13 +9306,13 @@
           <a:lstStyle/>
           <a:p>
             <a:r>
-              <a:rPr lang="en-US" dirty="0" smtClean="0">
+              <a:rPr lang="en-US" dirty="0">
                 <a:sym typeface="Symbol"/>
               </a:rPr>
               <a:t></a:t>
             </a:r>
             <a:r>
-              <a:rPr lang="en-US" baseline="-25000" dirty="0" smtClean="0">
+              <a:rPr lang="en-US" baseline="-25000" dirty="0">
                 <a:sym typeface="Symbol"/>
               </a:rPr>
               <a:t>b</a:t>
@@ -9164,13 +9344,13 @@
           <a:lstStyle/>
           <a:p>
             <a:r>
-              <a:rPr lang="en-US" dirty="0" smtClean="0">
+              <a:rPr lang="en-US" dirty="0">
                 <a:sym typeface="Symbol"/>
               </a:rPr>
               <a:t></a:t>
             </a:r>
             <a:r>
-              <a:rPr lang="en-US" baseline="-25000" dirty="0" smtClean="0">
+              <a:rPr lang="en-US" baseline="-25000" dirty="0">
                 <a:sym typeface="Symbol"/>
               </a:rPr>
               <a:t>b</a:t>
@@ -9202,10 +9382,9 @@
           <a:lstStyle/>
           <a:p>
             <a:r>
-              <a:rPr lang="en-US" dirty="0" smtClean="0"/>
+              <a:rPr lang="en-US" dirty="0"/>
               <a:t>Incident Beam</a:t>
             </a:r>
-            <a:endParaRPr lang="en-US" dirty="0"/>
           </a:p>
         </p:txBody>
       </p:sp>
@@ -9232,28 +9411,27 @@
           <a:lstStyle/>
           <a:p>
             <a:r>
-              <a:rPr lang="en-US" dirty="0" smtClean="0"/>
+              <a:rPr lang="en-US" dirty="0"/>
               <a:t>Reflected Beam</a:t>
             </a:r>
           </a:p>
           <a:p>
             <a:r>
-              <a:rPr lang="en-US" dirty="0" smtClean="0"/>
+              <a:rPr lang="en-US" dirty="0"/>
               <a:t>Has only the </a:t>
             </a:r>
           </a:p>
           <a:p>
             <a:r>
-              <a:rPr lang="en-US" dirty="0" smtClean="0"/>
+              <a:rPr lang="en-US" dirty="0"/>
               <a:t>perpendicular </a:t>
             </a:r>
           </a:p>
           <a:p>
             <a:r>
-              <a:rPr lang="en-US" dirty="0" smtClean="0"/>
+              <a:rPr lang="en-US" dirty="0"/>
               <a:t>polarization</a:t>
             </a:r>
-            <a:endParaRPr lang="en-US" dirty="0"/>
           </a:p>
         </p:txBody>
       </p:sp>
@@ -9280,10 +9458,9 @@
           <a:lstStyle/>
           <a:p>
             <a:r>
-              <a:rPr lang="en-US" dirty="0" smtClean="0"/>
+              <a:rPr lang="en-US" dirty="0"/>
               <a:t>Transmitted Beam</a:t>
             </a:r>
-            <a:endParaRPr lang="en-US" dirty="0"/>
           </a:p>
         </p:txBody>
       </p:sp>
@@ -9310,14 +9487,13 @@
           <a:lstStyle/>
           <a:p>
             <a:r>
-              <a:rPr lang="en-US" dirty="0" smtClean="0"/>
+              <a:rPr lang="en-US" dirty="0"/>
               <a:t>n</a:t>
             </a:r>
             <a:r>
-              <a:rPr lang="en-US" baseline="-25000" dirty="0" smtClean="0"/>
+              <a:rPr lang="en-US" baseline="-25000" dirty="0"/>
               <a:t>1</a:t>
             </a:r>
-            <a:endParaRPr lang="en-US" baseline="-25000" dirty="0"/>
           </a:p>
         </p:txBody>
       </p:sp>
@@ -9344,14 +9520,13 @@
           <a:lstStyle/>
           <a:p>
             <a:r>
-              <a:rPr lang="en-US" dirty="0" smtClean="0"/>
+              <a:rPr lang="en-US" dirty="0"/>
               <a:t>n</a:t>
             </a:r>
             <a:r>
-              <a:rPr lang="en-US" baseline="-25000" dirty="0" smtClean="0"/>
+              <a:rPr lang="en-US" baseline="-25000" dirty="0"/>
               <a:t>2</a:t>
             </a:r>
-            <a:endParaRPr lang="en-US" baseline="-25000" dirty="0"/>
           </a:p>
         </p:txBody>
       </p:sp>
@@ -9425,11 +9600,11 @@
           <a:lstStyle/>
           <a:p>
             <a:r>
-              <a:rPr lang="en-US" dirty="0" smtClean="0"/>
+              <a:rPr lang="en-US" dirty="0"/>
               <a:t>90</a:t>
             </a:r>
             <a:r>
-              <a:rPr lang="en-US" dirty="0" smtClean="0">
+              <a:rPr lang="en-US" dirty="0">
                 <a:sym typeface="Symbol"/>
               </a:rPr>
               <a:t></a:t>
@@ -9446,7 +9621,7 @@
 </p:sld>
 </file>
 
-<file path=ppt/slides/slide7.xml><?xml version="1.0" encoding="utf-8"?>
+<file path=ppt/slides/slide14.xml><?xml version="1.0" encoding="utf-8"?>
 <p:sld xmlns:a="http://schemas.openxmlformats.org/drawingml/2006/main" xmlns:r="http://schemas.openxmlformats.org/officeDocument/2006/relationships" xmlns:p="http://schemas.openxmlformats.org/presentationml/2006/main">
   <p:cSld>
     <p:spTree>
@@ -9553,7 +9728,7 @@
 </p:sld>
 </file>
 
-<file path=ppt/slides/slide8.xml><?xml version="1.0" encoding="utf-8"?>
+<file path=ppt/slides/slide15.xml><?xml version="1.0" encoding="utf-8"?>
 <p:sld xmlns:a="http://schemas.openxmlformats.org/drawingml/2006/main" xmlns:r="http://schemas.openxmlformats.org/officeDocument/2006/relationships" xmlns:p="http://schemas.openxmlformats.org/presentationml/2006/main">
   <p:cSld>
     <p:spTree>
@@ -9626,14 +9801,13 @@
           <a:lstStyle/>
           <a:p>
             <a:r>
-              <a:rPr lang="en-US" dirty="0" err="1" smtClean="0"/>
+              <a:rPr lang="en-US" dirty="0" err="1"/>
               <a:t>Unpolarized</a:t>
             </a:r>
             <a:r>
-              <a:rPr lang="en-US" dirty="0" smtClean="0"/>
+              <a:rPr lang="en-US" dirty="0"/>
               <a:t> Light</a:t>
             </a:r>
-            <a:endParaRPr lang="en-US" dirty="0"/>
           </a:p>
         </p:txBody>
       </p:sp>
@@ -9660,10 +9834,9 @@
           <a:lstStyle/>
           <a:p>
             <a:r>
-              <a:rPr lang="en-US" dirty="0" smtClean="0"/>
+              <a:rPr lang="en-US" dirty="0"/>
               <a:t>O-ray</a:t>
             </a:r>
-            <a:endParaRPr lang="en-US" dirty="0"/>
           </a:p>
         </p:txBody>
       </p:sp>
@@ -9690,10 +9863,9 @@
           <a:lstStyle/>
           <a:p>
             <a:r>
-              <a:rPr lang="en-US" dirty="0" smtClean="0"/>
+              <a:rPr lang="en-US" dirty="0"/>
               <a:t>E-ray</a:t>
             </a:r>
-            <a:endParaRPr lang="en-US" dirty="0"/>
           </a:p>
         </p:txBody>
       </p:sp>
@@ -9702,13 +9874,3586 @@
   <p:clrMapOvr>
     <a:masterClrMapping/>
   </p:clrMapOvr>
-  <p:timing>
-    <p:tnLst>
-      <p:par>
-        <p:cTn id="1" dur="indefinite" restart="never" nodeType="tmRoot"/>
-      </p:par>
-    </p:tnLst>
-  </p:timing>
+</p:sld>
+</file>
+
+<file path=ppt/slides/slide16.xml><?xml version="1.0" encoding="utf-8"?>
+<p:sld xmlns:a="http://schemas.openxmlformats.org/drawingml/2006/main" xmlns:r="http://schemas.openxmlformats.org/officeDocument/2006/relationships" xmlns:p="http://schemas.openxmlformats.org/presentationml/2006/main">
+  <p:cSld>
+    <p:spTree>
+      <p:nvGrpSpPr>
+        <p:cNvPr id="1" name=""/>
+        <p:cNvGrpSpPr/>
+        <p:nvPr/>
+      </p:nvGrpSpPr>
+      <p:grpSpPr>
+        <a:xfrm>
+          <a:off x="0" y="0"/>
+          <a:ext cx="0" cy="0"/>
+          <a:chOff x="0" y="0"/>
+          <a:chExt cx="0" cy="0"/>
+        </a:xfrm>
+      </p:grpSpPr>
+      <p:sp>
+        <p:nvSpPr>
+          <p:cNvPr id="28674" name="Footer Placeholder 4"/>
+          <p:cNvSpPr>
+            <a:spLocks noGrp="1"/>
+          </p:cNvSpPr>
+          <p:nvPr>
+            <p:ph type="ftr" sz="quarter" idx="11"/>
+          </p:nvPr>
+        </p:nvSpPr>
+        <p:spPr>
+          <a:noFill/>
+        </p:spPr>
+        <p:txBody>
+          <a:bodyPr/>
+          <a:lstStyle/>
+          <a:p>
+            <a:r>
+              <a:rPr lang="en-US"/>
+              <a:t>R. Todd Lines</a:t>
+            </a:r>
+          </a:p>
+        </p:txBody>
+      </p:sp>
+      <p:sp>
+        <p:nvSpPr>
+          <p:cNvPr id="28675" name="Rectangle 2"/>
+          <p:cNvSpPr>
+            <a:spLocks noGrp="1" noChangeArrowheads="1"/>
+          </p:cNvSpPr>
+          <p:nvPr>
+            <p:ph type="title"/>
+          </p:nvPr>
+        </p:nvSpPr>
+        <p:spPr>
+          <a:xfrm>
+            <a:off x="1193800" y="0"/>
+            <a:ext cx="7754938" cy="1143000"/>
+          </a:xfrm>
+        </p:spPr>
+        <p:txBody>
+          <a:bodyPr/>
+          <a:lstStyle/>
+          <a:p>
+            <a:pPr eaLnBrk="1" hangingPunct="1"/>
+            <a:r>
+              <a:rPr lang="en-US" sz="3200"/>
+              <a:t>Polarization by Double Refraction, Rays</a:t>
+            </a:r>
+          </a:p>
+        </p:txBody>
+      </p:sp>
+      <p:sp>
+        <p:nvSpPr>
+          <p:cNvPr id="28676" name="Rectangle 3"/>
+          <p:cNvSpPr>
+            <a:spLocks noGrp="1" noChangeArrowheads="1"/>
+          </p:cNvSpPr>
+          <p:nvPr>
+            <p:ph type="body" idx="1"/>
+          </p:nvPr>
+        </p:nvSpPr>
+        <p:spPr/>
+        <p:txBody>
+          <a:bodyPr/>
+          <a:lstStyle/>
+          <a:p>
+            <a:pPr eaLnBrk="1" hangingPunct="1">
+              <a:lnSpc>
+                <a:spcPct val="90000"/>
+              </a:lnSpc>
+            </a:pPr>
+            <a:r>
+              <a:rPr lang="en-US"/>
+              <a:t>The </a:t>
+            </a:r>
+            <a:r>
+              <a:rPr lang="en-US" b="1"/>
+              <a:t>ordinary (O) ray</a:t>
+            </a:r>
+            <a:r>
+              <a:rPr lang="en-US"/>
+              <a:t> is characterized by an index of refraction of </a:t>
+            </a:r>
+            <a:r>
+              <a:rPr lang="en-US" i="1"/>
+              <a:t>n</a:t>
+            </a:r>
+            <a:r>
+              <a:rPr lang="en-US" baseline="-25000"/>
+              <a:t>o</a:t>
+            </a:r>
+            <a:endParaRPr lang="en-US"/>
+          </a:p>
+          <a:p>
+            <a:pPr lvl="1" eaLnBrk="1" hangingPunct="1">
+              <a:lnSpc>
+                <a:spcPct val="90000"/>
+              </a:lnSpc>
+            </a:pPr>
+            <a:r>
+              <a:rPr lang="en-US"/>
+              <a:t>This is the same in all directions</a:t>
+            </a:r>
+          </a:p>
+          <a:p>
+            <a:pPr eaLnBrk="1" hangingPunct="1">
+              <a:lnSpc>
+                <a:spcPct val="90000"/>
+              </a:lnSpc>
+            </a:pPr>
+            <a:r>
+              <a:rPr lang="en-US"/>
+              <a:t>The second ray is the </a:t>
+            </a:r>
+            <a:r>
+              <a:rPr lang="en-US" b="1" i="1"/>
+              <a:t>extraordinary (E) ray</a:t>
+            </a:r>
+            <a:r>
+              <a:rPr lang="en-US"/>
+              <a:t> which travels at different speeds in different directions</a:t>
+            </a:r>
+          </a:p>
+          <a:p>
+            <a:pPr lvl="1" eaLnBrk="1" hangingPunct="1">
+              <a:lnSpc>
+                <a:spcPct val="90000"/>
+              </a:lnSpc>
+            </a:pPr>
+            <a:r>
+              <a:rPr lang="en-US"/>
+              <a:t>Characterized by an index of refraction of </a:t>
+            </a:r>
+            <a:r>
+              <a:rPr lang="en-US" i="1"/>
+              <a:t>n</a:t>
+            </a:r>
+            <a:r>
+              <a:rPr lang="en-US" i="1" baseline="-25000"/>
+              <a:t>E</a:t>
+            </a:r>
+            <a:r>
+              <a:rPr lang="en-US"/>
+              <a:t> that varies with the direction of propagation</a:t>
+            </a:r>
+          </a:p>
+        </p:txBody>
+      </p:sp>
+    </p:spTree>
+  </p:cSld>
+  <p:clrMapOvr>
+    <a:masterClrMapping/>
+  </p:clrMapOvr>
+</p:sld>
+</file>
+
+<file path=ppt/slides/slide17.xml><?xml version="1.0" encoding="utf-8"?>
+<p:sld xmlns:a="http://schemas.openxmlformats.org/drawingml/2006/main" xmlns:r="http://schemas.openxmlformats.org/officeDocument/2006/relationships" xmlns:p="http://schemas.openxmlformats.org/presentationml/2006/main">
+  <p:cSld>
+    <p:spTree>
+      <p:nvGrpSpPr>
+        <p:cNvPr id="1" name=""/>
+        <p:cNvGrpSpPr/>
+        <p:nvPr/>
+      </p:nvGrpSpPr>
+      <p:grpSpPr>
+        <a:xfrm>
+          <a:off x="0" y="0"/>
+          <a:ext cx="0" cy="0"/>
+          <a:chOff x="0" y="0"/>
+          <a:chExt cx="0" cy="0"/>
+        </a:xfrm>
+      </p:grpSpPr>
+      <p:pic>
+        <p:nvPicPr>
+          <p:cNvPr id="4098" name="Picture 2"/>
+          <p:cNvPicPr>
+            <a:picLocks noChangeAspect="1" noChangeArrowheads="1"/>
+          </p:cNvPicPr>
+          <p:nvPr/>
+        </p:nvPicPr>
+        <p:blipFill>
+          <a:blip r:embed="rId2" cstate="print"/>
+          <a:srcRect/>
+          <a:stretch>
+            <a:fillRect/>
+          </a:stretch>
+        </p:blipFill>
+        <p:spPr bwMode="auto">
+          <a:xfrm>
+            <a:off x="2386013" y="1405889"/>
+            <a:ext cx="4441507" cy="4455607"/>
+          </a:xfrm>
+          <a:prstGeom prst="rect">
+            <a:avLst/>
+          </a:prstGeom>
+          <a:noFill/>
+          <a:ln w="9525">
+            <a:noFill/>
+            <a:miter lim="800000"/>
+            <a:headEnd/>
+            <a:tailEnd/>
+          </a:ln>
+          <a:effectLst/>
+        </p:spPr>
+      </p:pic>
+    </p:spTree>
+  </p:cSld>
+  <p:clrMapOvr>
+    <a:masterClrMapping/>
+  </p:clrMapOvr>
+</p:sld>
+</file>
+
+<file path=ppt/slides/slide18.xml><?xml version="1.0" encoding="utf-8"?>
+<p:sld xmlns:a="http://schemas.openxmlformats.org/drawingml/2006/main" xmlns:r="http://schemas.openxmlformats.org/officeDocument/2006/relationships" xmlns:p="http://schemas.openxmlformats.org/presentationml/2006/main">
+  <p:cSld>
+    <p:spTree>
+      <p:nvGrpSpPr>
+        <p:cNvPr id="1" name=""/>
+        <p:cNvGrpSpPr/>
+        <p:nvPr/>
+      </p:nvGrpSpPr>
+      <p:grpSpPr>
+        <a:xfrm>
+          <a:off x="0" y="0"/>
+          <a:ext cx="0" cy="0"/>
+          <a:chOff x="0" y="0"/>
+          <a:chExt cx="0" cy="0"/>
+        </a:xfrm>
+      </p:grpSpPr>
+      <p:sp>
+        <p:nvSpPr>
+          <p:cNvPr id="31746" name="Footer Placeholder 5"/>
+          <p:cNvSpPr>
+            <a:spLocks noGrp="1"/>
+          </p:cNvSpPr>
+          <p:nvPr>
+            <p:ph type="ftr" sz="quarter" idx="11"/>
+          </p:nvPr>
+        </p:nvSpPr>
+        <p:spPr>
+          <a:noFill/>
+        </p:spPr>
+        <p:txBody>
+          <a:bodyPr/>
+          <a:lstStyle/>
+          <a:p>
+            <a:r>
+              <a:rPr lang="en-US"/>
+              <a:t>R. Todd Lines</a:t>
+            </a:r>
+          </a:p>
+        </p:txBody>
+      </p:sp>
+      <p:sp>
+        <p:nvSpPr>
+          <p:cNvPr id="31747" name="Rectangle 2"/>
+          <p:cNvSpPr>
+            <a:spLocks noGrp="1" noChangeArrowheads="1"/>
+          </p:cNvSpPr>
+          <p:nvPr>
+            <p:ph type="title"/>
+          </p:nvPr>
+        </p:nvSpPr>
+        <p:spPr/>
+        <p:txBody>
+          <a:bodyPr/>
+          <a:lstStyle/>
+          <a:p>
+            <a:pPr eaLnBrk="1" hangingPunct="1"/>
+            <a:r>
+              <a:rPr lang="en-US" dirty="0"/>
+              <a:t>Optical Stress Analysis</a:t>
+            </a:r>
+          </a:p>
+        </p:txBody>
+      </p:sp>
+      <p:sp>
+        <p:nvSpPr>
+          <p:cNvPr id="7" name="ClipArt Placeholder 6"/>
+          <p:cNvSpPr>
+            <a:spLocks noGrp="1"/>
+          </p:cNvSpPr>
+          <p:nvPr>
+            <p:ph type="clipArt" sz="half" idx="2"/>
+          </p:nvPr>
+        </p:nvSpPr>
+        <p:spPr/>
+      </p:sp>
+      <p:pic>
+        <p:nvPicPr>
+          <p:cNvPr id="1026" name="Picture 2"/>
+          <p:cNvPicPr>
+            <a:picLocks noChangeAspect="1" noChangeArrowheads="1"/>
+          </p:cNvPicPr>
+          <p:nvPr/>
+        </p:nvPicPr>
+        <p:blipFill>
+          <a:blip r:embed="rId2" cstate="print"/>
+          <a:srcRect/>
+          <a:stretch>
+            <a:fillRect/>
+          </a:stretch>
+        </p:blipFill>
+        <p:spPr bwMode="auto">
+          <a:xfrm>
+            <a:off x="762000" y="947738"/>
+            <a:ext cx="7620000" cy="4962525"/>
+          </a:xfrm>
+          <a:prstGeom prst="rect">
+            <a:avLst/>
+          </a:prstGeom>
+          <a:noFill/>
+          <a:ln w="9525">
+            <a:noFill/>
+            <a:miter lim="800000"/>
+            <a:headEnd/>
+            <a:tailEnd/>
+          </a:ln>
+        </p:spPr>
+      </p:pic>
+    </p:spTree>
+  </p:cSld>
+  <p:clrMapOvr>
+    <a:masterClrMapping/>
+  </p:clrMapOvr>
+</p:sld>
+</file>
+
+<file path=ppt/slides/slide19.xml><?xml version="1.0" encoding="utf-8"?>
+<p:sld xmlns:a="http://schemas.openxmlformats.org/drawingml/2006/main" xmlns:r="http://schemas.openxmlformats.org/officeDocument/2006/relationships" xmlns:p="http://schemas.openxmlformats.org/presentationml/2006/main">
+  <p:cSld>
+    <p:spTree>
+      <p:nvGrpSpPr>
+        <p:cNvPr id="1" name=""/>
+        <p:cNvGrpSpPr/>
+        <p:nvPr/>
+      </p:nvGrpSpPr>
+      <p:grpSpPr>
+        <a:xfrm>
+          <a:off x="0" y="0"/>
+          <a:ext cx="0" cy="0"/>
+          <a:chOff x="0" y="0"/>
+          <a:chExt cx="0" cy="0"/>
+        </a:xfrm>
+      </p:grpSpPr>
+      <p:sp>
+        <p:nvSpPr>
+          <p:cNvPr id="36866" name="Footer Placeholder 4"/>
+          <p:cNvSpPr>
+            <a:spLocks noGrp="1"/>
+          </p:cNvSpPr>
+          <p:nvPr>
+            <p:ph type="ftr" sz="quarter" idx="11"/>
+          </p:nvPr>
+        </p:nvSpPr>
+        <p:spPr>
+          <a:noFill/>
+        </p:spPr>
+        <p:txBody>
+          <a:bodyPr/>
+          <a:lstStyle/>
+          <a:p>
+            <a:r>
+              <a:rPr lang="en-US"/>
+              <a:t>R. Todd Lines</a:t>
+            </a:r>
+          </a:p>
+        </p:txBody>
+      </p:sp>
+      <p:sp>
+        <p:nvSpPr>
+          <p:cNvPr id="36867" name="Rectangle 2"/>
+          <p:cNvSpPr>
+            <a:spLocks noGrp="1" noChangeArrowheads="1"/>
+          </p:cNvSpPr>
+          <p:nvPr>
+            <p:ph type="title"/>
+          </p:nvPr>
+        </p:nvSpPr>
+        <p:spPr/>
+        <p:txBody>
+          <a:bodyPr/>
+          <a:lstStyle/>
+          <a:p>
+            <a:pPr eaLnBrk="1" hangingPunct="1"/>
+            <a:r>
+              <a:rPr lang="en-US"/>
+              <a:t>Laser Polarization</a:t>
+            </a:r>
+          </a:p>
+        </p:txBody>
+      </p:sp>
+      <p:sp>
+        <p:nvSpPr>
+          <p:cNvPr id="36868" name="Rectangle 3"/>
+          <p:cNvSpPr>
+            <a:spLocks noGrp="1" noChangeArrowheads="1"/>
+          </p:cNvSpPr>
+          <p:nvPr>
+            <p:ph type="body" idx="1"/>
+          </p:nvPr>
+        </p:nvSpPr>
+        <p:spPr/>
+        <p:txBody>
+          <a:bodyPr/>
+          <a:lstStyle/>
+          <a:p>
+            <a:pPr eaLnBrk="1" hangingPunct="1"/>
+            <a:endParaRPr lang="en-US"/>
+          </a:p>
+        </p:txBody>
+      </p:sp>
+      <p:pic>
+        <p:nvPicPr>
+          <p:cNvPr id="1028" name="Picture 4"/>
+          <p:cNvPicPr>
+            <a:picLocks noChangeAspect="1" noChangeArrowheads="1"/>
+          </p:cNvPicPr>
+          <p:nvPr/>
+        </p:nvPicPr>
+        <p:blipFill>
+          <a:blip r:embed="rId2" cstate="print"/>
+          <a:srcRect/>
+          <a:stretch>
+            <a:fillRect/>
+          </a:stretch>
+        </p:blipFill>
+        <p:spPr bwMode="auto">
+          <a:xfrm>
+            <a:off x="1014413" y="2589213"/>
+            <a:ext cx="7115175" cy="1685925"/>
+          </a:xfrm>
+          <a:prstGeom prst="rect">
+            <a:avLst/>
+          </a:prstGeom>
+          <a:noFill/>
+          <a:ln w="9525">
+            <a:noFill/>
+            <a:miter lim="800000"/>
+            <a:headEnd/>
+            <a:tailEnd/>
+          </a:ln>
+          <a:effectLst/>
+        </p:spPr>
+      </p:pic>
+    </p:spTree>
+  </p:cSld>
+  <p:clrMapOvr>
+    <a:masterClrMapping/>
+  </p:clrMapOvr>
+</p:sld>
+</file>
+
+<file path=ppt/slides/slide2.xml><?xml version="1.0" encoding="utf-8"?>
+<p:sld xmlns:a="http://schemas.openxmlformats.org/drawingml/2006/main" xmlns:r="http://schemas.openxmlformats.org/officeDocument/2006/relationships" xmlns:p="http://schemas.openxmlformats.org/presentationml/2006/main">
+  <p:cSld>
+    <p:spTree>
+      <p:nvGrpSpPr>
+        <p:cNvPr id="1" name=""/>
+        <p:cNvGrpSpPr/>
+        <p:nvPr/>
+      </p:nvGrpSpPr>
+      <p:grpSpPr>
+        <a:xfrm>
+          <a:off x="0" y="0"/>
+          <a:ext cx="0" cy="0"/>
+          <a:chOff x="0" y="0"/>
+          <a:chExt cx="0" cy="0"/>
+        </a:xfrm>
+      </p:grpSpPr>
+      <p:sp>
+        <p:nvSpPr>
+          <p:cNvPr id="2" name="Title 1"/>
+          <p:cNvSpPr>
+            <a:spLocks noGrp="1"/>
+          </p:cNvSpPr>
+          <p:nvPr>
+            <p:ph type="title"/>
+          </p:nvPr>
+        </p:nvSpPr>
+        <p:spPr/>
+        <p:txBody>
+          <a:bodyPr/>
+          <a:lstStyle/>
+          <a:p>
+            <a:r>
+              <a:rPr lang="en-US" dirty="0"/>
+              <a:t>Question 223.50.2</a:t>
+            </a:r>
+          </a:p>
+        </p:txBody>
+      </p:sp>
+      <p:sp>
+        <p:nvSpPr>
+          <p:cNvPr id="3" name="Content Placeholder 2"/>
+          <p:cNvSpPr>
+            <a:spLocks noGrp="1"/>
+          </p:cNvSpPr>
+          <p:nvPr>
+            <p:ph idx="1"/>
+          </p:nvPr>
+        </p:nvSpPr>
+        <p:spPr/>
+        <p:txBody>
+          <a:bodyPr>
+            <a:normAutofit lnSpcReduction="10000"/>
+          </a:bodyPr>
+          <a:lstStyle/>
+          <a:p>
+            <a:pPr marL="0" indent="0">
+              <a:buNone/>
+            </a:pPr>
+            <a:r>
+              <a:rPr lang="en-US" dirty="0"/>
+              <a:t>Which of the following is Gauss’s law?</a:t>
+            </a:r>
+          </a:p>
+          <a:p>
+            <a:pPr marL="0" indent="0">
+              <a:buNone/>
+            </a:pPr>
+            <a:r>
+              <a:rPr lang="en-US" dirty="0"/>
+              <a:t>a) </a:t>
+            </a:r>
+          </a:p>
+          <a:p>
+            <a:pPr marL="0" indent="0">
+              <a:buNone/>
+            </a:pPr>
+            <a:endParaRPr lang="en-US" dirty="0"/>
+          </a:p>
+          <a:p>
+            <a:pPr marL="0" indent="0">
+              <a:buNone/>
+            </a:pPr>
+            <a:r>
+              <a:rPr lang="en-US" dirty="0"/>
+              <a:t>b)</a:t>
+            </a:r>
+          </a:p>
+          <a:p>
+            <a:pPr marL="0" indent="0">
+              <a:buNone/>
+            </a:pPr>
+            <a:endParaRPr lang="en-US" dirty="0"/>
+          </a:p>
+          <a:p>
+            <a:pPr marL="0" indent="0">
+              <a:buNone/>
+            </a:pPr>
+            <a:r>
+              <a:rPr lang="en-US" dirty="0"/>
+              <a:t>c)</a:t>
+            </a:r>
+          </a:p>
+          <a:p>
+            <a:pPr marL="0" indent="0">
+              <a:buNone/>
+            </a:pPr>
+            <a:endParaRPr lang="en-US" dirty="0"/>
+          </a:p>
+          <a:p>
+            <a:pPr marL="0" indent="0">
+              <a:buNone/>
+            </a:pPr>
+            <a:r>
+              <a:rPr lang="en-US" dirty="0"/>
+              <a:t>d) </a:t>
+            </a:r>
+          </a:p>
+        </p:txBody>
+      </p:sp>
+      <p:sp>
+        <p:nvSpPr>
+          <p:cNvPr id="4" name="Slide Number Placeholder 3"/>
+          <p:cNvSpPr>
+            <a:spLocks noGrp="1"/>
+          </p:cNvSpPr>
+          <p:nvPr>
+            <p:ph type="sldNum" sz="quarter" idx="12"/>
+          </p:nvPr>
+        </p:nvSpPr>
+        <p:spPr/>
+        <p:txBody>
+          <a:bodyPr/>
+          <a:lstStyle/>
+          <a:p>
+            <a:pPr>
+              <a:defRPr/>
+            </a:pPr>
+            <a:fld id="{64137B81-8888-4253-92EC-0AED2A590749}" type="slidenum">
+              <a:rPr lang="en-US" smtClean="0"/>
+              <a:pPr>
+                <a:defRPr/>
+              </a:pPr>
+              <a:t>2</a:t>
+            </a:fld>
+            <a:endParaRPr lang="en-US"/>
+          </a:p>
+        </p:txBody>
+      </p:sp>
+      <p:sp>
+        <p:nvSpPr>
+          <p:cNvPr id="5" name="Rectangle 2"/>
+          <p:cNvSpPr>
+            <a:spLocks noChangeArrowheads="1"/>
+          </p:cNvSpPr>
+          <p:nvPr/>
+        </p:nvSpPr>
+        <p:spPr bwMode="auto">
+          <a:xfrm>
+            <a:off x="0" y="0"/>
+            <a:ext cx="9144000" cy="0"/>
+          </a:xfrm>
+          <a:prstGeom prst="rect">
+            <a:avLst/>
+          </a:prstGeom>
+          <a:noFill/>
+          <a:ln>
+            <a:noFill/>
+          </a:ln>
+          <a:effectLst/>
+          <a:extLst>
+            <a:ext uri="{909E8E84-426E-40DD-AFC4-6F175D3DCCD1}">
+              <a14:hiddenFill xmlns:a14="http://schemas.microsoft.com/office/drawing/2010/main">
+                <a:solidFill>
+                  <a:schemeClr val="accent1"/>
+                </a:solidFill>
+              </a14:hiddenFill>
+            </a:ext>
+            <a:ext uri="{91240B29-F687-4F45-9708-019B960494DF}">
+              <a14:hiddenLine xmlns:a14="http://schemas.microsoft.com/office/drawing/2010/main" w="9525">
+                <a:solidFill>
+                  <a:schemeClr val="tx1"/>
+                </a:solidFill>
+                <a:miter lim="800000"/>
+                <a:headEnd/>
+                <a:tailEnd/>
+              </a14:hiddenLine>
+            </a:ext>
+            <a:ext uri="{AF507438-7753-43E0-B8FC-AC1667EBCBE1}">
+              <a14:hiddenEffects xmlns:a14="http://schemas.microsoft.com/office/drawing/2010/main">
+                <a:effectLst>
+                  <a:outerShdw dist="35921" dir="2700000" algn="ctr" rotWithShape="0">
+                    <a:schemeClr val="bg2"/>
+                  </a:outerShdw>
+                </a:effectLst>
+              </a14:hiddenEffects>
+            </a:ext>
+          </a:extLst>
+        </p:spPr>
+        <p:txBody>
+          <a:bodyPr vert="horz" wrap="none" lIns="91440" tIns="45720" rIns="91440" bIns="45720" numCol="1" anchor="ctr" anchorCtr="0" compatLnSpc="1">
+            <a:prstTxWarp prst="textNoShape">
+              <a:avLst/>
+            </a:prstTxWarp>
+            <a:spAutoFit/>
+          </a:bodyPr>
+          <a:lstStyle/>
+          <a:p>
+            <a:endParaRPr lang="en-US"/>
+          </a:p>
+        </p:txBody>
+      </p:sp>
+      <p:graphicFrame>
+        <p:nvGraphicFramePr>
+          <p:cNvPr id="6" name="Object 5"/>
+          <p:cNvGraphicFramePr>
+            <a:graphicFrameLocks noChangeAspect="1"/>
+          </p:cNvGraphicFramePr>
+          <p:nvPr/>
+        </p:nvGraphicFramePr>
+        <p:xfrm>
+          <a:off x="1431925" y="2193925"/>
+          <a:ext cx="2852738" cy="690563"/>
+        </p:xfrm>
+        <a:graphic>
+          <a:graphicData uri="http://schemas.openxmlformats.org/presentationml/2006/ole">
+            <mc:AlternateContent xmlns:mc="http://schemas.openxmlformats.org/markup-compatibility/2006">
+              <mc:Choice xmlns:v="urn:schemas-microsoft-com:vml" Requires="v">
+                <p:oleObj name="Equation" r:id="rId2" imgW="1612800" imgH="393480" progId="Equation.3">
+                  <p:embed/>
+                </p:oleObj>
+              </mc:Choice>
+              <mc:Fallback>
+                <p:oleObj name="Equation" r:id="rId2" imgW="1612800" imgH="393480" progId="Equation.3">
+                  <p:embed/>
+                  <p:pic>
+                    <p:nvPicPr>
+                      <p:cNvPr id="6" name="Object 5"/>
+                      <p:cNvPicPr>
+                        <a:picLocks noChangeAspect="1" noChangeArrowheads="1"/>
+                      </p:cNvPicPr>
+                      <p:nvPr/>
+                    </p:nvPicPr>
+                    <p:blipFill>
+                      <a:blip r:embed="rId3"/>
+                      <a:srcRect/>
+                      <a:stretch>
+                        <a:fillRect/>
+                      </a:stretch>
+                    </p:blipFill>
+                    <p:spPr bwMode="auto">
+                      <a:xfrm>
+                        <a:off x="1431925" y="2193925"/>
+                        <a:ext cx="2852738" cy="690563"/>
+                      </a:xfrm>
+                      <a:prstGeom prst="rect">
+                        <a:avLst/>
+                      </a:prstGeom>
+                      <a:noFill/>
+                    </p:spPr>
+                  </p:pic>
+                </p:oleObj>
+              </mc:Fallback>
+            </mc:AlternateContent>
+          </a:graphicData>
+        </a:graphic>
+      </p:graphicFrame>
+      <p:sp>
+        <p:nvSpPr>
+          <p:cNvPr id="7" name="Rectangle 4"/>
+          <p:cNvSpPr>
+            <a:spLocks noChangeArrowheads="1"/>
+          </p:cNvSpPr>
+          <p:nvPr/>
+        </p:nvSpPr>
+        <p:spPr bwMode="auto">
+          <a:xfrm>
+            <a:off x="0" y="0"/>
+            <a:ext cx="9144000" cy="0"/>
+          </a:xfrm>
+          <a:prstGeom prst="rect">
+            <a:avLst/>
+          </a:prstGeom>
+          <a:noFill/>
+          <a:ln>
+            <a:noFill/>
+          </a:ln>
+          <a:effectLst/>
+          <a:extLst>
+            <a:ext uri="{909E8E84-426E-40DD-AFC4-6F175D3DCCD1}">
+              <a14:hiddenFill xmlns:a14="http://schemas.microsoft.com/office/drawing/2010/main">
+                <a:solidFill>
+                  <a:schemeClr val="accent1"/>
+                </a:solidFill>
+              </a14:hiddenFill>
+            </a:ext>
+            <a:ext uri="{91240B29-F687-4F45-9708-019B960494DF}">
+              <a14:hiddenLine xmlns:a14="http://schemas.microsoft.com/office/drawing/2010/main" w="9525">
+                <a:solidFill>
+                  <a:schemeClr val="tx1"/>
+                </a:solidFill>
+                <a:miter lim="800000"/>
+                <a:headEnd/>
+                <a:tailEnd/>
+              </a14:hiddenLine>
+            </a:ext>
+            <a:ext uri="{AF507438-7753-43E0-B8FC-AC1667EBCBE1}">
+              <a14:hiddenEffects xmlns:a14="http://schemas.microsoft.com/office/drawing/2010/main">
+                <a:effectLst>
+                  <a:outerShdw dist="35921" dir="2700000" algn="ctr" rotWithShape="0">
+                    <a:schemeClr val="bg2"/>
+                  </a:outerShdw>
+                </a:effectLst>
+              </a14:hiddenEffects>
+            </a:ext>
+          </a:extLst>
+        </p:spPr>
+        <p:txBody>
+          <a:bodyPr vert="horz" wrap="none" lIns="91440" tIns="45720" rIns="91440" bIns="45720" numCol="1" anchor="ctr" anchorCtr="0" compatLnSpc="1">
+            <a:prstTxWarp prst="textNoShape">
+              <a:avLst/>
+            </a:prstTxWarp>
+            <a:spAutoFit/>
+          </a:bodyPr>
+          <a:lstStyle/>
+          <a:p>
+            <a:endParaRPr lang="en-US"/>
+          </a:p>
+        </p:txBody>
+      </p:sp>
+      <p:graphicFrame>
+        <p:nvGraphicFramePr>
+          <p:cNvPr id="8" name="Object 7"/>
+          <p:cNvGraphicFramePr>
+            <a:graphicFrameLocks noChangeAspect="1"/>
+          </p:cNvGraphicFramePr>
+          <p:nvPr/>
+        </p:nvGraphicFramePr>
+        <p:xfrm>
+          <a:off x="1400175" y="3260725"/>
+          <a:ext cx="1336675" cy="450850"/>
+        </p:xfrm>
+        <a:graphic>
+          <a:graphicData uri="http://schemas.openxmlformats.org/presentationml/2006/ole">
+            <mc:AlternateContent xmlns:mc="http://schemas.openxmlformats.org/markup-compatibility/2006">
+              <mc:Choice xmlns:v="urn:schemas-microsoft-com:vml" Requires="v">
+                <p:oleObj name="Equation" r:id="rId4" imgW="723600" imgH="241200" progId="Equation.3">
+                  <p:embed/>
+                </p:oleObj>
+              </mc:Choice>
+              <mc:Fallback>
+                <p:oleObj name="Equation" r:id="rId4" imgW="723600" imgH="241200" progId="Equation.3">
+                  <p:embed/>
+                  <p:pic>
+                    <p:nvPicPr>
+                      <p:cNvPr id="8" name="Object 7"/>
+                      <p:cNvPicPr>
+                        <a:picLocks noChangeAspect="1" noChangeArrowheads="1"/>
+                      </p:cNvPicPr>
+                      <p:nvPr/>
+                    </p:nvPicPr>
+                    <p:blipFill>
+                      <a:blip r:embed="rId5"/>
+                      <a:srcRect/>
+                      <a:stretch>
+                        <a:fillRect/>
+                      </a:stretch>
+                    </p:blipFill>
+                    <p:spPr bwMode="auto">
+                      <a:xfrm>
+                        <a:off x="1400175" y="3260725"/>
+                        <a:ext cx="1336675" cy="450850"/>
+                      </a:xfrm>
+                      <a:prstGeom prst="rect">
+                        <a:avLst/>
+                      </a:prstGeom>
+                      <a:noFill/>
+                    </p:spPr>
+                  </p:pic>
+                </p:oleObj>
+              </mc:Fallback>
+            </mc:AlternateContent>
+          </a:graphicData>
+        </a:graphic>
+      </p:graphicFrame>
+      <p:graphicFrame>
+        <p:nvGraphicFramePr>
+          <p:cNvPr id="9" name="Object 8"/>
+          <p:cNvGraphicFramePr>
+            <a:graphicFrameLocks noChangeAspect="1"/>
+          </p:cNvGraphicFramePr>
+          <p:nvPr/>
+        </p:nvGraphicFramePr>
+        <p:xfrm>
+          <a:off x="1354138" y="5205413"/>
+          <a:ext cx="1595437" cy="806450"/>
+        </p:xfrm>
+        <a:graphic>
+          <a:graphicData uri="http://schemas.openxmlformats.org/presentationml/2006/ole">
+            <mc:AlternateContent xmlns:mc="http://schemas.openxmlformats.org/markup-compatibility/2006">
+              <mc:Choice xmlns:v="urn:schemas-microsoft-com:vml" Requires="v">
+                <p:oleObj name="Equation" r:id="rId6" imgW="863280" imgH="431640" progId="Equation.3">
+                  <p:embed/>
+                </p:oleObj>
+              </mc:Choice>
+              <mc:Fallback>
+                <p:oleObj name="Equation" r:id="rId6" imgW="863280" imgH="431640" progId="Equation.3">
+                  <p:embed/>
+                  <p:pic>
+                    <p:nvPicPr>
+                      <p:cNvPr id="9" name="Object 8"/>
+                      <p:cNvPicPr>
+                        <a:picLocks noChangeAspect="1" noChangeArrowheads="1"/>
+                      </p:cNvPicPr>
+                      <p:nvPr/>
+                    </p:nvPicPr>
+                    <p:blipFill>
+                      <a:blip r:embed="rId7"/>
+                      <a:srcRect/>
+                      <a:stretch>
+                        <a:fillRect/>
+                      </a:stretch>
+                    </p:blipFill>
+                    <p:spPr bwMode="auto">
+                      <a:xfrm>
+                        <a:off x="1354138" y="5205413"/>
+                        <a:ext cx="1595437" cy="806450"/>
+                      </a:xfrm>
+                      <a:prstGeom prst="rect">
+                        <a:avLst/>
+                      </a:prstGeom>
+                      <a:noFill/>
+                      <a:ln>
+                        <a:noFill/>
+                      </a:ln>
+                      <a:extLst>
+                        <a:ext uri="{909E8E84-426E-40DD-AFC4-6F175D3DCCD1}">
+                          <a14:hiddenFill xmlns:a14="http://schemas.microsoft.com/office/drawing/2010/main">
+                            <a:solidFill>
+                              <a:srgbClr val="FFFFFF"/>
+                            </a:solidFill>
+                          </a14:hiddenFill>
+                        </a:ext>
+                        <a:ext uri="{91240B29-F687-4F45-9708-019B960494DF}">
+                          <a14:hiddenLine xmlns:a14="http://schemas.microsoft.com/office/drawing/2010/main" w="9525">
+                            <a:solidFill>
+                              <a:srgbClr val="000000"/>
+                            </a:solidFill>
+                            <a:miter lim="800000"/>
+                            <a:headEnd/>
+                            <a:tailEnd/>
+                          </a14:hiddenLine>
+                        </a:ext>
+                      </a:extLst>
+                    </p:spPr>
+                  </p:pic>
+                </p:oleObj>
+              </mc:Fallback>
+            </mc:AlternateContent>
+          </a:graphicData>
+        </a:graphic>
+      </p:graphicFrame>
+      <p:sp>
+        <p:nvSpPr>
+          <p:cNvPr id="10" name="Rectangle 8"/>
+          <p:cNvSpPr>
+            <a:spLocks noChangeArrowheads="1"/>
+          </p:cNvSpPr>
+          <p:nvPr/>
+        </p:nvSpPr>
+        <p:spPr bwMode="auto">
+          <a:xfrm>
+            <a:off x="0" y="0"/>
+            <a:ext cx="9144000" cy="0"/>
+          </a:xfrm>
+          <a:prstGeom prst="rect">
+            <a:avLst/>
+          </a:prstGeom>
+          <a:noFill/>
+          <a:ln>
+            <a:noFill/>
+          </a:ln>
+          <a:effectLst/>
+          <a:extLst>
+            <a:ext uri="{909E8E84-426E-40DD-AFC4-6F175D3DCCD1}">
+              <a14:hiddenFill xmlns:a14="http://schemas.microsoft.com/office/drawing/2010/main">
+                <a:solidFill>
+                  <a:schemeClr val="accent1"/>
+                </a:solidFill>
+              </a14:hiddenFill>
+            </a:ext>
+            <a:ext uri="{91240B29-F687-4F45-9708-019B960494DF}">
+              <a14:hiddenLine xmlns:a14="http://schemas.microsoft.com/office/drawing/2010/main" w="9525">
+                <a:solidFill>
+                  <a:schemeClr val="tx1"/>
+                </a:solidFill>
+                <a:miter lim="800000"/>
+                <a:headEnd/>
+                <a:tailEnd/>
+              </a14:hiddenLine>
+            </a:ext>
+            <a:ext uri="{AF507438-7753-43E0-B8FC-AC1667EBCBE1}">
+              <a14:hiddenEffects xmlns:a14="http://schemas.microsoft.com/office/drawing/2010/main">
+                <a:effectLst>
+                  <a:outerShdw dist="35921" dir="2700000" algn="ctr" rotWithShape="0">
+                    <a:schemeClr val="bg2"/>
+                  </a:outerShdw>
+                </a:effectLst>
+              </a14:hiddenEffects>
+            </a:ext>
+          </a:extLst>
+        </p:spPr>
+        <p:txBody>
+          <a:bodyPr vert="horz" wrap="none" lIns="91440" tIns="45720" rIns="91440" bIns="45720" numCol="1" anchor="ctr" anchorCtr="0" compatLnSpc="1">
+            <a:prstTxWarp prst="textNoShape">
+              <a:avLst/>
+            </a:prstTxWarp>
+            <a:spAutoFit/>
+          </a:bodyPr>
+          <a:lstStyle/>
+          <a:p>
+            <a:endParaRPr lang="en-US"/>
+          </a:p>
+        </p:txBody>
+      </p:sp>
+      <p:graphicFrame>
+        <p:nvGraphicFramePr>
+          <p:cNvPr id="11" name="Object 10"/>
+          <p:cNvGraphicFramePr>
+            <a:graphicFrameLocks noChangeAspect="1"/>
+          </p:cNvGraphicFramePr>
+          <p:nvPr/>
+        </p:nvGraphicFramePr>
+        <p:xfrm>
+          <a:off x="1371600" y="4247535"/>
+          <a:ext cx="1849658" cy="576775"/>
+        </p:xfrm>
+        <a:graphic>
+          <a:graphicData uri="http://schemas.openxmlformats.org/presentationml/2006/ole">
+            <mc:AlternateContent xmlns:mc="http://schemas.openxmlformats.org/markup-compatibility/2006">
+              <mc:Choice xmlns:v="urn:schemas-microsoft-com:vml" Requires="v">
+                <p:oleObj name="Equation" r:id="rId8" imgW="889000" imgH="279400" progId="Equation.3">
+                  <p:embed/>
+                </p:oleObj>
+              </mc:Choice>
+              <mc:Fallback>
+                <p:oleObj name="Equation" r:id="rId8" imgW="889000" imgH="279400" progId="Equation.3">
+                  <p:embed/>
+                  <p:pic>
+                    <p:nvPicPr>
+                      <p:cNvPr id="11" name="Object 10"/>
+                      <p:cNvPicPr>
+                        <a:picLocks noChangeAspect="1" noChangeArrowheads="1"/>
+                      </p:cNvPicPr>
+                      <p:nvPr/>
+                    </p:nvPicPr>
+                    <p:blipFill>
+                      <a:blip r:embed="rId9">
+                        <a:extLst>
+                          <a:ext uri="{28A0092B-C50C-407E-A947-70E740481C1C}">
+                            <a14:useLocalDpi xmlns:a14="http://schemas.microsoft.com/office/drawing/2010/main" val="0"/>
+                          </a:ext>
+                        </a:extLst>
+                      </a:blip>
+                      <a:srcRect/>
+                      <a:stretch>
+                        <a:fillRect/>
+                      </a:stretch>
+                    </p:blipFill>
+                    <p:spPr bwMode="auto">
+                      <a:xfrm>
+                        <a:off x="1371600" y="4247535"/>
+                        <a:ext cx="1849658" cy="576775"/>
+                      </a:xfrm>
+                      <a:prstGeom prst="rect">
+                        <a:avLst/>
+                      </a:prstGeom>
+                      <a:noFill/>
+                    </p:spPr>
+                  </p:pic>
+                </p:oleObj>
+              </mc:Fallback>
+            </mc:AlternateContent>
+          </a:graphicData>
+        </a:graphic>
+      </p:graphicFrame>
+    </p:spTree>
+    <p:extLst>
+      <p:ext uri="{BB962C8B-B14F-4D97-AF65-F5344CB8AC3E}">
+        <p14:creationId xmlns:p14="http://schemas.microsoft.com/office/powerpoint/2010/main" val="3334172428"/>
+      </p:ext>
+    </p:extLst>
+  </p:cSld>
+  <p:clrMapOvr>
+    <a:masterClrMapping/>
+  </p:clrMapOvr>
+</p:sld>
+</file>
+
+<file path=ppt/slides/slide3.xml><?xml version="1.0" encoding="utf-8"?>
+<p:sld xmlns:a="http://schemas.openxmlformats.org/drawingml/2006/main" xmlns:r="http://schemas.openxmlformats.org/officeDocument/2006/relationships" xmlns:p="http://schemas.openxmlformats.org/presentationml/2006/main">
+  <p:cSld>
+    <p:spTree>
+      <p:nvGrpSpPr>
+        <p:cNvPr id="1" name=""/>
+        <p:cNvGrpSpPr/>
+        <p:nvPr/>
+      </p:nvGrpSpPr>
+      <p:grpSpPr>
+        <a:xfrm>
+          <a:off x="0" y="0"/>
+          <a:ext cx="0" cy="0"/>
+          <a:chOff x="0" y="0"/>
+          <a:chExt cx="0" cy="0"/>
+        </a:xfrm>
+      </p:grpSpPr>
+      <p:sp>
+        <p:nvSpPr>
+          <p:cNvPr id="2" name="Title 1"/>
+          <p:cNvSpPr>
+            <a:spLocks noGrp="1"/>
+          </p:cNvSpPr>
+          <p:nvPr>
+            <p:ph type="title"/>
+          </p:nvPr>
+        </p:nvSpPr>
+        <p:spPr/>
+        <p:txBody>
+          <a:bodyPr/>
+          <a:lstStyle/>
+          <a:p>
+            <a:r>
+              <a:rPr lang="en-US" dirty="0"/>
+              <a:t>Question 223.50.3</a:t>
+            </a:r>
+          </a:p>
+        </p:txBody>
+      </p:sp>
+      <p:sp>
+        <p:nvSpPr>
+          <p:cNvPr id="3" name="Content Placeholder 2"/>
+          <p:cNvSpPr>
+            <a:spLocks noGrp="1"/>
+          </p:cNvSpPr>
+          <p:nvPr>
+            <p:ph idx="1"/>
+          </p:nvPr>
+        </p:nvSpPr>
+        <p:spPr/>
+        <p:txBody>
+          <a:bodyPr>
+            <a:normAutofit lnSpcReduction="10000"/>
+          </a:bodyPr>
+          <a:lstStyle/>
+          <a:p>
+            <a:pPr marL="0" indent="0">
+              <a:buNone/>
+            </a:pPr>
+            <a:r>
+              <a:rPr lang="en-US" dirty="0"/>
+              <a:t>Which of the following is Ampere’s law?</a:t>
+            </a:r>
+          </a:p>
+          <a:p>
+            <a:pPr marL="0" indent="0">
+              <a:buNone/>
+            </a:pPr>
+            <a:r>
+              <a:rPr lang="en-US" dirty="0"/>
+              <a:t>a) </a:t>
+            </a:r>
+          </a:p>
+          <a:p>
+            <a:pPr marL="0" indent="0">
+              <a:buNone/>
+            </a:pPr>
+            <a:endParaRPr lang="en-US" dirty="0"/>
+          </a:p>
+          <a:p>
+            <a:pPr marL="0" indent="0">
+              <a:buNone/>
+            </a:pPr>
+            <a:r>
+              <a:rPr lang="en-US" dirty="0"/>
+              <a:t>b)</a:t>
+            </a:r>
+          </a:p>
+          <a:p>
+            <a:pPr marL="0" indent="0">
+              <a:buNone/>
+            </a:pPr>
+            <a:endParaRPr lang="en-US" dirty="0"/>
+          </a:p>
+          <a:p>
+            <a:pPr marL="0" indent="0">
+              <a:buNone/>
+            </a:pPr>
+            <a:r>
+              <a:rPr lang="en-US" dirty="0"/>
+              <a:t>c)</a:t>
+            </a:r>
+          </a:p>
+          <a:p>
+            <a:pPr marL="0" indent="0">
+              <a:buNone/>
+            </a:pPr>
+            <a:endParaRPr lang="en-US" dirty="0"/>
+          </a:p>
+          <a:p>
+            <a:pPr marL="0" indent="0">
+              <a:buNone/>
+            </a:pPr>
+            <a:r>
+              <a:rPr lang="en-US" dirty="0"/>
+              <a:t>d) </a:t>
+            </a:r>
+          </a:p>
+        </p:txBody>
+      </p:sp>
+      <p:sp>
+        <p:nvSpPr>
+          <p:cNvPr id="4" name="Slide Number Placeholder 3"/>
+          <p:cNvSpPr>
+            <a:spLocks noGrp="1"/>
+          </p:cNvSpPr>
+          <p:nvPr>
+            <p:ph type="sldNum" sz="quarter" idx="12"/>
+          </p:nvPr>
+        </p:nvSpPr>
+        <p:spPr/>
+        <p:txBody>
+          <a:bodyPr/>
+          <a:lstStyle/>
+          <a:p>
+            <a:pPr>
+              <a:defRPr/>
+            </a:pPr>
+            <a:fld id="{64137B81-8888-4253-92EC-0AED2A590749}" type="slidenum">
+              <a:rPr lang="en-US" smtClean="0"/>
+              <a:pPr>
+                <a:defRPr/>
+              </a:pPr>
+              <a:t>3</a:t>
+            </a:fld>
+            <a:endParaRPr lang="en-US"/>
+          </a:p>
+        </p:txBody>
+      </p:sp>
+      <p:sp>
+        <p:nvSpPr>
+          <p:cNvPr id="5" name="Rectangle 2"/>
+          <p:cNvSpPr>
+            <a:spLocks noChangeArrowheads="1"/>
+          </p:cNvSpPr>
+          <p:nvPr/>
+        </p:nvSpPr>
+        <p:spPr bwMode="auto">
+          <a:xfrm>
+            <a:off x="0" y="0"/>
+            <a:ext cx="9144000" cy="0"/>
+          </a:xfrm>
+          <a:prstGeom prst="rect">
+            <a:avLst/>
+          </a:prstGeom>
+          <a:noFill/>
+          <a:ln>
+            <a:noFill/>
+          </a:ln>
+          <a:effectLst/>
+          <a:extLst>
+            <a:ext uri="{909E8E84-426E-40DD-AFC4-6F175D3DCCD1}">
+              <a14:hiddenFill xmlns:a14="http://schemas.microsoft.com/office/drawing/2010/main">
+                <a:solidFill>
+                  <a:schemeClr val="accent1"/>
+                </a:solidFill>
+              </a14:hiddenFill>
+            </a:ext>
+            <a:ext uri="{91240B29-F687-4F45-9708-019B960494DF}">
+              <a14:hiddenLine xmlns:a14="http://schemas.microsoft.com/office/drawing/2010/main" w="9525">
+                <a:solidFill>
+                  <a:schemeClr val="tx1"/>
+                </a:solidFill>
+                <a:miter lim="800000"/>
+                <a:headEnd/>
+                <a:tailEnd/>
+              </a14:hiddenLine>
+            </a:ext>
+            <a:ext uri="{AF507438-7753-43E0-B8FC-AC1667EBCBE1}">
+              <a14:hiddenEffects xmlns:a14="http://schemas.microsoft.com/office/drawing/2010/main">
+                <a:effectLst>
+                  <a:outerShdw dist="35921" dir="2700000" algn="ctr" rotWithShape="0">
+                    <a:schemeClr val="bg2"/>
+                  </a:outerShdw>
+                </a:effectLst>
+              </a14:hiddenEffects>
+            </a:ext>
+          </a:extLst>
+        </p:spPr>
+        <p:txBody>
+          <a:bodyPr vert="horz" wrap="none" lIns="91440" tIns="45720" rIns="91440" bIns="45720" numCol="1" anchor="ctr" anchorCtr="0" compatLnSpc="1">
+            <a:prstTxWarp prst="textNoShape">
+              <a:avLst/>
+            </a:prstTxWarp>
+            <a:spAutoFit/>
+          </a:bodyPr>
+          <a:lstStyle/>
+          <a:p>
+            <a:endParaRPr lang="en-US"/>
+          </a:p>
+        </p:txBody>
+      </p:sp>
+      <p:graphicFrame>
+        <p:nvGraphicFramePr>
+          <p:cNvPr id="6" name="Object 5"/>
+          <p:cNvGraphicFramePr>
+            <a:graphicFrameLocks noChangeAspect="1"/>
+          </p:cNvGraphicFramePr>
+          <p:nvPr/>
+        </p:nvGraphicFramePr>
+        <p:xfrm>
+          <a:off x="1431925" y="2193925"/>
+          <a:ext cx="2852738" cy="690563"/>
+        </p:xfrm>
+        <a:graphic>
+          <a:graphicData uri="http://schemas.openxmlformats.org/presentationml/2006/ole">
+            <mc:AlternateContent xmlns:mc="http://schemas.openxmlformats.org/markup-compatibility/2006">
+              <mc:Choice xmlns:v="urn:schemas-microsoft-com:vml" Requires="v">
+                <p:oleObj name="Equation" r:id="rId2" imgW="1612800" imgH="393480" progId="Equation.3">
+                  <p:embed/>
+                </p:oleObj>
+              </mc:Choice>
+              <mc:Fallback>
+                <p:oleObj name="Equation" r:id="rId2" imgW="1612800" imgH="393480" progId="Equation.3">
+                  <p:embed/>
+                  <p:pic>
+                    <p:nvPicPr>
+                      <p:cNvPr id="6" name="Object 5"/>
+                      <p:cNvPicPr>
+                        <a:picLocks noChangeAspect="1" noChangeArrowheads="1"/>
+                      </p:cNvPicPr>
+                      <p:nvPr/>
+                    </p:nvPicPr>
+                    <p:blipFill>
+                      <a:blip r:embed="rId3"/>
+                      <a:srcRect/>
+                      <a:stretch>
+                        <a:fillRect/>
+                      </a:stretch>
+                    </p:blipFill>
+                    <p:spPr bwMode="auto">
+                      <a:xfrm>
+                        <a:off x="1431925" y="2193925"/>
+                        <a:ext cx="2852738" cy="690563"/>
+                      </a:xfrm>
+                      <a:prstGeom prst="rect">
+                        <a:avLst/>
+                      </a:prstGeom>
+                      <a:noFill/>
+                    </p:spPr>
+                  </p:pic>
+                </p:oleObj>
+              </mc:Fallback>
+            </mc:AlternateContent>
+          </a:graphicData>
+        </a:graphic>
+      </p:graphicFrame>
+      <p:sp>
+        <p:nvSpPr>
+          <p:cNvPr id="7" name="Rectangle 4"/>
+          <p:cNvSpPr>
+            <a:spLocks noChangeArrowheads="1"/>
+          </p:cNvSpPr>
+          <p:nvPr/>
+        </p:nvSpPr>
+        <p:spPr bwMode="auto">
+          <a:xfrm>
+            <a:off x="0" y="0"/>
+            <a:ext cx="9144000" cy="0"/>
+          </a:xfrm>
+          <a:prstGeom prst="rect">
+            <a:avLst/>
+          </a:prstGeom>
+          <a:noFill/>
+          <a:ln>
+            <a:noFill/>
+          </a:ln>
+          <a:effectLst/>
+          <a:extLst>
+            <a:ext uri="{909E8E84-426E-40DD-AFC4-6F175D3DCCD1}">
+              <a14:hiddenFill xmlns:a14="http://schemas.microsoft.com/office/drawing/2010/main">
+                <a:solidFill>
+                  <a:schemeClr val="accent1"/>
+                </a:solidFill>
+              </a14:hiddenFill>
+            </a:ext>
+            <a:ext uri="{91240B29-F687-4F45-9708-019B960494DF}">
+              <a14:hiddenLine xmlns:a14="http://schemas.microsoft.com/office/drawing/2010/main" w="9525">
+                <a:solidFill>
+                  <a:schemeClr val="tx1"/>
+                </a:solidFill>
+                <a:miter lim="800000"/>
+                <a:headEnd/>
+                <a:tailEnd/>
+              </a14:hiddenLine>
+            </a:ext>
+            <a:ext uri="{AF507438-7753-43E0-B8FC-AC1667EBCBE1}">
+              <a14:hiddenEffects xmlns:a14="http://schemas.microsoft.com/office/drawing/2010/main">
+                <a:effectLst>
+                  <a:outerShdw dist="35921" dir="2700000" algn="ctr" rotWithShape="0">
+                    <a:schemeClr val="bg2"/>
+                  </a:outerShdw>
+                </a:effectLst>
+              </a14:hiddenEffects>
+            </a:ext>
+          </a:extLst>
+        </p:spPr>
+        <p:txBody>
+          <a:bodyPr vert="horz" wrap="none" lIns="91440" tIns="45720" rIns="91440" bIns="45720" numCol="1" anchor="ctr" anchorCtr="0" compatLnSpc="1">
+            <a:prstTxWarp prst="textNoShape">
+              <a:avLst/>
+            </a:prstTxWarp>
+            <a:spAutoFit/>
+          </a:bodyPr>
+          <a:lstStyle/>
+          <a:p>
+            <a:endParaRPr lang="en-US"/>
+          </a:p>
+        </p:txBody>
+      </p:sp>
+      <p:graphicFrame>
+        <p:nvGraphicFramePr>
+          <p:cNvPr id="8" name="Object 7"/>
+          <p:cNvGraphicFramePr>
+            <a:graphicFrameLocks noChangeAspect="1"/>
+          </p:cNvGraphicFramePr>
+          <p:nvPr/>
+        </p:nvGraphicFramePr>
+        <p:xfrm>
+          <a:off x="1400175" y="3260725"/>
+          <a:ext cx="1336675" cy="450850"/>
+        </p:xfrm>
+        <a:graphic>
+          <a:graphicData uri="http://schemas.openxmlformats.org/presentationml/2006/ole">
+            <mc:AlternateContent xmlns:mc="http://schemas.openxmlformats.org/markup-compatibility/2006">
+              <mc:Choice xmlns:v="urn:schemas-microsoft-com:vml" Requires="v">
+                <p:oleObj name="Equation" r:id="rId4" imgW="723600" imgH="241200" progId="Equation.3">
+                  <p:embed/>
+                </p:oleObj>
+              </mc:Choice>
+              <mc:Fallback>
+                <p:oleObj name="Equation" r:id="rId4" imgW="723600" imgH="241200" progId="Equation.3">
+                  <p:embed/>
+                  <p:pic>
+                    <p:nvPicPr>
+                      <p:cNvPr id="8" name="Object 7"/>
+                      <p:cNvPicPr>
+                        <a:picLocks noChangeAspect="1" noChangeArrowheads="1"/>
+                      </p:cNvPicPr>
+                      <p:nvPr/>
+                    </p:nvPicPr>
+                    <p:blipFill>
+                      <a:blip r:embed="rId5"/>
+                      <a:srcRect/>
+                      <a:stretch>
+                        <a:fillRect/>
+                      </a:stretch>
+                    </p:blipFill>
+                    <p:spPr bwMode="auto">
+                      <a:xfrm>
+                        <a:off x="1400175" y="3260725"/>
+                        <a:ext cx="1336675" cy="450850"/>
+                      </a:xfrm>
+                      <a:prstGeom prst="rect">
+                        <a:avLst/>
+                      </a:prstGeom>
+                      <a:noFill/>
+                    </p:spPr>
+                  </p:pic>
+                </p:oleObj>
+              </mc:Fallback>
+            </mc:AlternateContent>
+          </a:graphicData>
+        </a:graphic>
+      </p:graphicFrame>
+      <p:graphicFrame>
+        <p:nvGraphicFramePr>
+          <p:cNvPr id="9" name="Object 8"/>
+          <p:cNvGraphicFramePr>
+            <a:graphicFrameLocks noChangeAspect="1"/>
+          </p:cNvGraphicFramePr>
+          <p:nvPr/>
+        </p:nvGraphicFramePr>
+        <p:xfrm>
+          <a:off x="1354138" y="5205413"/>
+          <a:ext cx="1595437" cy="806450"/>
+        </p:xfrm>
+        <a:graphic>
+          <a:graphicData uri="http://schemas.openxmlformats.org/presentationml/2006/ole">
+            <mc:AlternateContent xmlns:mc="http://schemas.openxmlformats.org/markup-compatibility/2006">
+              <mc:Choice xmlns:v="urn:schemas-microsoft-com:vml" Requires="v">
+                <p:oleObj name="Equation" r:id="rId6" imgW="863280" imgH="431640" progId="Equation.3">
+                  <p:embed/>
+                </p:oleObj>
+              </mc:Choice>
+              <mc:Fallback>
+                <p:oleObj name="Equation" r:id="rId6" imgW="863280" imgH="431640" progId="Equation.3">
+                  <p:embed/>
+                  <p:pic>
+                    <p:nvPicPr>
+                      <p:cNvPr id="9" name="Object 8"/>
+                      <p:cNvPicPr>
+                        <a:picLocks noChangeAspect="1" noChangeArrowheads="1"/>
+                      </p:cNvPicPr>
+                      <p:nvPr/>
+                    </p:nvPicPr>
+                    <p:blipFill>
+                      <a:blip r:embed="rId7"/>
+                      <a:srcRect/>
+                      <a:stretch>
+                        <a:fillRect/>
+                      </a:stretch>
+                    </p:blipFill>
+                    <p:spPr bwMode="auto">
+                      <a:xfrm>
+                        <a:off x="1354138" y="5205413"/>
+                        <a:ext cx="1595437" cy="806450"/>
+                      </a:xfrm>
+                      <a:prstGeom prst="rect">
+                        <a:avLst/>
+                      </a:prstGeom>
+                      <a:noFill/>
+                      <a:ln>
+                        <a:noFill/>
+                      </a:ln>
+                      <a:extLst>
+                        <a:ext uri="{909E8E84-426E-40DD-AFC4-6F175D3DCCD1}">
+                          <a14:hiddenFill xmlns:a14="http://schemas.microsoft.com/office/drawing/2010/main">
+                            <a:solidFill>
+                              <a:srgbClr val="FFFFFF"/>
+                            </a:solidFill>
+                          </a14:hiddenFill>
+                        </a:ext>
+                        <a:ext uri="{91240B29-F687-4F45-9708-019B960494DF}">
+                          <a14:hiddenLine xmlns:a14="http://schemas.microsoft.com/office/drawing/2010/main" w="9525">
+                            <a:solidFill>
+                              <a:srgbClr val="000000"/>
+                            </a:solidFill>
+                            <a:miter lim="800000"/>
+                            <a:headEnd/>
+                            <a:tailEnd/>
+                          </a14:hiddenLine>
+                        </a:ext>
+                      </a:extLst>
+                    </p:spPr>
+                  </p:pic>
+                </p:oleObj>
+              </mc:Fallback>
+            </mc:AlternateContent>
+          </a:graphicData>
+        </a:graphic>
+      </p:graphicFrame>
+      <p:sp>
+        <p:nvSpPr>
+          <p:cNvPr id="10" name="Rectangle 8"/>
+          <p:cNvSpPr>
+            <a:spLocks noChangeArrowheads="1"/>
+          </p:cNvSpPr>
+          <p:nvPr/>
+        </p:nvSpPr>
+        <p:spPr bwMode="auto">
+          <a:xfrm>
+            <a:off x="0" y="0"/>
+            <a:ext cx="9144000" cy="0"/>
+          </a:xfrm>
+          <a:prstGeom prst="rect">
+            <a:avLst/>
+          </a:prstGeom>
+          <a:noFill/>
+          <a:ln>
+            <a:noFill/>
+          </a:ln>
+          <a:effectLst/>
+          <a:extLst>
+            <a:ext uri="{909E8E84-426E-40DD-AFC4-6F175D3DCCD1}">
+              <a14:hiddenFill xmlns:a14="http://schemas.microsoft.com/office/drawing/2010/main">
+                <a:solidFill>
+                  <a:schemeClr val="accent1"/>
+                </a:solidFill>
+              </a14:hiddenFill>
+            </a:ext>
+            <a:ext uri="{91240B29-F687-4F45-9708-019B960494DF}">
+              <a14:hiddenLine xmlns:a14="http://schemas.microsoft.com/office/drawing/2010/main" w="9525">
+                <a:solidFill>
+                  <a:schemeClr val="tx1"/>
+                </a:solidFill>
+                <a:miter lim="800000"/>
+                <a:headEnd/>
+                <a:tailEnd/>
+              </a14:hiddenLine>
+            </a:ext>
+            <a:ext uri="{AF507438-7753-43E0-B8FC-AC1667EBCBE1}">
+              <a14:hiddenEffects xmlns:a14="http://schemas.microsoft.com/office/drawing/2010/main">
+                <a:effectLst>
+                  <a:outerShdw dist="35921" dir="2700000" algn="ctr" rotWithShape="0">
+                    <a:schemeClr val="bg2"/>
+                  </a:outerShdw>
+                </a:effectLst>
+              </a14:hiddenEffects>
+            </a:ext>
+          </a:extLst>
+        </p:spPr>
+        <p:txBody>
+          <a:bodyPr vert="horz" wrap="none" lIns="91440" tIns="45720" rIns="91440" bIns="45720" numCol="1" anchor="ctr" anchorCtr="0" compatLnSpc="1">
+            <a:prstTxWarp prst="textNoShape">
+              <a:avLst/>
+            </a:prstTxWarp>
+            <a:spAutoFit/>
+          </a:bodyPr>
+          <a:lstStyle/>
+          <a:p>
+            <a:endParaRPr lang="en-US"/>
+          </a:p>
+        </p:txBody>
+      </p:sp>
+      <p:graphicFrame>
+        <p:nvGraphicFramePr>
+          <p:cNvPr id="11" name="Object 10"/>
+          <p:cNvGraphicFramePr>
+            <a:graphicFrameLocks noChangeAspect="1"/>
+          </p:cNvGraphicFramePr>
+          <p:nvPr/>
+        </p:nvGraphicFramePr>
+        <p:xfrm>
+          <a:off x="1371600" y="4247535"/>
+          <a:ext cx="1849658" cy="576775"/>
+        </p:xfrm>
+        <a:graphic>
+          <a:graphicData uri="http://schemas.openxmlformats.org/presentationml/2006/ole">
+            <mc:AlternateContent xmlns:mc="http://schemas.openxmlformats.org/markup-compatibility/2006">
+              <mc:Choice xmlns:v="urn:schemas-microsoft-com:vml" Requires="v">
+                <p:oleObj name="Equation" r:id="rId8" imgW="889000" imgH="279400" progId="Equation.3">
+                  <p:embed/>
+                </p:oleObj>
+              </mc:Choice>
+              <mc:Fallback>
+                <p:oleObj name="Equation" r:id="rId8" imgW="889000" imgH="279400" progId="Equation.3">
+                  <p:embed/>
+                  <p:pic>
+                    <p:nvPicPr>
+                      <p:cNvPr id="11" name="Object 10"/>
+                      <p:cNvPicPr>
+                        <a:picLocks noChangeAspect="1" noChangeArrowheads="1"/>
+                      </p:cNvPicPr>
+                      <p:nvPr/>
+                    </p:nvPicPr>
+                    <p:blipFill>
+                      <a:blip r:embed="rId9">
+                        <a:extLst>
+                          <a:ext uri="{28A0092B-C50C-407E-A947-70E740481C1C}">
+                            <a14:useLocalDpi xmlns:a14="http://schemas.microsoft.com/office/drawing/2010/main" val="0"/>
+                          </a:ext>
+                        </a:extLst>
+                      </a:blip>
+                      <a:srcRect/>
+                      <a:stretch>
+                        <a:fillRect/>
+                      </a:stretch>
+                    </p:blipFill>
+                    <p:spPr bwMode="auto">
+                      <a:xfrm>
+                        <a:off x="1371600" y="4247535"/>
+                        <a:ext cx="1849658" cy="576775"/>
+                      </a:xfrm>
+                      <a:prstGeom prst="rect">
+                        <a:avLst/>
+                      </a:prstGeom>
+                      <a:noFill/>
+                    </p:spPr>
+                  </p:pic>
+                </p:oleObj>
+              </mc:Fallback>
+            </mc:AlternateContent>
+          </a:graphicData>
+        </a:graphic>
+      </p:graphicFrame>
+    </p:spTree>
+    <p:extLst>
+      <p:ext uri="{BB962C8B-B14F-4D97-AF65-F5344CB8AC3E}">
+        <p14:creationId xmlns:p14="http://schemas.microsoft.com/office/powerpoint/2010/main" val="1837737391"/>
+      </p:ext>
+    </p:extLst>
+  </p:cSld>
+  <p:clrMapOvr>
+    <a:masterClrMapping/>
+  </p:clrMapOvr>
+</p:sld>
+</file>
+
+<file path=ppt/slides/slide4.xml><?xml version="1.0" encoding="utf-8"?>
+<p:sld xmlns:a="http://schemas.openxmlformats.org/drawingml/2006/main" xmlns:r="http://schemas.openxmlformats.org/officeDocument/2006/relationships" xmlns:p="http://schemas.openxmlformats.org/presentationml/2006/main">
+  <p:cSld>
+    <p:spTree>
+      <p:nvGrpSpPr>
+        <p:cNvPr id="1" name=""/>
+        <p:cNvGrpSpPr/>
+        <p:nvPr/>
+      </p:nvGrpSpPr>
+      <p:grpSpPr>
+        <a:xfrm>
+          <a:off x="0" y="0"/>
+          <a:ext cx="0" cy="0"/>
+          <a:chOff x="0" y="0"/>
+          <a:chExt cx="0" cy="0"/>
+        </a:xfrm>
+      </p:grpSpPr>
+      <p:sp>
+        <p:nvSpPr>
+          <p:cNvPr id="2" name="Title 1"/>
+          <p:cNvSpPr>
+            <a:spLocks noGrp="1"/>
+          </p:cNvSpPr>
+          <p:nvPr>
+            <p:ph type="title"/>
+          </p:nvPr>
+        </p:nvSpPr>
+        <p:spPr/>
+        <p:txBody>
+          <a:bodyPr/>
+          <a:lstStyle/>
+          <a:p>
+            <a:r>
+              <a:rPr lang="en-US" dirty="0"/>
+              <a:t>Question 223.50.4</a:t>
+            </a:r>
+          </a:p>
+        </p:txBody>
+      </p:sp>
+      <p:sp>
+        <p:nvSpPr>
+          <p:cNvPr id="3" name="Content Placeholder 2"/>
+          <p:cNvSpPr>
+            <a:spLocks noGrp="1"/>
+          </p:cNvSpPr>
+          <p:nvPr>
+            <p:ph idx="1"/>
+          </p:nvPr>
+        </p:nvSpPr>
+        <p:spPr/>
+        <p:txBody>
+          <a:bodyPr>
+            <a:normAutofit lnSpcReduction="10000"/>
+          </a:bodyPr>
+          <a:lstStyle/>
+          <a:p>
+            <a:pPr marL="0" indent="0">
+              <a:buNone/>
+            </a:pPr>
+            <a:r>
+              <a:rPr lang="en-US" dirty="0"/>
+              <a:t>Which of the following is Faraday’s law?</a:t>
+            </a:r>
+          </a:p>
+          <a:p>
+            <a:pPr marL="0" indent="0">
+              <a:buNone/>
+            </a:pPr>
+            <a:r>
+              <a:rPr lang="en-US" dirty="0"/>
+              <a:t>a) </a:t>
+            </a:r>
+          </a:p>
+          <a:p>
+            <a:pPr marL="0" indent="0">
+              <a:buNone/>
+            </a:pPr>
+            <a:endParaRPr lang="en-US" dirty="0"/>
+          </a:p>
+          <a:p>
+            <a:pPr marL="0" indent="0">
+              <a:buNone/>
+            </a:pPr>
+            <a:r>
+              <a:rPr lang="en-US" dirty="0"/>
+              <a:t>b)</a:t>
+            </a:r>
+          </a:p>
+          <a:p>
+            <a:pPr marL="0" indent="0">
+              <a:buNone/>
+            </a:pPr>
+            <a:endParaRPr lang="en-US" dirty="0"/>
+          </a:p>
+          <a:p>
+            <a:pPr marL="0" indent="0">
+              <a:buNone/>
+            </a:pPr>
+            <a:r>
+              <a:rPr lang="en-US" dirty="0"/>
+              <a:t>c)</a:t>
+            </a:r>
+          </a:p>
+          <a:p>
+            <a:pPr marL="0" indent="0">
+              <a:buNone/>
+            </a:pPr>
+            <a:endParaRPr lang="en-US" dirty="0"/>
+          </a:p>
+          <a:p>
+            <a:pPr marL="0" indent="0">
+              <a:buNone/>
+            </a:pPr>
+            <a:r>
+              <a:rPr lang="en-US" dirty="0"/>
+              <a:t>d) </a:t>
+            </a:r>
+          </a:p>
+        </p:txBody>
+      </p:sp>
+      <p:sp>
+        <p:nvSpPr>
+          <p:cNvPr id="4" name="Slide Number Placeholder 3"/>
+          <p:cNvSpPr>
+            <a:spLocks noGrp="1"/>
+          </p:cNvSpPr>
+          <p:nvPr>
+            <p:ph type="sldNum" sz="quarter" idx="12"/>
+          </p:nvPr>
+        </p:nvSpPr>
+        <p:spPr/>
+        <p:txBody>
+          <a:bodyPr/>
+          <a:lstStyle/>
+          <a:p>
+            <a:pPr>
+              <a:defRPr/>
+            </a:pPr>
+            <a:fld id="{64137B81-8888-4253-92EC-0AED2A590749}" type="slidenum">
+              <a:rPr lang="en-US" smtClean="0"/>
+              <a:pPr>
+                <a:defRPr/>
+              </a:pPr>
+              <a:t>4</a:t>
+            </a:fld>
+            <a:endParaRPr lang="en-US"/>
+          </a:p>
+        </p:txBody>
+      </p:sp>
+      <p:sp>
+        <p:nvSpPr>
+          <p:cNvPr id="5" name="Rectangle 2"/>
+          <p:cNvSpPr>
+            <a:spLocks noChangeArrowheads="1"/>
+          </p:cNvSpPr>
+          <p:nvPr/>
+        </p:nvSpPr>
+        <p:spPr bwMode="auto">
+          <a:xfrm>
+            <a:off x="0" y="0"/>
+            <a:ext cx="9144000" cy="0"/>
+          </a:xfrm>
+          <a:prstGeom prst="rect">
+            <a:avLst/>
+          </a:prstGeom>
+          <a:noFill/>
+          <a:ln>
+            <a:noFill/>
+          </a:ln>
+          <a:effectLst/>
+          <a:extLst>
+            <a:ext uri="{909E8E84-426E-40DD-AFC4-6F175D3DCCD1}">
+              <a14:hiddenFill xmlns:a14="http://schemas.microsoft.com/office/drawing/2010/main">
+                <a:solidFill>
+                  <a:schemeClr val="accent1"/>
+                </a:solidFill>
+              </a14:hiddenFill>
+            </a:ext>
+            <a:ext uri="{91240B29-F687-4F45-9708-019B960494DF}">
+              <a14:hiddenLine xmlns:a14="http://schemas.microsoft.com/office/drawing/2010/main" w="9525">
+                <a:solidFill>
+                  <a:schemeClr val="tx1"/>
+                </a:solidFill>
+                <a:miter lim="800000"/>
+                <a:headEnd/>
+                <a:tailEnd/>
+              </a14:hiddenLine>
+            </a:ext>
+            <a:ext uri="{AF507438-7753-43E0-B8FC-AC1667EBCBE1}">
+              <a14:hiddenEffects xmlns:a14="http://schemas.microsoft.com/office/drawing/2010/main">
+                <a:effectLst>
+                  <a:outerShdw dist="35921" dir="2700000" algn="ctr" rotWithShape="0">
+                    <a:schemeClr val="bg2"/>
+                  </a:outerShdw>
+                </a:effectLst>
+              </a14:hiddenEffects>
+            </a:ext>
+          </a:extLst>
+        </p:spPr>
+        <p:txBody>
+          <a:bodyPr vert="horz" wrap="none" lIns="91440" tIns="45720" rIns="91440" bIns="45720" numCol="1" anchor="ctr" anchorCtr="0" compatLnSpc="1">
+            <a:prstTxWarp prst="textNoShape">
+              <a:avLst/>
+            </a:prstTxWarp>
+            <a:spAutoFit/>
+          </a:bodyPr>
+          <a:lstStyle/>
+          <a:p>
+            <a:endParaRPr lang="en-US"/>
+          </a:p>
+        </p:txBody>
+      </p:sp>
+      <p:graphicFrame>
+        <p:nvGraphicFramePr>
+          <p:cNvPr id="6" name="Object 5"/>
+          <p:cNvGraphicFramePr>
+            <a:graphicFrameLocks noChangeAspect="1"/>
+          </p:cNvGraphicFramePr>
+          <p:nvPr/>
+        </p:nvGraphicFramePr>
+        <p:xfrm>
+          <a:off x="1431925" y="2193925"/>
+          <a:ext cx="2852738" cy="690563"/>
+        </p:xfrm>
+        <a:graphic>
+          <a:graphicData uri="http://schemas.openxmlformats.org/presentationml/2006/ole">
+            <mc:AlternateContent xmlns:mc="http://schemas.openxmlformats.org/markup-compatibility/2006">
+              <mc:Choice xmlns:v="urn:schemas-microsoft-com:vml" Requires="v">
+                <p:oleObj name="Equation" r:id="rId2" imgW="1612800" imgH="393480" progId="Equation.3">
+                  <p:embed/>
+                </p:oleObj>
+              </mc:Choice>
+              <mc:Fallback>
+                <p:oleObj name="Equation" r:id="rId2" imgW="1612800" imgH="393480" progId="Equation.3">
+                  <p:embed/>
+                  <p:pic>
+                    <p:nvPicPr>
+                      <p:cNvPr id="6" name="Object 5"/>
+                      <p:cNvPicPr>
+                        <a:picLocks noChangeAspect="1" noChangeArrowheads="1"/>
+                      </p:cNvPicPr>
+                      <p:nvPr/>
+                    </p:nvPicPr>
+                    <p:blipFill>
+                      <a:blip r:embed="rId3"/>
+                      <a:srcRect/>
+                      <a:stretch>
+                        <a:fillRect/>
+                      </a:stretch>
+                    </p:blipFill>
+                    <p:spPr bwMode="auto">
+                      <a:xfrm>
+                        <a:off x="1431925" y="2193925"/>
+                        <a:ext cx="2852738" cy="690563"/>
+                      </a:xfrm>
+                      <a:prstGeom prst="rect">
+                        <a:avLst/>
+                      </a:prstGeom>
+                      <a:noFill/>
+                    </p:spPr>
+                  </p:pic>
+                </p:oleObj>
+              </mc:Fallback>
+            </mc:AlternateContent>
+          </a:graphicData>
+        </a:graphic>
+      </p:graphicFrame>
+      <p:sp>
+        <p:nvSpPr>
+          <p:cNvPr id="7" name="Rectangle 4"/>
+          <p:cNvSpPr>
+            <a:spLocks noChangeArrowheads="1"/>
+          </p:cNvSpPr>
+          <p:nvPr/>
+        </p:nvSpPr>
+        <p:spPr bwMode="auto">
+          <a:xfrm>
+            <a:off x="0" y="0"/>
+            <a:ext cx="9144000" cy="0"/>
+          </a:xfrm>
+          <a:prstGeom prst="rect">
+            <a:avLst/>
+          </a:prstGeom>
+          <a:noFill/>
+          <a:ln>
+            <a:noFill/>
+          </a:ln>
+          <a:effectLst/>
+          <a:extLst>
+            <a:ext uri="{909E8E84-426E-40DD-AFC4-6F175D3DCCD1}">
+              <a14:hiddenFill xmlns:a14="http://schemas.microsoft.com/office/drawing/2010/main">
+                <a:solidFill>
+                  <a:schemeClr val="accent1"/>
+                </a:solidFill>
+              </a14:hiddenFill>
+            </a:ext>
+            <a:ext uri="{91240B29-F687-4F45-9708-019B960494DF}">
+              <a14:hiddenLine xmlns:a14="http://schemas.microsoft.com/office/drawing/2010/main" w="9525">
+                <a:solidFill>
+                  <a:schemeClr val="tx1"/>
+                </a:solidFill>
+                <a:miter lim="800000"/>
+                <a:headEnd/>
+                <a:tailEnd/>
+              </a14:hiddenLine>
+            </a:ext>
+            <a:ext uri="{AF507438-7753-43E0-B8FC-AC1667EBCBE1}">
+              <a14:hiddenEffects xmlns:a14="http://schemas.microsoft.com/office/drawing/2010/main">
+                <a:effectLst>
+                  <a:outerShdw dist="35921" dir="2700000" algn="ctr" rotWithShape="0">
+                    <a:schemeClr val="bg2"/>
+                  </a:outerShdw>
+                </a:effectLst>
+              </a14:hiddenEffects>
+            </a:ext>
+          </a:extLst>
+        </p:spPr>
+        <p:txBody>
+          <a:bodyPr vert="horz" wrap="none" lIns="91440" tIns="45720" rIns="91440" bIns="45720" numCol="1" anchor="ctr" anchorCtr="0" compatLnSpc="1">
+            <a:prstTxWarp prst="textNoShape">
+              <a:avLst/>
+            </a:prstTxWarp>
+            <a:spAutoFit/>
+          </a:bodyPr>
+          <a:lstStyle/>
+          <a:p>
+            <a:endParaRPr lang="en-US"/>
+          </a:p>
+        </p:txBody>
+      </p:sp>
+      <p:graphicFrame>
+        <p:nvGraphicFramePr>
+          <p:cNvPr id="8" name="Object 7"/>
+          <p:cNvGraphicFramePr>
+            <a:graphicFrameLocks noChangeAspect="1"/>
+          </p:cNvGraphicFramePr>
+          <p:nvPr/>
+        </p:nvGraphicFramePr>
+        <p:xfrm>
+          <a:off x="1400175" y="3260725"/>
+          <a:ext cx="1336675" cy="450850"/>
+        </p:xfrm>
+        <a:graphic>
+          <a:graphicData uri="http://schemas.openxmlformats.org/presentationml/2006/ole">
+            <mc:AlternateContent xmlns:mc="http://schemas.openxmlformats.org/markup-compatibility/2006">
+              <mc:Choice xmlns:v="urn:schemas-microsoft-com:vml" Requires="v">
+                <p:oleObj name="Equation" r:id="rId4" imgW="723600" imgH="241200" progId="Equation.3">
+                  <p:embed/>
+                </p:oleObj>
+              </mc:Choice>
+              <mc:Fallback>
+                <p:oleObj name="Equation" r:id="rId4" imgW="723600" imgH="241200" progId="Equation.3">
+                  <p:embed/>
+                  <p:pic>
+                    <p:nvPicPr>
+                      <p:cNvPr id="8" name="Object 7"/>
+                      <p:cNvPicPr>
+                        <a:picLocks noChangeAspect="1" noChangeArrowheads="1"/>
+                      </p:cNvPicPr>
+                      <p:nvPr/>
+                    </p:nvPicPr>
+                    <p:blipFill>
+                      <a:blip r:embed="rId5"/>
+                      <a:srcRect/>
+                      <a:stretch>
+                        <a:fillRect/>
+                      </a:stretch>
+                    </p:blipFill>
+                    <p:spPr bwMode="auto">
+                      <a:xfrm>
+                        <a:off x="1400175" y="3260725"/>
+                        <a:ext cx="1336675" cy="450850"/>
+                      </a:xfrm>
+                      <a:prstGeom prst="rect">
+                        <a:avLst/>
+                      </a:prstGeom>
+                      <a:noFill/>
+                    </p:spPr>
+                  </p:pic>
+                </p:oleObj>
+              </mc:Fallback>
+            </mc:AlternateContent>
+          </a:graphicData>
+        </a:graphic>
+      </p:graphicFrame>
+      <p:graphicFrame>
+        <p:nvGraphicFramePr>
+          <p:cNvPr id="9" name="Object 8"/>
+          <p:cNvGraphicFramePr>
+            <a:graphicFrameLocks noChangeAspect="1"/>
+          </p:cNvGraphicFramePr>
+          <p:nvPr/>
+        </p:nvGraphicFramePr>
+        <p:xfrm>
+          <a:off x="1354138" y="5205413"/>
+          <a:ext cx="1595437" cy="806450"/>
+        </p:xfrm>
+        <a:graphic>
+          <a:graphicData uri="http://schemas.openxmlformats.org/presentationml/2006/ole">
+            <mc:AlternateContent xmlns:mc="http://schemas.openxmlformats.org/markup-compatibility/2006">
+              <mc:Choice xmlns:v="urn:schemas-microsoft-com:vml" Requires="v">
+                <p:oleObj name="Equation" r:id="rId6" imgW="863280" imgH="431640" progId="Equation.3">
+                  <p:embed/>
+                </p:oleObj>
+              </mc:Choice>
+              <mc:Fallback>
+                <p:oleObj name="Equation" r:id="rId6" imgW="863280" imgH="431640" progId="Equation.3">
+                  <p:embed/>
+                  <p:pic>
+                    <p:nvPicPr>
+                      <p:cNvPr id="9" name="Object 8"/>
+                      <p:cNvPicPr>
+                        <a:picLocks noChangeAspect="1" noChangeArrowheads="1"/>
+                      </p:cNvPicPr>
+                      <p:nvPr/>
+                    </p:nvPicPr>
+                    <p:blipFill>
+                      <a:blip r:embed="rId7"/>
+                      <a:srcRect/>
+                      <a:stretch>
+                        <a:fillRect/>
+                      </a:stretch>
+                    </p:blipFill>
+                    <p:spPr bwMode="auto">
+                      <a:xfrm>
+                        <a:off x="1354138" y="5205413"/>
+                        <a:ext cx="1595437" cy="806450"/>
+                      </a:xfrm>
+                      <a:prstGeom prst="rect">
+                        <a:avLst/>
+                      </a:prstGeom>
+                      <a:noFill/>
+                      <a:ln>
+                        <a:noFill/>
+                      </a:ln>
+                      <a:extLst>
+                        <a:ext uri="{909E8E84-426E-40DD-AFC4-6F175D3DCCD1}">
+                          <a14:hiddenFill xmlns:a14="http://schemas.microsoft.com/office/drawing/2010/main">
+                            <a:solidFill>
+                              <a:srgbClr val="FFFFFF"/>
+                            </a:solidFill>
+                          </a14:hiddenFill>
+                        </a:ext>
+                        <a:ext uri="{91240B29-F687-4F45-9708-019B960494DF}">
+                          <a14:hiddenLine xmlns:a14="http://schemas.microsoft.com/office/drawing/2010/main" w="9525">
+                            <a:solidFill>
+                              <a:srgbClr val="000000"/>
+                            </a:solidFill>
+                            <a:miter lim="800000"/>
+                            <a:headEnd/>
+                            <a:tailEnd/>
+                          </a14:hiddenLine>
+                        </a:ext>
+                      </a:extLst>
+                    </p:spPr>
+                  </p:pic>
+                </p:oleObj>
+              </mc:Fallback>
+            </mc:AlternateContent>
+          </a:graphicData>
+        </a:graphic>
+      </p:graphicFrame>
+      <p:sp>
+        <p:nvSpPr>
+          <p:cNvPr id="10" name="Rectangle 8"/>
+          <p:cNvSpPr>
+            <a:spLocks noChangeArrowheads="1"/>
+          </p:cNvSpPr>
+          <p:nvPr/>
+        </p:nvSpPr>
+        <p:spPr bwMode="auto">
+          <a:xfrm>
+            <a:off x="0" y="0"/>
+            <a:ext cx="9144000" cy="0"/>
+          </a:xfrm>
+          <a:prstGeom prst="rect">
+            <a:avLst/>
+          </a:prstGeom>
+          <a:noFill/>
+          <a:ln>
+            <a:noFill/>
+          </a:ln>
+          <a:effectLst/>
+          <a:extLst>
+            <a:ext uri="{909E8E84-426E-40DD-AFC4-6F175D3DCCD1}">
+              <a14:hiddenFill xmlns:a14="http://schemas.microsoft.com/office/drawing/2010/main">
+                <a:solidFill>
+                  <a:schemeClr val="accent1"/>
+                </a:solidFill>
+              </a14:hiddenFill>
+            </a:ext>
+            <a:ext uri="{91240B29-F687-4F45-9708-019B960494DF}">
+              <a14:hiddenLine xmlns:a14="http://schemas.microsoft.com/office/drawing/2010/main" w="9525">
+                <a:solidFill>
+                  <a:schemeClr val="tx1"/>
+                </a:solidFill>
+                <a:miter lim="800000"/>
+                <a:headEnd/>
+                <a:tailEnd/>
+              </a14:hiddenLine>
+            </a:ext>
+            <a:ext uri="{AF507438-7753-43E0-B8FC-AC1667EBCBE1}">
+              <a14:hiddenEffects xmlns:a14="http://schemas.microsoft.com/office/drawing/2010/main">
+                <a:effectLst>
+                  <a:outerShdw dist="35921" dir="2700000" algn="ctr" rotWithShape="0">
+                    <a:schemeClr val="bg2"/>
+                  </a:outerShdw>
+                </a:effectLst>
+              </a14:hiddenEffects>
+            </a:ext>
+          </a:extLst>
+        </p:spPr>
+        <p:txBody>
+          <a:bodyPr vert="horz" wrap="none" lIns="91440" tIns="45720" rIns="91440" bIns="45720" numCol="1" anchor="ctr" anchorCtr="0" compatLnSpc="1">
+            <a:prstTxWarp prst="textNoShape">
+              <a:avLst/>
+            </a:prstTxWarp>
+            <a:spAutoFit/>
+          </a:bodyPr>
+          <a:lstStyle/>
+          <a:p>
+            <a:endParaRPr lang="en-US"/>
+          </a:p>
+        </p:txBody>
+      </p:sp>
+      <p:graphicFrame>
+        <p:nvGraphicFramePr>
+          <p:cNvPr id="11" name="Object 10"/>
+          <p:cNvGraphicFramePr>
+            <a:graphicFrameLocks noChangeAspect="1"/>
+          </p:cNvGraphicFramePr>
+          <p:nvPr/>
+        </p:nvGraphicFramePr>
+        <p:xfrm>
+          <a:off x="1371600" y="4247535"/>
+          <a:ext cx="1849658" cy="576775"/>
+        </p:xfrm>
+        <a:graphic>
+          <a:graphicData uri="http://schemas.openxmlformats.org/presentationml/2006/ole">
+            <mc:AlternateContent xmlns:mc="http://schemas.openxmlformats.org/markup-compatibility/2006">
+              <mc:Choice xmlns:v="urn:schemas-microsoft-com:vml" Requires="v">
+                <p:oleObj name="Equation" r:id="rId8" imgW="889000" imgH="279400" progId="Equation.3">
+                  <p:embed/>
+                </p:oleObj>
+              </mc:Choice>
+              <mc:Fallback>
+                <p:oleObj name="Equation" r:id="rId8" imgW="889000" imgH="279400" progId="Equation.3">
+                  <p:embed/>
+                  <p:pic>
+                    <p:nvPicPr>
+                      <p:cNvPr id="11" name="Object 10"/>
+                      <p:cNvPicPr>
+                        <a:picLocks noChangeAspect="1" noChangeArrowheads="1"/>
+                      </p:cNvPicPr>
+                      <p:nvPr/>
+                    </p:nvPicPr>
+                    <p:blipFill>
+                      <a:blip r:embed="rId9">
+                        <a:extLst>
+                          <a:ext uri="{28A0092B-C50C-407E-A947-70E740481C1C}">
+                            <a14:useLocalDpi xmlns:a14="http://schemas.microsoft.com/office/drawing/2010/main" val="0"/>
+                          </a:ext>
+                        </a:extLst>
+                      </a:blip>
+                      <a:srcRect/>
+                      <a:stretch>
+                        <a:fillRect/>
+                      </a:stretch>
+                    </p:blipFill>
+                    <p:spPr bwMode="auto">
+                      <a:xfrm>
+                        <a:off x="1371600" y="4247535"/>
+                        <a:ext cx="1849658" cy="576775"/>
+                      </a:xfrm>
+                      <a:prstGeom prst="rect">
+                        <a:avLst/>
+                      </a:prstGeom>
+                      <a:noFill/>
+                    </p:spPr>
+                  </p:pic>
+                </p:oleObj>
+              </mc:Fallback>
+            </mc:AlternateContent>
+          </a:graphicData>
+        </a:graphic>
+      </p:graphicFrame>
+    </p:spTree>
+    <p:extLst>
+      <p:ext uri="{BB962C8B-B14F-4D97-AF65-F5344CB8AC3E}">
+        <p14:creationId xmlns:p14="http://schemas.microsoft.com/office/powerpoint/2010/main" val="2603429156"/>
+      </p:ext>
+    </p:extLst>
+  </p:cSld>
+  <p:clrMapOvr>
+    <a:masterClrMapping/>
+  </p:clrMapOvr>
+</p:sld>
+</file>
+
+<file path=ppt/slides/slide5.xml><?xml version="1.0" encoding="utf-8"?>
+<p:sld xmlns:a="http://schemas.openxmlformats.org/drawingml/2006/main" xmlns:r="http://schemas.openxmlformats.org/officeDocument/2006/relationships" xmlns:p="http://schemas.openxmlformats.org/presentationml/2006/main">
+  <p:cSld>
+    <p:spTree>
+      <p:nvGrpSpPr>
+        <p:cNvPr id="1" name=""/>
+        <p:cNvGrpSpPr/>
+        <p:nvPr/>
+      </p:nvGrpSpPr>
+      <p:grpSpPr>
+        <a:xfrm>
+          <a:off x="0" y="0"/>
+          <a:ext cx="0" cy="0"/>
+          <a:chOff x="0" y="0"/>
+          <a:chExt cx="0" cy="0"/>
+        </a:xfrm>
+      </p:grpSpPr>
+      <p:sp>
+        <p:nvSpPr>
+          <p:cNvPr id="2" name="Title 1"/>
+          <p:cNvSpPr>
+            <a:spLocks noGrp="1"/>
+          </p:cNvSpPr>
+          <p:nvPr>
+            <p:ph type="title"/>
+          </p:nvPr>
+        </p:nvSpPr>
+        <p:spPr/>
+        <p:txBody>
+          <a:bodyPr/>
+          <a:lstStyle/>
+          <a:p>
+            <a:r>
+              <a:rPr lang="en-US" dirty="0"/>
+              <a:t>Question 223.50.1</a:t>
+            </a:r>
+          </a:p>
+        </p:txBody>
+      </p:sp>
+      <p:sp>
+        <p:nvSpPr>
+          <p:cNvPr id="3" name="Content Placeholder 2"/>
+          <p:cNvSpPr>
+            <a:spLocks noGrp="1"/>
+          </p:cNvSpPr>
+          <p:nvPr>
+            <p:ph idx="1"/>
+          </p:nvPr>
+        </p:nvSpPr>
+        <p:spPr>
+          <a:xfrm>
+            <a:off x="457200" y="1392702"/>
+            <a:ext cx="8229600" cy="4733461"/>
+          </a:xfrm>
+        </p:spPr>
+        <p:txBody>
+          <a:bodyPr>
+            <a:normAutofit fontScale="92500" lnSpcReduction="10000"/>
+          </a:bodyPr>
+          <a:lstStyle/>
+          <a:p>
+            <a:pPr marL="0" indent="0">
+              <a:buNone/>
+            </a:pPr>
+            <a:r>
+              <a:rPr lang="en-US" dirty="0"/>
+              <a:t>Which of the following is Gauss’s law for magnetic fields?</a:t>
+            </a:r>
+          </a:p>
+          <a:p>
+            <a:pPr marL="0" indent="0">
+              <a:buNone/>
+            </a:pPr>
+            <a:r>
+              <a:rPr lang="en-US" dirty="0"/>
+              <a:t>a) </a:t>
+            </a:r>
+          </a:p>
+          <a:p>
+            <a:pPr marL="0" indent="0">
+              <a:buNone/>
+            </a:pPr>
+            <a:endParaRPr lang="en-US" dirty="0"/>
+          </a:p>
+          <a:p>
+            <a:pPr marL="0" indent="0">
+              <a:buNone/>
+            </a:pPr>
+            <a:r>
+              <a:rPr lang="en-US" dirty="0"/>
+              <a:t>b)</a:t>
+            </a:r>
+          </a:p>
+          <a:p>
+            <a:pPr marL="0" indent="0">
+              <a:buNone/>
+            </a:pPr>
+            <a:endParaRPr lang="en-US" dirty="0"/>
+          </a:p>
+          <a:p>
+            <a:pPr marL="0" indent="0">
+              <a:buNone/>
+            </a:pPr>
+            <a:r>
+              <a:rPr lang="en-US" dirty="0"/>
+              <a:t>c)</a:t>
+            </a:r>
+          </a:p>
+          <a:p>
+            <a:pPr marL="0" indent="0">
+              <a:buNone/>
+            </a:pPr>
+            <a:endParaRPr lang="en-US" dirty="0"/>
+          </a:p>
+          <a:p>
+            <a:pPr marL="0" indent="0">
+              <a:buNone/>
+            </a:pPr>
+            <a:r>
+              <a:rPr lang="en-US" dirty="0"/>
+              <a:t>d) </a:t>
+            </a:r>
+          </a:p>
+        </p:txBody>
+      </p:sp>
+      <p:sp>
+        <p:nvSpPr>
+          <p:cNvPr id="4" name="Slide Number Placeholder 3"/>
+          <p:cNvSpPr>
+            <a:spLocks noGrp="1"/>
+          </p:cNvSpPr>
+          <p:nvPr>
+            <p:ph type="sldNum" sz="quarter" idx="12"/>
+          </p:nvPr>
+        </p:nvSpPr>
+        <p:spPr/>
+        <p:txBody>
+          <a:bodyPr/>
+          <a:lstStyle/>
+          <a:p>
+            <a:pPr>
+              <a:defRPr/>
+            </a:pPr>
+            <a:fld id="{64137B81-8888-4253-92EC-0AED2A590749}" type="slidenum">
+              <a:rPr lang="en-US" smtClean="0"/>
+              <a:pPr>
+                <a:defRPr/>
+              </a:pPr>
+              <a:t>5</a:t>
+            </a:fld>
+            <a:endParaRPr lang="en-US"/>
+          </a:p>
+        </p:txBody>
+      </p:sp>
+      <p:sp>
+        <p:nvSpPr>
+          <p:cNvPr id="5" name="Rectangle 2"/>
+          <p:cNvSpPr>
+            <a:spLocks noChangeArrowheads="1"/>
+          </p:cNvSpPr>
+          <p:nvPr/>
+        </p:nvSpPr>
+        <p:spPr bwMode="auto">
+          <a:xfrm>
+            <a:off x="0" y="0"/>
+            <a:ext cx="9144000" cy="0"/>
+          </a:xfrm>
+          <a:prstGeom prst="rect">
+            <a:avLst/>
+          </a:prstGeom>
+          <a:noFill/>
+          <a:ln>
+            <a:noFill/>
+          </a:ln>
+          <a:effectLst/>
+          <a:extLst>
+            <a:ext uri="{909E8E84-426E-40DD-AFC4-6F175D3DCCD1}">
+              <a14:hiddenFill xmlns:a14="http://schemas.microsoft.com/office/drawing/2010/main">
+                <a:solidFill>
+                  <a:schemeClr val="accent1"/>
+                </a:solidFill>
+              </a14:hiddenFill>
+            </a:ext>
+            <a:ext uri="{91240B29-F687-4F45-9708-019B960494DF}">
+              <a14:hiddenLine xmlns:a14="http://schemas.microsoft.com/office/drawing/2010/main" w="9525">
+                <a:solidFill>
+                  <a:schemeClr val="tx1"/>
+                </a:solidFill>
+                <a:miter lim="800000"/>
+                <a:headEnd/>
+                <a:tailEnd/>
+              </a14:hiddenLine>
+            </a:ext>
+            <a:ext uri="{AF507438-7753-43E0-B8FC-AC1667EBCBE1}">
+              <a14:hiddenEffects xmlns:a14="http://schemas.microsoft.com/office/drawing/2010/main">
+                <a:effectLst>
+                  <a:outerShdw dist="35921" dir="2700000" algn="ctr" rotWithShape="0">
+                    <a:schemeClr val="bg2"/>
+                  </a:outerShdw>
+                </a:effectLst>
+              </a14:hiddenEffects>
+            </a:ext>
+          </a:extLst>
+        </p:spPr>
+        <p:txBody>
+          <a:bodyPr vert="horz" wrap="none" lIns="91440" tIns="45720" rIns="91440" bIns="45720" numCol="1" anchor="ctr" anchorCtr="0" compatLnSpc="1">
+            <a:prstTxWarp prst="textNoShape">
+              <a:avLst/>
+            </a:prstTxWarp>
+            <a:spAutoFit/>
+          </a:bodyPr>
+          <a:lstStyle/>
+          <a:p>
+            <a:endParaRPr lang="en-US"/>
+          </a:p>
+        </p:txBody>
+      </p:sp>
+      <p:graphicFrame>
+        <p:nvGraphicFramePr>
+          <p:cNvPr id="6" name="Object 5"/>
+          <p:cNvGraphicFramePr>
+            <a:graphicFrameLocks noChangeAspect="1"/>
+          </p:cNvGraphicFramePr>
+          <p:nvPr/>
+        </p:nvGraphicFramePr>
+        <p:xfrm>
+          <a:off x="1431925" y="2193925"/>
+          <a:ext cx="2852738" cy="690563"/>
+        </p:xfrm>
+        <a:graphic>
+          <a:graphicData uri="http://schemas.openxmlformats.org/presentationml/2006/ole">
+            <mc:AlternateContent xmlns:mc="http://schemas.openxmlformats.org/markup-compatibility/2006">
+              <mc:Choice xmlns:v="urn:schemas-microsoft-com:vml" Requires="v">
+                <p:oleObj name="Equation" r:id="rId2" imgW="1612800" imgH="393480" progId="Equation.3">
+                  <p:embed/>
+                </p:oleObj>
+              </mc:Choice>
+              <mc:Fallback>
+                <p:oleObj name="Equation" r:id="rId2" imgW="1612800" imgH="393480" progId="Equation.3">
+                  <p:embed/>
+                  <p:pic>
+                    <p:nvPicPr>
+                      <p:cNvPr id="6" name="Object 5"/>
+                      <p:cNvPicPr>
+                        <a:picLocks noChangeAspect="1" noChangeArrowheads="1"/>
+                      </p:cNvPicPr>
+                      <p:nvPr/>
+                    </p:nvPicPr>
+                    <p:blipFill>
+                      <a:blip r:embed="rId3"/>
+                      <a:srcRect/>
+                      <a:stretch>
+                        <a:fillRect/>
+                      </a:stretch>
+                    </p:blipFill>
+                    <p:spPr bwMode="auto">
+                      <a:xfrm>
+                        <a:off x="1431925" y="2193925"/>
+                        <a:ext cx="2852738" cy="690563"/>
+                      </a:xfrm>
+                      <a:prstGeom prst="rect">
+                        <a:avLst/>
+                      </a:prstGeom>
+                      <a:noFill/>
+                    </p:spPr>
+                  </p:pic>
+                </p:oleObj>
+              </mc:Fallback>
+            </mc:AlternateContent>
+          </a:graphicData>
+        </a:graphic>
+      </p:graphicFrame>
+      <p:sp>
+        <p:nvSpPr>
+          <p:cNvPr id="7" name="Rectangle 4"/>
+          <p:cNvSpPr>
+            <a:spLocks noChangeArrowheads="1"/>
+          </p:cNvSpPr>
+          <p:nvPr/>
+        </p:nvSpPr>
+        <p:spPr bwMode="auto">
+          <a:xfrm>
+            <a:off x="0" y="0"/>
+            <a:ext cx="9144000" cy="0"/>
+          </a:xfrm>
+          <a:prstGeom prst="rect">
+            <a:avLst/>
+          </a:prstGeom>
+          <a:noFill/>
+          <a:ln>
+            <a:noFill/>
+          </a:ln>
+          <a:effectLst/>
+          <a:extLst>
+            <a:ext uri="{909E8E84-426E-40DD-AFC4-6F175D3DCCD1}">
+              <a14:hiddenFill xmlns:a14="http://schemas.microsoft.com/office/drawing/2010/main">
+                <a:solidFill>
+                  <a:schemeClr val="accent1"/>
+                </a:solidFill>
+              </a14:hiddenFill>
+            </a:ext>
+            <a:ext uri="{91240B29-F687-4F45-9708-019B960494DF}">
+              <a14:hiddenLine xmlns:a14="http://schemas.microsoft.com/office/drawing/2010/main" w="9525">
+                <a:solidFill>
+                  <a:schemeClr val="tx1"/>
+                </a:solidFill>
+                <a:miter lim="800000"/>
+                <a:headEnd/>
+                <a:tailEnd/>
+              </a14:hiddenLine>
+            </a:ext>
+            <a:ext uri="{AF507438-7753-43E0-B8FC-AC1667EBCBE1}">
+              <a14:hiddenEffects xmlns:a14="http://schemas.microsoft.com/office/drawing/2010/main">
+                <a:effectLst>
+                  <a:outerShdw dist="35921" dir="2700000" algn="ctr" rotWithShape="0">
+                    <a:schemeClr val="bg2"/>
+                  </a:outerShdw>
+                </a:effectLst>
+              </a14:hiddenEffects>
+            </a:ext>
+          </a:extLst>
+        </p:spPr>
+        <p:txBody>
+          <a:bodyPr vert="horz" wrap="none" lIns="91440" tIns="45720" rIns="91440" bIns="45720" numCol="1" anchor="ctr" anchorCtr="0" compatLnSpc="1">
+            <a:prstTxWarp prst="textNoShape">
+              <a:avLst/>
+            </a:prstTxWarp>
+            <a:spAutoFit/>
+          </a:bodyPr>
+          <a:lstStyle/>
+          <a:p>
+            <a:endParaRPr lang="en-US"/>
+          </a:p>
+        </p:txBody>
+      </p:sp>
+      <p:graphicFrame>
+        <p:nvGraphicFramePr>
+          <p:cNvPr id="8" name="Object 7"/>
+          <p:cNvGraphicFramePr>
+            <a:graphicFrameLocks noChangeAspect="1"/>
+          </p:cNvGraphicFramePr>
+          <p:nvPr/>
+        </p:nvGraphicFramePr>
+        <p:xfrm>
+          <a:off x="1400175" y="3260725"/>
+          <a:ext cx="1336675" cy="450850"/>
+        </p:xfrm>
+        <a:graphic>
+          <a:graphicData uri="http://schemas.openxmlformats.org/presentationml/2006/ole">
+            <mc:AlternateContent xmlns:mc="http://schemas.openxmlformats.org/markup-compatibility/2006">
+              <mc:Choice xmlns:v="urn:schemas-microsoft-com:vml" Requires="v">
+                <p:oleObj name="Equation" r:id="rId4" imgW="723600" imgH="241200" progId="Equation.3">
+                  <p:embed/>
+                </p:oleObj>
+              </mc:Choice>
+              <mc:Fallback>
+                <p:oleObj name="Equation" r:id="rId4" imgW="723600" imgH="241200" progId="Equation.3">
+                  <p:embed/>
+                  <p:pic>
+                    <p:nvPicPr>
+                      <p:cNvPr id="8" name="Object 7"/>
+                      <p:cNvPicPr>
+                        <a:picLocks noChangeAspect="1" noChangeArrowheads="1"/>
+                      </p:cNvPicPr>
+                      <p:nvPr/>
+                    </p:nvPicPr>
+                    <p:blipFill>
+                      <a:blip r:embed="rId5"/>
+                      <a:srcRect/>
+                      <a:stretch>
+                        <a:fillRect/>
+                      </a:stretch>
+                    </p:blipFill>
+                    <p:spPr bwMode="auto">
+                      <a:xfrm>
+                        <a:off x="1400175" y="3260725"/>
+                        <a:ext cx="1336675" cy="450850"/>
+                      </a:xfrm>
+                      <a:prstGeom prst="rect">
+                        <a:avLst/>
+                      </a:prstGeom>
+                      <a:noFill/>
+                    </p:spPr>
+                  </p:pic>
+                </p:oleObj>
+              </mc:Fallback>
+            </mc:AlternateContent>
+          </a:graphicData>
+        </a:graphic>
+      </p:graphicFrame>
+      <p:graphicFrame>
+        <p:nvGraphicFramePr>
+          <p:cNvPr id="9" name="Object 8"/>
+          <p:cNvGraphicFramePr>
+            <a:graphicFrameLocks noChangeAspect="1"/>
+          </p:cNvGraphicFramePr>
+          <p:nvPr/>
+        </p:nvGraphicFramePr>
+        <p:xfrm>
+          <a:off x="1354138" y="5205413"/>
+          <a:ext cx="1595437" cy="806450"/>
+        </p:xfrm>
+        <a:graphic>
+          <a:graphicData uri="http://schemas.openxmlformats.org/presentationml/2006/ole">
+            <mc:AlternateContent xmlns:mc="http://schemas.openxmlformats.org/markup-compatibility/2006">
+              <mc:Choice xmlns:v="urn:schemas-microsoft-com:vml" Requires="v">
+                <p:oleObj name="Equation" r:id="rId6" imgW="863280" imgH="431640" progId="Equation.3">
+                  <p:embed/>
+                </p:oleObj>
+              </mc:Choice>
+              <mc:Fallback>
+                <p:oleObj name="Equation" r:id="rId6" imgW="863280" imgH="431640" progId="Equation.3">
+                  <p:embed/>
+                  <p:pic>
+                    <p:nvPicPr>
+                      <p:cNvPr id="9" name="Object 8"/>
+                      <p:cNvPicPr>
+                        <a:picLocks noChangeAspect="1" noChangeArrowheads="1"/>
+                      </p:cNvPicPr>
+                      <p:nvPr/>
+                    </p:nvPicPr>
+                    <p:blipFill>
+                      <a:blip r:embed="rId7"/>
+                      <a:srcRect/>
+                      <a:stretch>
+                        <a:fillRect/>
+                      </a:stretch>
+                    </p:blipFill>
+                    <p:spPr bwMode="auto">
+                      <a:xfrm>
+                        <a:off x="1354138" y="5205413"/>
+                        <a:ext cx="1595437" cy="806450"/>
+                      </a:xfrm>
+                      <a:prstGeom prst="rect">
+                        <a:avLst/>
+                      </a:prstGeom>
+                      <a:noFill/>
+                      <a:ln>
+                        <a:noFill/>
+                      </a:ln>
+                      <a:extLst>
+                        <a:ext uri="{909E8E84-426E-40DD-AFC4-6F175D3DCCD1}">
+                          <a14:hiddenFill xmlns:a14="http://schemas.microsoft.com/office/drawing/2010/main">
+                            <a:solidFill>
+                              <a:srgbClr val="FFFFFF"/>
+                            </a:solidFill>
+                          </a14:hiddenFill>
+                        </a:ext>
+                        <a:ext uri="{91240B29-F687-4F45-9708-019B960494DF}">
+                          <a14:hiddenLine xmlns:a14="http://schemas.microsoft.com/office/drawing/2010/main" w="9525">
+                            <a:solidFill>
+                              <a:srgbClr val="000000"/>
+                            </a:solidFill>
+                            <a:miter lim="800000"/>
+                            <a:headEnd/>
+                            <a:tailEnd/>
+                          </a14:hiddenLine>
+                        </a:ext>
+                      </a:extLst>
+                    </p:spPr>
+                  </p:pic>
+                </p:oleObj>
+              </mc:Fallback>
+            </mc:AlternateContent>
+          </a:graphicData>
+        </a:graphic>
+      </p:graphicFrame>
+      <p:sp>
+        <p:nvSpPr>
+          <p:cNvPr id="10" name="Rectangle 8"/>
+          <p:cNvSpPr>
+            <a:spLocks noChangeArrowheads="1"/>
+          </p:cNvSpPr>
+          <p:nvPr/>
+        </p:nvSpPr>
+        <p:spPr bwMode="auto">
+          <a:xfrm>
+            <a:off x="0" y="0"/>
+            <a:ext cx="9144000" cy="0"/>
+          </a:xfrm>
+          <a:prstGeom prst="rect">
+            <a:avLst/>
+          </a:prstGeom>
+          <a:noFill/>
+          <a:ln>
+            <a:noFill/>
+          </a:ln>
+          <a:effectLst/>
+          <a:extLst>
+            <a:ext uri="{909E8E84-426E-40DD-AFC4-6F175D3DCCD1}">
+              <a14:hiddenFill xmlns:a14="http://schemas.microsoft.com/office/drawing/2010/main">
+                <a:solidFill>
+                  <a:schemeClr val="accent1"/>
+                </a:solidFill>
+              </a14:hiddenFill>
+            </a:ext>
+            <a:ext uri="{91240B29-F687-4F45-9708-019B960494DF}">
+              <a14:hiddenLine xmlns:a14="http://schemas.microsoft.com/office/drawing/2010/main" w="9525">
+                <a:solidFill>
+                  <a:schemeClr val="tx1"/>
+                </a:solidFill>
+                <a:miter lim="800000"/>
+                <a:headEnd/>
+                <a:tailEnd/>
+              </a14:hiddenLine>
+            </a:ext>
+            <a:ext uri="{AF507438-7753-43E0-B8FC-AC1667EBCBE1}">
+              <a14:hiddenEffects xmlns:a14="http://schemas.microsoft.com/office/drawing/2010/main">
+                <a:effectLst>
+                  <a:outerShdw dist="35921" dir="2700000" algn="ctr" rotWithShape="0">
+                    <a:schemeClr val="bg2"/>
+                  </a:outerShdw>
+                </a:effectLst>
+              </a14:hiddenEffects>
+            </a:ext>
+          </a:extLst>
+        </p:spPr>
+        <p:txBody>
+          <a:bodyPr vert="horz" wrap="none" lIns="91440" tIns="45720" rIns="91440" bIns="45720" numCol="1" anchor="ctr" anchorCtr="0" compatLnSpc="1">
+            <a:prstTxWarp prst="textNoShape">
+              <a:avLst/>
+            </a:prstTxWarp>
+            <a:spAutoFit/>
+          </a:bodyPr>
+          <a:lstStyle/>
+          <a:p>
+            <a:endParaRPr lang="en-US"/>
+          </a:p>
+        </p:txBody>
+      </p:sp>
+      <p:graphicFrame>
+        <p:nvGraphicFramePr>
+          <p:cNvPr id="11" name="Object 10"/>
+          <p:cNvGraphicFramePr>
+            <a:graphicFrameLocks noChangeAspect="1"/>
+          </p:cNvGraphicFramePr>
+          <p:nvPr/>
+        </p:nvGraphicFramePr>
+        <p:xfrm>
+          <a:off x="1371600" y="4247535"/>
+          <a:ext cx="1849658" cy="576775"/>
+        </p:xfrm>
+        <a:graphic>
+          <a:graphicData uri="http://schemas.openxmlformats.org/presentationml/2006/ole">
+            <mc:AlternateContent xmlns:mc="http://schemas.openxmlformats.org/markup-compatibility/2006">
+              <mc:Choice xmlns:v="urn:schemas-microsoft-com:vml" Requires="v">
+                <p:oleObj name="Equation" r:id="rId8" imgW="889000" imgH="279400" progId="Equation.3">
+                  <p:embed/>
+                </p:oleObj>
+              </mc:Choice>
+              <mc:Fallback>
+                <p:oleObj name="Equation" r:id="rId8" imgW="889000" imgH="279400" progId="Equation.3">
+                  <p:embed/>
+                  <p:pic>
+                    <p:nvPicPr>
+                      <p:cNvPr id="11" name="Object 10"/>
+                      <p:cNvPicPr>
+                        <a:picLocks noChangeAspect="1" noChangeArrowheads="1"/>
+                      </p:cNvPicPr>
+                      <p:nvPr/>
+                    </p:nvPicPr>
+                    <p:blipFill>
+                      <a:blip r:embed="rId9">
+                        <a:extLst>
+                          <a:ext uri="{28A0092B-C50C-407E-A947-70E740481C1C}">
+                            <a14:useLocalDpi xmlns:a14="http://schemas.microsoft.com/office/drawing/2010/main" val="0"/>
+                          </a:ext>
+                        </a:extLst>
+                      </a:blip>
+                      <a:srcRect/>
+                      <a:stretch>
+                        <a:fillRect/>
+                      </a:stretch>
+                    </p:blipFill>
+                    <p:spPr bwMode="auto">
+                      <a:xfrm>
+                        <a:off x="1371600" y="4247535"/>
+                        <a:ext cx="1849658" cy="576775"/>
+                      </a:xfrm>
+                      <a:prstGeom prst="rect">
+                        <a:avLst/>
+                      </a:prstGeom>
+                      <a:noFill/>
+                    </p:spPr>
+                  </p:pic>
+                </p:oleObj>
+              </mc:Fallback>
+            </mc:AlternateContent>
+          </a:graphicData>
+        </a:graphic>
+      </p:graphicFrame>
+    </p:spTree>
+    <p:extLst>
+      <p:ext uri="{BB962C8B-B14F-4D97-AF65-F5344CB8AC3E}">
+        <p14:creationId xmlns:p14="http://schemas.microsoft.com/office/powerpoint/2010/main" val="1806586332"/>
+      </p:ext>
+    </p:extLst>
+  </p:cSld>
+  <p:clrMapOvr>
+    <a:masterClrMapping/>
+  </p:clrMapOvr>
+</p:sld>
+</file>
+
+<file path=ppt/slides/slide6.xml><?xml version="1.0" encoding="utf-8"?>
+<p:sld xmlns:a="http://schemas.openxmlformats.org/drawingml/2006/main" xmlns:r="http://schemas.openxmlformats.org/officeDocument/2006/relationships" xmlns:p="http://schemas.openxmlformats.org/presentationml/2006/main">
+  <p:cSld>
+    <p:spTree>
+      <p:nvGrpSpPr>
+        <p:cNvPr id="1" name=""/>
+        <p:cNvGrpSpPr/>
+        <p:nvPr/>
+      </p:nvGrpSpPr>
+      <p:grpSpPr>
+        <a:xfrm>
+          <a:off x="0" y="0"/>
+          <a:ext cx="0" cy="0"/>
+          <a:chOff x="0" y="0"/>
+          <a:chExt cx="0" cy="0"/>
+        </a:xfrm>
+      </p:grpSpPr>
+      <p:pic>
+        <p:nvPicPr>
+          <p:cNvPr id="4098" name="Picture 2"/>
+          <p:cNvPicPr>
+            <a:picLocks noChangeAspect="1" noChangeArrowheads="1"/>
+          </p:cNvPicPr>
+          <p:nvPr/>
+        </p:nvPicPr>
+        <p:blipFill>
+          <a:blip r:embed="rId2" cstate="print"/>
+          <a:srcRect/>
+          <a:stretch>
+            <a:fillRect/>
+          </a:stretch>
+        </p:blipFill>
+        <p:spPr bwMode="auto">
+          <a:xfrm>
+            <a:off x="5312318" y="2752626"/>
+            <a:ext cx="3480533" cy="3480533"/>
+          </a:xfrm>
+          <a:prstGeom prst="rect">
+            <a:avLst/>
+          </a:prstGeom>
+          <a:noFill/>
+          <a:ln w="9525">
+            <a:noFill/>
+            <a:miter lim="800000"/>
+            <a:headEnd/>
+            <a:tailEnd/>
+          </a:ln>
+          <a:effectLst/>
+        </p:spPr>
+      </p:pic>
+      <p:sp>
+        <p:nvSpPr>
+          <p:cNvPr id="2" name="Title 1">
+            <a:extLst>
+              <a:ext uri="{FF2B5EF4-FFF2-40B4-BE49-F238E27FC236}">
+                <a16:creationId xmlns:a16="http://schemas.microsoft.com/office/drawing/2014/main" id="{825D3A78-80DD-EEB8-CFEA-4AD929738598}"/>
+              </a:ext>
+            </a:extLst>
+          </p:cNvPr>
+          <p:cNvSpPr>
+            <a:spLocks noGrp="1"/>
+          </p:cNvSpPr>
+          <p:nvPr>
+            <p:ph type="title"/>
+          </p:nvPr>
+        </p:nvSpPr>
+        <p:spPr/>
+        <p:txBody>
+          <a:bodyPr>
+            <a:normAutofit/>
+          </a:bodyPr>
+          <a:lstStyle/>
+          <a:p>
+            <a:r>
+              <a:rPr lang="en-US" dirty="0"/>
+              <a:t>Question</a:t>
+            </a:r>
+          </a:p>
+        </p:txBody>
+      </p:sp>
+      <p:sp>
+        <p:nvSpPr>
+          <p:cNvPr id="3" name="Content Placeholder 2">
+            <a:extLst>
+              <a:ext uri="{FF2B5EF4-FFF2-40B4-BE49-F238E27FC236}">
+                <a16:creationId xmlns:a16="http://schemas.microsoft.com/office/drawing/2014/main" id="{21646B6A-45F4-E028-EE8F-3A69F4BE7C6E}"/>
+              </a:ext>
+            </a:extLst>
+          </p:cNvPr>
+          <p:cNvSpPr>
+            <a:spLocks noGrp="1"/>
+          </p:cNvSpPr>
+          <p:nvPr>
+            <p:ph idx="1"/>
+          </p:nvPr>
+        </p:nvSpPr>
+        <p:spPr/>
+        <p:txBody>
+          <a:bodyPr/>
+          <a:lstStyle/>
+          <a:p>
+            <a:pPr marL="0" indent="0">
+              <a:buNone/>
+            </a:pPr>
+            <a:r>
+              <a:rPr lang="en-US" dirty="0"/>
+              <a:t>We drew the E and B fields along a path from a source like this:</a:t>
+            </a:r>
+          </a:p>
+          <a:p>
+            <a:pPr marL="0" indent="0">
+              <a:buNone/>
+            </a:pPr>
+            <a:r>
+              <a:rPr lang="en-US" dirty="0"/>
+              <a:t>Is the E-field always vertical </a:t>
+            </a:r>
+          </a:p>
+          <a:p>
+            <a:pPr marL="0" indent="0">
+              <a:buNone/>
+            </a:pPr>
+            <a:r>
+              <a:rPr lang="en-US" dirty="0"/>
+              <a:t>From a light source?</a:t>
+            </a:r>
+          </a:p>
+          <a:p>
+            <a:pPr marL="514350" indent="-514350">
+              <a:buFont typeface="+mj-lt"/>
+              <a:buAutoNum type="alphaLcParenR"/>
+            </a:pPr>
+            <a:r>
+              <a:rPr lang="en-US" dirty="0"/>
+              <a:t>Yes</a:t>
+            </a:r>
+          </a:p>
+          <a:p>
+            <a:pPr marL="514350" indent="-514350">
+              <a:buFont typeface="+mj-lt"/>
+              <a:buAutoNum type="alphaLcParenR"/>
+            </a:pPr>
+            <a:r>
+              <a:rPr lang="en-US" dirty="0"/>
+              <a:t>No</a:t>
+            </a:r>
+          </a:p>
+          <a:p>
+            <a:pPr marL="514350" indent="-514350">
+              <a:buFont typeface="+mj-lt"/>
+              <a:buAutoNum type="alphaLcParenR"/>
+            </a:pPr>
+            <a:r>
+              <a:rPr lang="en-US" dirty="0"/>
+              <a:t>Maybe</a:t>
+            </a:r>
+          </a:p>
+        </p:txBody>
+      </p:sp>
+    </p:spTree>
+  </p:cSld>
+  <p:clrMapOvr>
+    <a:masterClrMapping/>
+  </p:clrMapOvr>
+</p:sld>
+</file>
+
+<file path=ppt/slides/slide7.xml><?xml version="1.0" encoding="utf-8"?>
+<p:sld xmlns:a="http://schemas.openxmlformats.org/drawingml/2006/main" xmlns:r="http://schemas.openxmlformats.org/officeDocument/2006/relationships" xmlns:p="http://schemas.openxmlformats.org/presentationml/2006/main">
+  <p:cSld>
+    <p:spTree>
+      <p:nvGrpSpPr>
+        <p:cNvPr id="1" name=""/>
+        <p:cNvGrpSpPr/>
+        <p:nvPr/>
+      </p:nvGrpSpPr>
+      <p:grpSpPr>
+        <a:xfrm>
+          <a:off x="0" y="0"/>
+          <a:ext cx="0" cy="0"/>
+          <a:chOff x="0" y="0"/>
+          <a:chExt cx="0" cy="0"/>
+        </a:xfrm>
+      </p:grpSpPr>
+      <p:grpSp>
+        <p:nvGrpSpPr>
+          <p:cNvPr id="12" name="Group 11"/>
+          <p:cNvGrpSpPr/>
+          <p:nvPr/>
+        </p:nvGrpSpPr>
+        <p:grpSpPr>
+          <a:xfrm>
+            <a:off x="2712720" y="1524000"/>
+            <a:ext cx="3733800" cy="3733800"/>
+            <a:chOff x="2849880" y="655320"/>
+            <a:chExt cx="3733800" cy="3733800"/>
+          </a:xfrm>
+        </p:grpSpPr>
+        <p:grpSp>
+          <p:nvGrpSpPr>
+            <p:cNvPr id="7" name="Group 6"/>
+            <p:cNvGrpSpPr/>
+            <p:nvPr/>
+          </p:nvGrpSpPr>
+          <p:grpSpPr>
+            <a:xfrm>
+              <a:off x="2849880" y="655320"/>
+              <a:ext cx="3718560" cy="3718560"/>
+              <a:chOff x="2849880" y="655320"/>
+              <a:chExt cx="3718560" cy="3718560"/>
+            </a:xfrm>
+          </p:grpSpPr>
+          <p:cxnSp>
+            <p:nvCxnSpPr>
+              <p:cNvPr id="5" name="Straight Arrow Connector 4"/>
+              <p:cNvCxnSpPr/>
+              <p:nvPr/>
+            </p:nvCxnSpPr>
+            <p:spPr>
+              <a:xfrm>
+                <a:off x="4709160" y="655320"/>
+                <a:ext cx="0" cy="3718560"/>
+              </a:xfrm>
+              <a:prstGeom prst="straightConnector1">
+                <a:avLst/>
+              </a:prstGeom>
+              <a:ln w="38100">
+                <a:solidFill>
+                  <a:srgbClr val="FF0000"/>
+                </a:solidFill>
+                <a:headEnd type="stealth" w="lg" len="lg"/>
+                <a:tailEnd type="stealth" w="lg" len="lg"/>
+              </a:ln>
+            </p:spPr>
+            <p:style>
+              <a:lnRef idx="1">
+                <a:schemeClr val="accent1"/>
+              </a:lnRef>
+              <a:fillRef idx="0">
+                <a:schemeClr val="accent1"/>
+              </a:fillRef>
+              <a:effectRef idx="0">
+                <a:schemeClr val="accent1"/>
+              </a:effectRef>
+              <a:fontRef idx="minor">
+                <a:schemeClr val="tx1"/>
+              </a:fontRef>
+            </p:style>
+          </p:cxnSp>
+          <p:cxnSp>
+            <p:nvCxnSpPr>
+              <p:cNvPr id="6" name="Straight Arrow Connector 5"/>
+              <p:cNvCxnSpPr/>
+              <p:nvPr/>
+            </p:nvCxnSpPr>
+            <p:spPr>
+              <a:xfrm rot="5400000">
+                <a:off x="4709160" y="655320"/>
+                <a:ext cx="0" cy="3718560"/>
+              </a:xfrm>
+              <a:prstGeom prst="straightConnector1">
+                <a:avLst/>
+              </a:prstGeom>
+              <a:ln w="38100">
+                <a:solidFill>
+                  <a:srgbClr val="FF0000"/>
+                </a:solidFill>
+                <a:headEnd type="stealth" w="lg" len="lg"/>
+                <a:tailEnd type="stealth" w="lg" len="lg"/>
+              </a:ln>
+            </p:spPr>
+            <p:style>
+              <a:lnRef idx="1">
+                <a:schemeClr val="accent1"/>
+              </a:lnRef>
+              <a:fillRef idx="0">
+                <a:schemeClr val="accent1"/>
+              </a:fillRef>
+              <a:effectRef idx="0">
+                <a:schemeClr val="accent1"/>
+              </a:effectRef>
+              <a:fontRef idx="minor">
+                <a:schemeClr val="tx1"/>
+              </a:fontRef>
+            </p:style>
+          </p:cxnSp>
+        </p:grpSp>
+        <p:grpSp>
+          <p:nvGrpSpPr>
+            <p:cNvPr id="8" name="Group 7"/>
+            <p:cNvGrpSpPr/>
+            <p:nvPr/>
+          </p:nvGrpSpPr>
+          <p:grpSpPr>
+            <a:xfrm rot="2700000">
+              <a:off x="2865120" y="670560"/>
+              <a:ext cx="3718560" cy="3718560"/>
+              <a:chOff x="2849880" y="655320"/>
+              <a:chExt cx="3718560" cy="3718560"/>
+            </a:xfrm>
+          </p:grpSpPr>
+          <p:cxnSp>
+            <p:nvCxnSpPr>
+              <p:cNvPr id="9" name="Straight Arrow Connector 8"/>
+              <p:cNvCxnSpPr/>
+              <p:nvPr/>
+            </p:nvCxnSpPr>
+            <p:spPr>
+              <a:xfrm>
+                <a:off x="4709160" y="655320"/>
+                <a:ext cx="0" cy="3718560"/>
+              </a:xfrm>
+              <a:prstGeom prst="straightConnector1">
+                <a:avLst/>
+              </a:prstGeom>
+              <a:ln w="38100">
+                <a:solidFill>
+                  <a:srgbClr val="FF0000"/>
+                </a:solidFill>
+                <a:headEnd type="stealth" w="lg" len="lg"/>
+                <a:tailEnd type="stealth" w="lg" len="lg"/>
+              </a:ln>
+            </p:spPr>
+            <p:style>
+              <a:lnRef idx="1">
+                <a:schemeClr val="accent1"/>
+              </a:lnRef>
+              <a:fillRef idx="0">
+                <a:schemeClr val="accent1"/>
+              </a:fillRef>
+              <a:effectRef idx="0">
+                <a:schemeClr val="accent1"/>
+              </a:effectRef>
+              <a:fontRef idx="minor">
+                <a:schemeClr val="tx1"/>
+              </a:fontRef>
+            </p:style>
+          </p:cxnSp>
+          <p:cxnSp>
+            <p:nvCxnSpPr>
+              <p:cNvPr id="10" name="Straight Arrow Connector 9"/>
+              <p:cNvCxnSpPr/>
+              <p:nvPr/>
+            </p:nvCxnSpPr>
+            <p:spPr>
+              <a:xfrm rot="5400000">
+                <a:off x="4709160" y="655320"/>
+                <a:ext cx="0" cy="3718560"/>
+              </a:xfrm>
+              <a:prstGeom prst="straightConnector1">
+                <a:avLst/>
+              </a:prstGeom>
+              <a:ln w="38100">
+                <a:solidFill>
+                  <a:srgbClr val="FF0000"/>
+                </a:solidFill>
+                <a:headEnd type="stealth" w="lg" len="lg"/>
+                <a:tailEnd type="stealth" w="lg" len="lg"/>
+              </a:ln>
+            </p:spPr>
+            <p:style>
+              <a:lnRef idx="1">
+                <a:schemeClr val="accent1"/>
+              </a:lnRef>
+              <a:fillRef idx="0">
+                <a:schemeClr val="accent1"/>
+              </a:fillRef>
+              <a:effectRef idx="0">
+                <a:schemeClr val="accent1"/>
+              </a:effectRef>
+              <a:fontRef idx="minor">
+                <a:schemeClr val="tx1"/>
+              </a:fontRef>
+            </p:style>
+          </p:cxnSp>
+        </p:grpSp>
+      </p:grpSp>
+      <p:sp>
+        <p:nvSpPr>
+          <p:cNvPr id="14" name="TextBox 13"/>
+          <p:cNvSpPr txBox="1"/>
+          <p:nvPr/>
+        </p:nvSpPr>
+        <p:spPr>
+          <a:xfrm>
+            <a:off x="4802778" y="1266372"/>
+            <a:ext cx="410690" cy="646331"/>
+          </a:xfrm>
+          <a:prstGeom prst="rect">
+            <a:avLst/>
+          </a:prstGeom>
+          <a:noFill/>
+        </p:spPr>
+        <p:txBody>
+          <a:bodyPr wrap="none" rtlCol="0">
+            <a:spAutoFit/>
+          </a:bodyPr>
+          <a:lstStyle/>
+          <a:p>
+            <a:r>
+              <a:rPr lang="en-US" sz="3600" dirty="0">
+                <a:solidFill>
+                  <a:srgbClr val="FF0000"/>
+                </a:solidFill>
+              </a:rPr>
+              <a:t>E</a:t>
+            </a:r>
+          </a:p>
+        </p:txBody>
+      </p:sp>
+      <p:grpSp>
+        <p:nvGrpSpPr>
+          <p:cNvPr id="11" name="Group 10"/>
+          <p:cNvGrpSpPr/>
+          <p:nvPr/>
+        </p:nvGrpSpPr>
+        <p:grpSpPr>
+          <a:xfrm rot="1320000">
+            <a:off x="2719980" y="1531260"/>
+            <a:ext cx="3733800" cy="3733800"/>
+            <a:chOff x="2849880" y="655320"/>
+            <a:chExt cx="3733800" cy="3733800"/>
+          </a:xfrm>
+        </p:grpSpPr>
+        <p:grpSp>
+          <p:nvGrpSpPr>
+            <p:cNvPr id="13" name="Group 12"/>
+            <p:cNvGrpSpPr/>
+            <p:nvPr/>
+          </p:nvGrpSpPr>
+          <p:grpSpPr>
+            <a:xfrm>
+              <a:off x="2849880" y="655320"/>
+              <a:ext cx="3718560" cy="3718560"/>
+              <a:chOff x="2849880" y="655320"/>
+              <a:chExt cx="3718560" cy="3718560"/>
+            </a:xfrm>
+          </p:grpSpPr>
+          <p:cxnSp>
+            <p:nvCxnSpPr>
+              <p:cNvPr id="18" name="Straight Arrow Connector 17"/>
+              <p:cNvCxnSpPr/>
+              <p:nvPr/>
+            </p:nvCxnSpPr>
+            <p:spPr>
+              <a:xfrm>
+                <a:off x="4709160" y="655320"/>
+                <a:ext cx="0" cy="3718560"/>
+              </a:xfrm>
+              <a:prstGeom prst="straightConnector1">
+                <a:avLst/>
+              </a:prstGeom>
+              <a:ln w="38100">
+                <a:solidFill>
+                  <a:srgbClr val="FF0000"/>
+                </a:solidFill>
+                <a:headEnd type="stealth" w="lg" len="lg"/>
+                <a:tailEnd type="stealth" w="lg" len="lg"/>
+              </a:ln>
+            </p:spPr>
+            <p:style>
+              <a:lnRef idx="1">
+                <a:schemeClr val="accent1"/>
+              </a:lnRef>
+              <a:fillRef idx="0">
+                <a:schemeClr val="accent1"/>
+              </a:fillRef>
+              <a:effectRef idx="0">
+                <a:schemeClr val="accent1"/>
+              </a:effectRef>
+              <a:fontRef idx="minor">
+                <a:schemeClr val="tx1"/>
+              </a:fontRef>
+            </p:style>
+          </p:cxnSp>
+          <p:cxnSp>
+            <p:nvCxnSpPr>
+              <p:cNvPr id="19" name="Straight Arrow Connector 18"/>
+              <p:cNvCxnSpPr/>
+              <p:nvPr/>
+            </p:nvCxnSpPr>
+            <p:spPr>
+              <a:xfrm rot="5400000">
+                <a:off x="4709160" y="655320"/>
+                <a:ext cx="0" cy="3718560"/>
+              </a:xfrm>
+              <a:prstGeom prst="straightConnector1">
+                <a:avLst/>
+              </a:prstGeom>
+              <a:ln w="38100">
+                <a:solidFill>
+                  <a:srgbClr val="FF0000"/>
+                </a:solidFill>
+                <a:headEnd type="stealth" w="lg" len="lg"/>
+                <a:tailEnd type="stealth" w="lg" len="lg"/>
+              </a:ln>
+            </p:spPr>
+            <p:style>
+              <a:lnRef idx="1">
+                <a:schemeClr val="accent1"/>
+              </a:lnRef>
+              <a:fillRef idx="0">
+                <a:schemeClr val="accent1"/>
+              </a:fillRef>
+              <a:effectRef idx="0">
+                <a:schemeClr val="accent1"/>
+              </a:effectRef>
+              <a:fontRef idx="minor">
+                <a:schemeClr val="tx1"/>
+              </a:fontRef>
+            </p:style>
+          </p:cxnSp>
+        </p:grpSp>
+        <p:grpSp>
+          <p:nvGrpSpPr>
+            <p:cNvPr id="15" name="Group 14"/>
+            <p:cNvGrpSpPr/>
+            <p:nvPr/>
+          </p:nvGrpSpPr>
+          <p:grpSpPr>
+            <a:xfrm rot="2700000">
+              <a:off x="2865120" y="670560"/>
+              <a:ext cx="3718560" cy="3718560"/>
+              <a:chOff x="2849880" y="655320"/>
+              <a:chExt cx="3718560" cy="3718560"/>
+            </a:xfrm>
+          </p:grpSpPr>
+          <p:cxnSp>
+            <p:nvCxnSpPr>
+              <p:cNvPr id="16" name="Straight Arrow Connector 15"/>
+              <p:cNvCxnSpPr/>
+              <p:nvPr/>
+            </p:nvCxnSpPr>
+            <p:spPr>
+              <a:xfrm>
+                <a:off x="4709160" y="655320"/>
+                <a:ext cx="0" cy="3718560"/>
+              </a:xfrm>
+              <a:prstGeom prst="straightConnector1">
+                <a:avLst/>
+              </a:prstGeom>
+              <a:ln w="38100">
+                <a:solidFill>
+                  <a:srgbClr val="FF0000"/>
+                </a:solidFill>
+                <a:headEnd type="stealth" w="lg" len="lg"/>
+                <a:tailEnd type="stealth" w="lg" len="lg"/>
+              </a:ln>
+            </p:spPr>
+            <p:style>
+              <a:lnRef idx="1">
+                <a:schemeClr val="accent1"/>
+              </a:lnRef>
+              <a:fillRef idx="0">
+                <a:schemeClr val="accent1"/>
+              </a:fillRef>
+              <a:effectRef idx="0">
+                <a:schemeClr val="accent1"/>
+              </a:effectRef>
+              <a:fontRef idx="minor">
+                <a:schemeClr val="tx1"/>
+              </a:fontRef>
+            </p:style>
+          </p:cxnSp>
+          <p:cxnSp>
+            <p:nvCxnSpPr>
+              <p:cNvPr id="17" name="Straight Arrow Connector 16"/>
+              <p:cNvCxnSpPr/>
+              <p:nvPr/>
+            </p:nvCxnSpPr>
+            <p:spPr>
+              <a:xfrm rot="5400000">
+                <a:off x="4709160" y="655320"/>
+                <a:ext cx="0" cy="3718560"/>
+              </a:xfrm>
+              <a:prstGeom prst="straightConnector1">
+                <a:avLst/>
+              </a:prstGeom>
+              <a:ln w="38100">
+                <a:solidFill>
+                  <a:srgbClr val="FF0000"/>
+                </a:solidFill>
+                <a:headEnd type="stealth" w="lg" len="lg"/>
+                <a:tailEnd type="stealth" w="lg" len="lg"/>
+              </a:ln>
+            </p:spPr>
+            <p:style>
+              <a:lnRef idx="1">
+                <a:schemeClr val="accent1"/>
+              </a:lnRef>
+              <a:fillRef idx="0">
+                <a:schemeClr val="accent1"/>
+              </a:fillRef>
+              <a:effectRef idx="0">
+                <a:schemeClr val="accent1"/>
+              </a:effectRef>
+              <a:fontRef idx="minor">
+                <a:schemeClr val="tx1"/>
+              </a:fontRef>
+            </p:style>
+          </p:cxnSp>
+        </p:grpSp>
+      </p:grpSp>
+    </p:spTree>
+  </p:cSld>
+  <p:clrMapOvr>
+    <a:masterClrMapping/>
+  </p:clrMapOvr>
+</p:sld>
+</file>
+
+<file path=ppt/slides/slide8.xml><?xml version="1.0" encoding="utf-8"?>
+<p:sld xmlns:a="http://schemas.openxmlformats.org/drawingml/2006/main" xmlns:r="http://schemas.openxmlformats.org/officeDocument/2006/relationships" xmlns:p="http://schemas.openxmlformats.org/presentationml/2006/main">
+  <p:cSld>
+    <p:spTree>
+      <p:nvGrpSpPr>
+        <p:cNvPr id="1" name=""/>
+        <p:cNvGrpSpPr/>
+        <p:nvPr/>
+      </p:nvGrpSpPr>
+      <p:grpSpPr>
+        <a:xfrm>
+          <a:off x="0" y="0"/>
+          <a:ext cx="0" cy="0"/>
+          <a:chOff x="0" y="0"/>
+          <a:chExt cx="0" cy="0"/>
+        </a:xfrm>
+      </p:grpSpPr>
+      <p:cxnSp>
+        <p:nvCxnSpPr>
+          <p:cNvPr id="5" name="Straight Arrow Connector 4"/>
+          <p:cNvCxnSpPr/>
+          <p:nvPr/>
+        </p:nvCxnSpPr>
+        <p:spPr>
+          <a:xfrm>
+            <a:off x="4572000" y="1524000"/>
+            <a:ext cx="0" cy="3718560"/>
+          </a:xfrm>
+          <a:prstGeom prst="straightConnector1">
+            <a:avLst/>
+          </a:prstGeom>
+          <a:ln w="38100">
+            <a:solidFill>
+              <a:srgbClr val="FF0000"/>
+            </a:solidFill>
+            <a:headEnd type="stealth" w="lg" len="lg"/>
+            <a:tailEnd type="stealth" w="lg" len="lg"/>
+          </a:ln>
+        </p:spPr>
+        <p:style>
+          <a:lnRef idx="1">
+            <a:schemeClr val="accent1"/>
+          </a:lnRef>
+          <a:fillRef idx="0">
+            <a:schemeClr val="accent1"/>
+          </a:fillRef>
+          <a:effectRef idx="0">
+            <a:schemeClr val="accent1"/>
+          </a:effectRef>
+          <a:fontRef idx="minor">
+            <a:schemeClr val="tx1"/>
+          </a:fontRef>
+        </p:style>
+      </p:cxnSp>
+      <p:sp>
+        <p:nvSpPr>
+          <p:cNvPr id="14" name="TextBox 13"/>
+          <p:cNvSpPr txBox="1"/>
+          <p:nvPr/>
+        </p:nvSpPr>
+        <p:spPr>
+          <a:xfrm>
+            <a:off x="4770120" y="1325880"/>
+            <a:ext cx="410690" cy="646331"/>
+          </a:xfrm>
+          <a:prstGeom prst="rect">
+            <a:avLst/>
+          </a:prstGeom>
+          <a:noFill/>
+        </p:spPr>
+        <p:txBody>
+          <a:bodyPr wrap="none" rtlCol="0">
+            <a:spAutoFit/>
+          </a:bodyPr>
+          <a:lstStyle/>
+          <a:p>
+            <a:r>
+              <a:rPr lang="en-US" sz="3600" dirty="0">
+                <a:solidFill>
+                  <a:srgbClr val="FF0000"/>
+                </a:solidFill>
+              </a:rPr>
+              <a:t>E</a:t>
+            </a:r>
+          </a:p>
+        </p:txBody>
+      </p:sp>
+    </p:spTree>
+  </p:cSld>
+  <p:clrMapOvr>
+    <a:masterClrMapping/>
+  </p:clrMapOvr>
 </p:sld>
 </file>
 
@@ -9731,165 +13476,197 @@
       </p:grpSpPr>
       <p:sp>
         <p:nvSpPr>
-          <p:cNvPr id="28674" name="Footer Placeholder 4"/>
+          <p:cNvPr id="2" name="Title 1">
+            <a:extLst>
+              <a:ext uri="{FF2B5EF4-FFF2-40B4-BE49-F238E27FC236}">
+                <a16:creationId xmlns:a16="http://schemas.microsoft.com/office/drawing/2014/main" id="{825D3A78-80DD-EEB8-CFEA-4AD929738598}"/>
+              </a:ext>
+            </a:extLst>
+          </p:cNvPr>
           <p:cNvSpPr>
             <a:spLocks noGrp="1"/>
           </p:cNvSpPr>
           <p:nvPr>
-            <p:ph type="ftr" sz="quarter" idx="11"/>
+            <p:ph type="title"/>
           </p:nvPr>
         </p:nvSpPr>
+        <p:spPr/>
+        <p:txBody>
+          <a:bodyPr>
+            <a:normAutofit/>
+          </a:bodyPr>
+          <a:lstStyle/>
+          <a:p>
+            <a:r>
+              <a:rPr lang="en-US" dirty="0"/>
+              <a:t>Question</a:t>
+            </a:r>
+          </a:p>
+        </p:txBody>
+      </p:sp>
+      <p:sp>
+        <p:nvSpPr>
+          <p:cNvPr id="3" name="Content Placeholder 2">
+            <a:extLst>
+              <a:ext uri="{FF2B5EF4-FFF2-40B4-BE49-F238E27FC236}">
+                <a16:creationId xmlns:a16="http://schemas.microsoft.com/office/drawing/2014/main" id="{21646B6A-45F4-E028-EE8F-3A69F4BE7C6E}"/>
+              </a:ext>
+            </a:extLst>
+          </p:cNvPr>
+          <p:cNvSpPr>
+            <a:spLocks noGrp="1"/>
+          </p:cNvSpPr>
+          <p:nvPr>
+            <p:ph idx="1"/>
+          </p:nvPr>
+        </p:nvSpPr>
+        <p:spPr/>
+        <p:txBody>
+          <a:bodyPr/>
+          <a:lstStyle/>
+          <a:p>
+            <a:pPr marL="0" indent="0">
+              <a:buNone/>
+            </a:pPr>
+            <a:r>
+              <a:rPr lang="en-US" dirty="0"/>
+              <a:t>What do we call a light wave that has an E-filed that oscillates in just one direction?</a:t>
+            </a:r>
+          </a:p>
+          <a:p>
+            <a:pPr marL="514350" indent="-514350">
+              <a:buFont typeface="+mj-lt"/>
+              <a:buAutoNum type="alphaLcParenR"/>
+            </a:pPr>
+            <a:r>
+              <a:rPr lang="en-US" dirty="0"/>
+              <a:t>Confined</a:t>
+            </a:r>
+          </a:p>
+          <a:p>
+            <a:pPr marL="514350" indent="-514350">
+              <a:buFont typeface="+mj-lt"/>
+              <a:buAutoNum type="alphaLcParenR"/>
+            </a:pPr>
+            <a:r>
+              <a:rPr lang="en-US" dirty="0"/>
+              <a:t>Polarized</a:t>
+            </a:r>
+          </a:p>
+          <a:p>
+            <a:pPr marL="514350" indent="-514350">
+              <a:buFont typeface="+mj-lt"/>
+              <a:buAutoNum type="alphaLcParenR"/>
+            </a:pPr>
+            <a:r>
+              <a:rPr lang="en-US" dirty="0"/>
+              <a:t>Linear</a:t>
+            </a:r>
+          </a:p>
+          <a:p>
+            <a:pPr marL="514350" indent="-514350">
+              <a:buFont typeface="+mj-lt"/>
+              <a:buAutoNum type="alphaLcParenR"/>
+            </a:pPr>
+            <a:r>
+              <a:rPr lang="en-US" dirty="0"/>
+              <a:t>Confocal</a:t>
+            </a:r>
+          </a:p>
+        </p:txBody>
+      </p:sp>
+      <p:cxnSp>
+        <p:nvCxnSpPr>
+          <p:cNvPr id="4" name="Straight Arrow Connector 3">
+            <a:extLst>
+              <a:ext uri="{FF2B5EF4-FFF2-40B4-BE49-F238E27FC236}">
+                <a16:creationId xmlns:a16="http://schemas.microsoft.com/office/drawing/2014/main" id="{AB2260C7-0276-4B64-61DC-7905392B5EE4}"/>
+              </a:ext>
+            </a:extLst>
+          </p:cNvPr>
+          <p:cNvCxnSpPr/>
+          <p:nvPr/>
+        </p:nvCxnSpPr>
         <p:spPr>
+          <a:xfrm>
+            <a:off x="7654565" y="2590165"/>
+            <a:ext cx="0" cy="3718560"/>
+          </a:xfrm>
+          <a:prstGeom prst="straightConnector1">
+            <a:avLst/>
+          </a:prstGeom>
+          <a:ln w="38100">
+            <a:solidFill>
+              <a:srgbClr val="FF0000"/>
+            </a:solidFill>
+            <a:headEnd type="stealth" w="lg" len="lg"/>
+            <a:tailEnd type="stealth" w="lg" len="lg"/>
+          </a:ln>
+        </p:spPr>
+        <p:style>
+          <a:lnRef idx="1">
+            <a:schemeClr val="accent1"/>
+          </a:lnRef>
+          <a:fillRef idx="0">
+            <a:schemeClr val="accent1"/>
+          </a:fillRef>
+          <a:effectRef idx="0">
+            <a:schemeClr val="accent1"/>
+          </a:effectRef>
+          <a:fontRef idx="minor">
+            <a:schemeClr val="tx1"/>
+          </a:fontRef>
+        </p:style>
+      </p:cxnSp>
+      <p:sp>
+        <p:nvSpPr>
+          <p:cNvPr id="5" name="TextBox 4">
+            <a:extLst>
+              <a:ext uri="{FF2B5EF4-FFF2-40B4-BE49-F238E27FC236}">
+                <a16:creationId xmlns:a16="http://schemas.microsoft.com/office/drawing/2014/main" id="{75EB5AA9-780B-1CE3-7AD3-C54E9618F880}"/>
+              </a:ext>
+            </a:extLst>
+          </p:cNvPr>
+          <p:cNvSpPr txBox="1"/>
+          <p:nvPr/>
+        </p:nvSpPr>
+        <p:spPr>
+          <a:xfrm>
+            <a:off x="7852685" y="2392045"/>
+            <a:ext cx="410690" cy="646331"/>
+          </a:xfrm>
+          <a:prstGeom prst="rect">
+            <a:avLst/>
+          </a:prstGeom>
           <a:noFill/>
         </p:spPr>
         <p:txBody>
-          <a:bodyPr/>
+          <a:bodyPr wrap="none" rtlCol="0">
+            <a:spAutoFit/>
+          </a:bodyPr>
           <a:lstStyle/>
           <a:p>
             <a:r>
-              <a:rPr lang="en-US"/>
-              <a:t>R. Todd Lines</a:t>
-            </a:r>
-          </a:p>
-        </p:txBody>
-      </p:sp>
-      <p:sp>
-        <p:nvSpPr>
-          <p:cNvPr id="28675" name="Rectangle 2"/>
-          <p:cNvSpPr>
-            <a:spLocks noGrp="1" noChangeArrowheads="1"/>
-          </p:cNvSpPr>
-          <p:nvPr>
-            <p:ph type="title"/>
-          </p:nvPr>
-        </p:nvSpPr>
-        <p:spPr>
-          <a:xfrm>
-            <a:off x="1193800" y="0"/>
-            <a:ext cx="7754938" cy="1143000"/>
-          </a:xfrm>
-        </p:spPr>
-        <p:txBody>
-          <a:bodyPr/>
-          <a:lstStyle/>
-          <a:p>
-            <a:pPr eaLnBrk="1" hangingPunct="1"/>
-            <a:r>
-              <a:rPr lang="en-US" sz="3200" smtClean="0"/>
-              <a:t>Polarization by Double Refraction, Rays</a:t>
-            </a:r>
-          </a:p>
-        </p:txBody>
-      </p:sp>
-      <p:sp>
-        <p:nvSpPr>
-          <p:cNvPr id="28676" name="Rectangle 3"/>
-          <p:cNvSpPr>
-            <a:spLocks noGrp="1" noChangeArrowheads="1"/>
-          </p:cNvSpPr>
-          <p:nvPr>
-            <p:ph type="body" idx="1"/>
-          </p:nvPr>
-        </p:nvSpPr>
-        <p:spPr/>
-        <p:txBody>
-          <a:bodyPr/>
-          <a:lstStyle/>
-          <a:p>
-            <a:pPr eaLnBrk="1" hangingPunct="1">
-              <a:lnSpc>
-                <a:spcPct val="90000"/>
-              </a:lnSpc>
-            </a:pPr>
-            <a:r>
-              <a:rPr lang="en-US" smtClean="0"/>
-              <a:t>The </a:t>
-            </a:r>
-            <a:r>
-              <a:rPr lang="en-US" b="1" smtClean="0"/>
-              <a:t>ordinary (O) ray</a:t>
-            </a:r>
-            <a:r>
-              <a:rPr lang="en-US" smtClean="0"/>
-              <a:t> is characterized by an index of refraction of </a:t>
-            </a:r>
-            <a:r>
-              <a:rPr lang="en-US" i="1" smtClean="0"/>
-              <a:t>n</a:t>
-            </a:r>
-            <a:r>
-              <a:rPr lang="en-US" baseline="-25000" smtClean="0"/>
-              <a:t>o</a:t>
-            </a:r>
-            <a:endParaRPr lang="en-US" smtClean="0"/>
-          </a:p>
-          <a:p>
-            <a:pPr lvl="1" eaLnBrk="1" hangingPunct="1">
-              <a:lnSpc>
-                <a:spcPct val="90000"/>
-              </a:lnSpc>
-            </a:pPr>
-            <a:r>
-              <a:rPr lang="en-US" smtClean="0"/>
-              <a:t>This is the same in all directions</a:t>
-            </a:r>
-          </a:p>
-          <a:p>
-            <a:pPr eaLnBrk="1" hangingPunct="1">
-              <a:lnSpc>
-                <a:spcPct val="90000"/>
-              </a:lnSpc>
-            </a:pPr>
-            <a:r>
-              <a:rPr lang="en-US" smtClean="0"/>
-              <a:t>The second ray is the </a:t>
-            </a:r>
-            <a:r>
-              <a:rPr lang="en-US" b="1" i="1" smtClean="0"/>
-              <a:t>extraordinary (E) ray</a:t>
-            </a:r>
-            <a:r>
-              <a:rPr lang="en-US" smtClean="0"/>
-              <a:t> which travels at different speeds in different directions</a:t>
-            </a:r>
-          </a:p>
-          <a:p>
-            <a:pPr lvl="1" eaLnBrk="1" hangingPunct="1">
-              <a:lnSpc>
-                <a:spcPct val="90000"/>
-              </a:lnSpc>
-            </a:pPr>
-            <a:r>
-              <a:rPr lang="en-US" smtClean="0"/>
-              <a:t>Characterized by an index of refraction of </a:t>
-            </a:r>
-            <a:r>
-              <a:rPr lang="en-US" i="1" smtClean="0"/>
-              <a:t>n</a:t>
-            </a:r>
-            <a:r>
-              <a:rPr lang="en-US" i="1" baseline="-25000" smtClean="0"/>
+              <a:rPr lang="en-US" sz="3600" dirty="0">
+                <a:solidFill>
+                  <a:srgbClr val="FF0000"/>
+                </a:solidFill>
+              </a:rPr>
               <a:t>E</a:t>
             </a:r>
-            <a:r>
-              <a:rPr lang="en-US" smtClean="0"/>
-              <a:t> that varies with the direction of propagation</a:t>
-            </a:r>
           </a:p>
         </p:txBody>
       </p:sp>
     </p:spTree>
+    <p:extLst>
+      <p:ext uri="{BB962C8B-B14F-4D97-AF65-F5344CB8AC3E}">
+        <p14:creationId xmlns:p14="http://schemas.microsoft.com/office/powerpoint/2010/main" val="1121025108"/>
+      </p:ext>
+    </p:extLst>
   </p:cSld>
   <p:clrMapOvr>
     <a:masterClrMapping/>
   </p:clrMapOvr>
-  <p:timing>
-    <p:tnLst>
-      <p:par>
-        <p:cTn id="1" dur="indefinite" restart="never" nodeType="tmRoot"/>
-      </p:par>
-    </p:tnLst>
-  </p:timing>
 </p:sld>
 </file>
 

--- a/Slides/PH223_Lecture_50.pptx
+++ b/Slides/PH223_Lecture_50.pptx
@@ -147,13 +147,52 @@
 <file path=ppt/revisionInfo.xml><?xml version="1.0" encoding="utf-8"?>
 <p1510:revInfo xmlns:a="http://schemas.openxmlformats.org/drawingml/2006/main" xmlns:r="http://schemas.openxmlformats.org/officeDocument/2006/relationships" xmlns:p1510="http://schemas.microsoft.com/office/powerpoint/2015/10/main">
   <p1510:revLst>
-    <p1510:client id="{FC94D1A0-007C-406B-BB4C-ED28AB0FDB8E}" v="5" dt="2023-12-02T01:35:25.682"/>
+    <p1510:client id="{C9FFA5C6-FD40-46DF-9D57-0D2009D02BC3}" v="2" dt="2024-07-18T17:17:18.843"/>
   </p1510:revLst>
 </p1510:revInfo>
 </file>
 
 <file path=ppt/changesInfos/changesInfo1.xml><?xml version="1.0" encoding="utf-8"?>
 <pc:chgInfo xmlns:a="http://schemas.openxmlformats.org/drawingml/2006/main" xmlns:r="http://schemas.openxmlformats.org/officeDocument/2006/relationships" xmlns:ac="http://schemas.microsoft.com/office/drawing/2013/main/command" xmlns:pc="http://schemas.microsoft.com/office/powerpoint/2013/main/command">
+  <pc:docChgLst>
+    <pc:chgData name="Lines, Todd" userId="afaf7c3a-e8aa-4568-882a-02ad8f9e19b0" providerId="ADAL" clId="{C9FFA5C6-FD40-46DF-9D57-0D2009D02BC3}"/>
+    <pc:docChg chg="custSel modSld">
+      <pc:chgData name="Lines, Todd" userId="afaf7c3a-e8aa-4568-882a-02ad8f9e19b0" providerId="ADAL" clId="{C9FFA5C6-FD40-46DF-9D57-0D2009D02BC3}" dt="2024-07-18T17:17:22.858" v="3" actId="21"/>
+      <pc:docMkLst>
+        <pc:docMk/>
+      </pc:docMkLst>
+      <pc:sldChg chg="delSp modSp mod">
+        <pc:chgData name="Lines, Todd" userId="afaf7c3a-e8aa-4568-882a-02ad8f9e19b0" providerId="ADAL" clId="{C9FFA5C6-FD40-46DF-9D57-0D2009D02BC3}" dt="2024-07-18T17:16:48.116" v="1" actId="21"/>
+        <pc:sldMkLst>
+          <pc:docMk/>
+          <pc:sldMk cId="0" sldId="279"/>
+        </pc:sldMkLst>
+        <pc:picChg chg="del mod">
+          <ac:chgData name="Lines, Todd" userId="afaf7c3a-e8aa-4568-882a-02ad8f9e19b0" providerId="ADAL" clId="{C9FFA5C6-FD40-46DF-9D57-0D2009D02BC3}" dt="2024-07-18T17:16:48.116" v="1" actId="21"/>
+          <ac:picMkLst>
+            <pc:docMk/>
+            <pc:sldMk cId="0" sldId="279"/>
+            <ac:picMk id="6" creationId="{F246542B-7ED2-82A7-1E97-94544D1567FF}"/>
+          </ac:picMkLst>
+        </pc:picChg>
+      </pc:sldChg>
+      <pc:sldChg chg="delSp modSp mod">
+        <pc:chgData name="Lines, Todd" userId="afaf7c3a-e8aa-4568-882a-02ad8f9e19b0" providerId="ADAL" clId="{C9FFA5C6-FD40-46DF-9D57-0D2009D02BC3}" dt="2024-07-18T17:17:22.858" v="3" actId="21"/>
+        <pc:sldMkLst>
+          <pc:docMk/>
+          <pc:sldMk cId="0" sldId="281"/>
+        </pc:sldMkLst>
+        <pc:picChg chg="del mod">
+          <ac:chgData name="Lines, Todd" userId="afaf7c3a-e8aa-4568-882a-02ad8f9e19b0" providerId="ADAL" clId="{C9FFA5C6-FD40-46DF-9D57-0D2009D02BC3}" dt="2024-07-18T17:17:22.858" v="3" actId="21"/>
+          <ac:picMkLst>
+            <pc:docMk/>
+            <pc:sldMk cId="0" sldId="281"/>
+            <ac:picMk id="17" creationId="{2125344A-A93A-3F00-7DC1-D09273297CA7}"/>
+          </ac:picMkLst>
+        </pc:picChg>
+      </pc:sldChg>
+    </pc:docChg>
+  </pc:docChgLst>
   <pc:docChgLst>
     <pc:chgData name="Lines, Todd" userId="afaf7c3a-e8aa-4568-882a-02ad8f9e19b0" providerId="ADAL" clId="{FC94D1A0-007C-406B-BB4C-ED28AB0FDB8E}"/>
     <pc:docChg chg="custSel addSld modSld sldOrd">
@@ -393,7 +432,7 @@
             <a:fld id="{B24175E8-83AE-4370-837C-C86E918436A9}" type="datetimeFigureOut">
               <a:rPr lang="en-US" smtClean="0"/>
               <a:pPr/>
-              <a:t>12/1/2023</a:t>
+              <a:t>7/18/2024</a:t>
             </a:fld>
             <a:endParaRPr lang="en-US"/>
           </a:p>
@@ -1013,7 +1052,7 @@
             <a:fld id="{1D8B3AE8-A5D9-41EC-93A6-BE5390F6B110}" type="datetimeFigureOut">
               <a:rPr lang="en-US" smtClean="0"/>
               <a:pPr/>
-              <a:t>12/1/2023</a:t>
+              <a:t>7/18/2024</a:t>
             </a:fld>
             <a:endParaRPr lang="en-US"/>
           </a:p>
@@ -1178,7 +1217,7 @@
             <a:fld id="{1D8B3AE8-A5D9-41EC-93A6-BE5390F6B110}" type="datetimeFigureOut">
               <a:rPr lang="en-US" smtClean="0"/>
               <a:pPr/>
-              <a:t>12/1/2023</a:t>
+              <a:t>7/18/2024</a:t>
             </a:fld>
             <a:endParaRPr lang="en-US"/>
           </a:p>
@@ -1353,7 +1392,7 @@
             <a:fld id="{1D8B3AE8-A5D9-41EC-93A6-BE5390F6B110}" type="datetimeFigureOut">
               <a:rPr lang="en-US" smtClean="0"/>
               <a:pPr/>
-              <a:t>12/1/2023</a:t>
+              <a:t>7/18/2024</a:t>
             </a:fld>
             <a:endParaRPr lang="en-US"/>
           </a:p>
@@ -1745,7 +1784,7 @@
             <a:fld id="{1D8B3AE8-A5D9-41EC-93A6-BE5390F6B110}" type="datetimeFigureOut">
               <a:rPr lang="en-US" smtClean="0"/>
               <a:pPr/>
-              <a:t>12/1/2023</a:t>
+              <a:t>7/18/2024</a:t>
             </a:fld>
             <a:endParaRPr lang="en-US"/>
           </a:p>
@@ -1987,7 +2026,7 @@
             <a:fld id="{1D8B3AE8-A5D9-41EC-93A6-BE5390F6B110}" type="datetimeFigureOut">
               <a:rPr lang="en-US" smtClean="0"/>
               <a:pPr/>
-              <a:t>12/1/2023</a:t>
+              <a:t>7/18/2024</a:t>
             </a:fld>
             <a:endParaRPr lang="en-US"/>
           </a:p>
@@ -2269,7 +2308,7 @@
             <a:fld id="{1D8B3AE8-A5D9-41EC-93A6-BE5390F6B110}" type="datetimeFigureOut">
               <a:rPr lang="en-US" smtClean="0"/>
               <a:pPr/>
-              <a:t>12/1/2023</a:t>
+              <a:t>7/18/2024</a:t>
             </a:fld>
             <a:endParaRPr lang="en-US"/>
           </a:p>
@@ -2685,7 +2724,7 @@
             <a:fld id="{1D8B3AE8-A5D9-41EC-93A6-BE5390F6B110}" type="datetimeFigureOut">
               <a:rPr lang="en-US" smtClean="0"/>
               <a:pPr/>
-              <a:t>12/1/2023</a:t>
+              <a:t>7/18/2024</a:t>
             </a:fld>
             <a:endParaRPr lang="en-US"/>
           </a:p>
@@ -2799,7 +2838,7 @@
             <a:fld id="{1D8B3AE8-A5D9-41EC-93A6-BE5390F6B110}" type="datetimeFigureOut">
               <a:rPr lang="en-US" smtClean="0"/>
               <a:pPr/>
-              <a:t>12/1/2023</a:t>
+              <a:t>7/18/2024</a:t>
             </a:fld>
             <a:endParaRPr lang="en-US"/>
           </a:p>
@@ -2891,7 +2930,7 @@
             <a:fld id="{1D8B3AE8-A5D9-41EC-93A6-BE5390F6B110}" type="datetimeFigureOut">
               <a:rPr lang="en-US" smtClean="0"/>
               <a:pPr/>
-              <a:t>12/1/2023</a:t>
+              <a:t>7/18/2024</a:t>
             </a:fld>
             <a:endParaRPr lang="en-US"/>
           </a:p>
@@ -3163,7 +3202,7 @@
             <a:fld id="{1D8B3AE8-A5D9-41EC-93A6-BE5390F6B110}" type="datetimeFigureOut">
               <a:rPr lang="en-US" smtClean="0"/>
               <a:pPr/>
-              <a:t>12/1/2023</a:t>
+              <a:t>7/18/2024</a:t>
             </a:fld>
             <a:endParaRPr lang="en-US"/>
           </a:p>
@@ -3412,7 +3451,7 @@
             <a:fld id="{1D8B3AE8-A5D9-41EC-93A6-BE5390F6B110}" type="datetimeFigureOut">
               <a:rPr lang="en-US" smtClean="0"/>
               <a:pPr/>
-              <a:t>12/1/2023</a:t>
+              <a:t>7/18/2024</a:t>
             </a:fld>
             <a:endParaRPr lang="en-US"/>
           </a:p>
@@ -3620,7 +3659,7 @@
             <a:fld id="{1D8B3AE8-A5D9-41EC-93A6-BE5390F6B110}" type="datetimeFigureOut">
               <a:rPr lang="en-US" smtClean="0"/>
               <a:pPr/>
-              <a:t>12/1/2023</a:t>
+              <a:t>7/18/2024</a:t>
             </a:fld>
             <a:endParaRPr lang="en-US"/>
           </a:p>
@@ -9687,6 +9726,13 @@
           </p:nvPr>
         </p:nvSpPr>
         <p:spPr/>
+        <p:txBody>
+          <a:bodyPr/>
+          <a:lstStyle/>
+          <a:p>
+            <a:endParaRPr lang="en-US"/>
+          </a:p>
+        </p:txBody>
       </p:sp>
       <p:pic>
         <p:nvPicPr>
@@ -10184,6 +10230,13 @@
           </p:nvPr>
         </p:nvSpPr>
         <p:spPr/>
+        <p:txBody>
+          <a:bodyPr/>
+          <a:lstStyle/>
+          <a:p>
+            <a:endParaRPr lang="en-US"/>
+          </a:p>
+        </p:txBody>
       </p:sp>
       <p:pic>
         <p:nvPicPr>
